--- a/Abilympics4.pptx
+++ b/Abilympics4.pptx
@@ -2,8 +2,27 @@
 <file path=ppt/presentation.xml><?xml version="1.0" encoding="utf-8"?>
 <p:presentation xmlns:a="http://schemas.openxmlformats.org/drawingml/2006/main" xmlns:r="http://schemas.openxmlformats.org/officeDocument/2006/relationships" xmlns:p="http://schemas.openxmlformats.org/presentationml/2006/main" saveSubsetFonts="1">
   <p:sldMasterIdLst>
-    <p:sldMasterId id="2147483648" r:id="rId1"/>
+    <p:sldMasterId id="2147483660" r:id="rId1"/>
   </p:sldMasterIdLst>
+  <p:sldIdLst>
+    <p:sldId id="256" r:id="rId2"/>
+    <p:sldId id="257" r:id="rId3"/>
+    <p:sldId id="258" r:id="rId4"/>
+    <p:sldId id="259" r:id="rId5"/>
+    <p:sldId id="260" r:id="rId6"/>
+    <p:sldId id="261" r:id="rId7"/>
+    <p:sldId id="262" r:id="rId8"/>
+    <p:sldId id="263" r:id="rId9"/>
+    <p:sldId id="264" r:id="rId10"/>
+    <p:sldId id="265" r:id="rId11"/>
+    <p:sldId id="266" r:id="rId12"/>
+    <p:sldId id="267" r:id="rId13"/>
+    <p:sldId id="268" r:id="rId14"/>
+    <p:sldId id="269" r:id="rId15"/>
+    <p:sldId id="270" r:id="rId16"/>
+    <p:sldId id="271" r:id="rId17"/>
+    <p:sldId id="272" r:id="rId18"/>
+  </p:sldIdLst>
   <p:sldSz cx="9144000" cy="6858000" type="screen4x3"/>
   <p:notesSz cx="6858000" cy="9144000"/>
   <p:defaultTextStyle>
@@ -105,7 +124,7 @@
 </file>
 
 <file path=ppt/slideLayouts/slideLayout1.xml><?xml version="1.0" encoding="utf-8"?>
-<p:sldLayout xmlns:a="http://schemas.openxmlformats.org/drawingml/2006/main" xmlns:r="http://schemas.openxmlformats.org/officeDocument/2006/relationships" xmlns:p="http://schemas.openxmlformats.org/presentationml/2006/main" type="title" preserve="1">
+<p:sldLayout xmlns:a="http://schemas.openxmlformats.org/drawingml/2006/main" xmlns:r="http://schemas.openxmlformats.org/officeDocument/2006/relationships" xmlns:p="http://schemas.openxmlformats.org/presentationml/2006/main" showMasterSp="0" type="title" preserve="1">
   <p:cSld name="Титульный слайд">
     <p:spTree>
       <p:nvGrpSpPr>
@@ -123,7 +142,57 @@
       </p:grpSpPr>
       <p:sp>
         <p:nvSpPr>
-          <p:cNvPr id="2" name="Заголовок 1"/>
+          <p:cNvPr id="7" name="Прямая соединительная линия 6"/>
+          <p:cNvSpPr>
+            <a:spLocks noChangeShapeType="1"/>
+          </p:cNvSpPr>
+          <p:nvPr/>
+        </p:nvSpPr>
+        <p:spPr bwMode="auto">
+          <a:xfrm>
+            <a:off x="514350" y="5349902"/>
+            <a:ext cx="8629650" cy="2381"/>
+          </a:xfrm>
+          <a:prstGeom prst="line">
+            <a:avLst/>
+          </a:prstGeom>
+          <a:noFill/>
+          <a:ln w="9525" cap="flat" cmpd="sng" algn="ctr">
+            <a:gradFill flip="none" rotWithShape="1">
+              <a:gsLst>
+                <a:gs pos="0">
+                  <a:schemeClr val="accent1">
+                    <a:alpha val="0"/>
+                  </a:schemeClr>
+                </a:gs>
+                <a:gs pos="17000">
+                  <a:schemeClr val="accent1"/>
+                </a:gs>
+                <a:gs pos="100000">
+                  <a:schemeClr val="accent1"/>
+                </a:gs>
+              </a:gsLst>
+              <a:lin ang="0" scaled="1"/>
+              <a:tileRect/>
+            </a:gradFill>
+            <a:prstDash val="solid"/>
+            <a:round/>
+            <a:headEnd type="none" w="med" len="med"/>
+            <a:tailEnd type="none" w="med" len="med"/>
+          </a:ln>
+          <a:effectLst/>
+        </p:spPr>
+        <p:txBody>
+          <a:bodyPr vert="horz" wrap="square" lIns="91440" tIns="45720" rIns="91440" bIns="45720" anchor="t" compatLnSpc="1"/>
+          <a:lstStyle/>
+          <a:p>
+            <a:endParaRPr kumimoji="0" lang="en-US"/>
+          </a:p>
+        </p:txBody>
+      </p:sp>
+      <p:sp>
+        <p:nvSpPr>
+          <p:cNvPr id="29" name="Заголовок 28"/>
           <p:cNvSpPr>
             <a:spLocks noGrp="1"/>
           </p:cNvSpPr>
@@ -133,25 +202,25 @@
         </p:nvSpPr>
         <p:spPr>
           <a:xfrm>
-            <a:off x="685800" y="2130425"/>
-            <a:ext cx="7772400" cy="1470025"/>
+            <a:off x="381000" y="4853411"/>
+            <a:ext cx="8458200" cy="1222375"/>
           </a:xfrm>
         </p:spPr>
         <p:txBody>
-          <a:bodyPr/>
-          <a:lstStyle/>
-          <a:p>
-            <a:r>
-              <a:rPr lang="ru-RU" smtClean="0"/>
+          <a:bodyPr anchor="t"/>
+          <a:lstStyle/>
+          <a:p>
+            <a:r>
+              <a:rPr kumimoji="0" lang="ru-RU" smtClean="0"/>
               <a:t>Образец заголовка</a:t>
             </a:r>
-            <a:endParaRPr lang="ru-RU"/>
-          </a:p>
-        </p:txBody>
-      </p:sp>
-      <p:sp>
-        <p:nvSpPr>
-          <p:cNvPr id="3" name="Подзаголовок 2"/>
+            <a:endParaRPr kumimoji="0" lang="en-US"/>
+          </a:p>
+        </p:txBody>
+      </p:sp>
+      <p:sp>
+        <p:nvSpPr>
+          <p:cNvPr id="9" name="Подзаголовок 8"/>
           <p:cNvSpPr>
             <a:spLocks noGrp="1"/>
           </p:cNvSpPr>
@@ -161,116 +230,60 @@
         </p:nvSpPr>
         <p:spPr>
           <a:xfrm>
-            <a:off x="1371600" y="3886200"/>
-            <a:ext cx="6400800" cy="1752600"/>
+            <a:off x="381000" y="3886200"/>
+            <a:ext cx="8458200" cy="914400"/>
           </a:xfrm>
         </p:spPr>
         <p:txBody>
-          <a:bodyPr/>
+          <a:bodyPr anchor="b"/>
           <a:lstStyle>
-            <a:lvl1pPr marL="0" indent="0" algn="ctr">
+            <a:lvl1pPr marL="0" indent="0" algn="l">
               <a:buNone/>
-              <a:defRPr>
+              <a:defRPr sz="2400">
                 <a:solidFill>
-                  <a:schemeClr val="tx1">
-                    <a:tint val="75000"/>
+                  <a:schemeClr val="tx2">
+                    <a:shade val="75000"/>
                   </a:schemeClr>
                 </a:solidFill>
               </a:defRPr>
             </a:lvl1pPr>
             <a:lvl2pPr marL="457200" indent="0" algn="ctr">
               <a:buNone/>
-              <a:defRPr>
-                <a:solidFill>
-                  <a:schemeClr val="tx1">
-                    <a:tint val="75000"/>
-                  </a:schemeClr>
-                </a:solidFill>
-              </a:defRPr>
             </a:lvl2pPr>
             <a:lvl3pPr marL="914400" indent="0" algn="ctr">
               <a:buNone/>
-              <a:defRPr>
-                <a:solidFill>
-                  <a:schemeClr val="tx1">
-                    <a:tint val="75000"/>
-                  </a:schemeClr>
-                </a:solidFill>
-              </a:defRPr>
             </a:lvl3pPr>
             <a:lvl4pPr marL="1371600" indent="0" algn="ctr">
               <a:buNone/>
-              <a:defRPr>
-                <a:solidFill>
-                  <a:schemeClr val="tx1">
-                    <a:tint val="75000"/>
-                  </a:schemeClr>
-                </a:solidFill>
-              </a:defRPr>
             </a:lvl4pPr>
             <a:lvl5pPr marL="1828800" indent="0" algn="ctr">
               <a:buNone/>
-              <a:defRPr>
-                <a:solidFill>
-                  <a:schemeClr val="tx1">
-                    <a:tint val="75000"/>
-                  </a:schemeClr>
-                </a:solidFill>
-              </a:defRPr>
             </a:lvl5pPr>
             <a:lvl6pPr marL="2286000" indent="0" algn="ctr">
               <a:buNone/>
-              <a:defRPr>
-                <a:solidFill>
-                  <a:schemeClr val="tx1">
-                    <a:tint val="75000"/>
-                  </a:schemeClr>
-                </a:solidFill>
-              </a:defRPr>
             </a:lvl6pPr>
             <a:lvl7pPr marL="2743200" indent="0" algn="ctr">
               <a:buNone/>
-              <a:defRPr>
-                <a:solidFill>
-                  <a:schemeClr val="tx1">
-                    <a:tint val="75000"/>
-                  </a:schemeClr>
-                </a:solidFill>
-              </a:defRPr>
             </a:lvl7pPr>
             <a:lvl8pPr marL="3200400" indent="0" algn="ctr">
               <a:buNone/>
-              <a:defRPr>
-                <a:solidFill>
-                  <a:schemeClr val="tx1">
-                    <a:tint val="75000"/>
-                  </a:schemeClr>
-                </a:solidFill>
-              </a:defRPr>
             </a:lvl8pPr>
             <a:lvl9pPr marL="3657600" indent="0" algn="ctr">
               <a:buNone/>
-              <a:defRPr>
-                <a:solidFill>
-                  <a:schemeClr val="tx1">
-                    <a:tint val="75000"/>
-                  </a:schemeClr>
-                </a:solidFill>
-              </a:defRPr>
             </a:lvl9pPr>
           </a:lstStyle>
           <a:p>
             <a:r>
-              <a:rPr lang="ru-RU" smtClean="0"/>
+              <a:rPr kumimoji="0" lang="ru-RU" smtClean="0"/>
               <a:t>Образец подзаголовка</a:t>
             </a:r>
-            <a:endParaRPr lang="ru-RU"/>
-          </a:p>
-        </p:txBody>
-      </p:sp>
-      <p:sp>
-        <p:nvSpPr>
-          <p:cNvPr id="4" name="Дата 3"/>
+            <a:endParaRPr kumimoji="0" lang="en-US"/>
+          </a:p>
+        </p:txBody>
+      </p:sp>
+      <p:sp>
+        <p:nvSpPr>
+          <p:cNvPr id="16" name="Дата 15"/>
           <p:cNvSpPr>
             <a:spLocks noGrp="1"/>
           </p:cNvSpPr>
@@ -285,7 +298,8 @@
           <a:p>
             <a:fld id="{5B106E36-FD25-4E2D-B0AA-010F637433A0}" type="datetimeFigureOut">
               <a:rPr lang="ru-RU" smtClean="0"/>
-              <a:t>03.11.2006</a:t>
+              <a:pPr/>
+              <a:t>12.10.2019</a:t>
             </a:fld>
             <a:endParaRPr lang="ru-RU"/>
           </a:p>
@@ -293,7 +307,7 @@
       </p:sp>
       <p:sp>
         <p:nvSpPr>
-          <p:cNvPr id="5" name="Нижний колонтитул 4"/>
+          <p:cNvPr id="2" name="Нижний колонтитул 1"/>
           <p:cNvSpPr>
             <a:spLocks noGrp="1"/>
           </p:cNvSpPr>
@@ -312,7 +326,7 @@
       </p:sp>
       <p:sp>
         <p:nvSpPr>
-          <p:cNvPr id="6" name="Номер слайда 5"/>
+          <p:cNvPr id="15" name="Номер слайда 14"/>
           <p:cNvSpPr>
             <a:spLocks noGrp="1"/>
           </p:cNvSpPr>
@@ -320,13 +334,19 @@
             <p:ph type="sldNum" sz="quarter" idx="12"/>
           </p:nvPr>
         </p:nvSpPr>
-        <p:spPr/>
+        <p:spPr>
+          <a:xfrm>
+            <a:off x="8229600" y="6473952"/>
+            <a:ext cx="758952" cy="246888"/>
+          </a:xfrm>
+        </p:spPr>
         <p:txBody>
           <a:bodyPr/>
           <a:lstStyle/>
           <a:p>
             <a:fld id="{725C68B6-61C2-468F-89AB-4B9F7531AA68}" type="slidenum">
               <a:rPr lang="ru-RU" smtClean="0"/>
+              <a:pPr/>
               <a:t>‹#›</a:t>
             </a:fld>
             <a:endParaRPr lang="ru-RU"/>
@@ -338,6 +358,9 @@
   <p:clrMapOvr>
     <a:masterClrMapping/>
   </p:clrMapOvr>
+  <p:transition>
+    <p:blinds dir="vert"/>
+  </p:transition>
 </p:sldLayout>
 </file>
 
@@ -374,10 +397,10 @@
           <a:lstStyle/>
           <a:p>
             <a:r>
-              <a:rPr lang="ru-RU" smtClean="0"/>
+              <a:rPr kumimoji="0" lang="ru-RU" smtClean="0"/>
               <a:t>Образец заголовка</a:t>
             </a:r>
-            <a:endParaRPr lang="ru-RU"/>
+            <a:endParaRPr kumimoji="0" lang="en-US"/>
           </a:p>
         </p:txBody>
       </p:sp>
@@ -396,40 +419,40 @@
           <a:bodyPr vert="eaVert"/>
           <a:lstStyle/>
           <a:p>
-            <a:pPr lvl="0"/>
+            <a:pPr lvl="0" eaLnBrk="1" latinLnBrk="0" hangingPunct="1"/>
             <a:r>
               <a:rPr lang="ru-RU" smtClean="0"/>
               <a:t>Образец текста</a:t>
             </a:r>
           </a:p>
           <a:p>
-            <a:pPr lvl="1"/>
+            <a:pPr lvl="1" eaLnBrk="1" latinLnBrk="0" hangingPunct="1"/>
             <a:r>
               <a:rPr lang="ru-RU" smtClean="0"/>
               <a:t>Второй уровень</a:t>
             </a:r>
           </a:p>
           <a:p>
-            <a:pPr lvl="2"/>
+            <a:pPr lvl="2" eaLnBrk="1" latinLnBrk="0" hangingPunct="1"/>
             <a:r>
               <a:rPr lang="ru-RU" smtClean="0"/>
               <a:t>Третий уровень</a:t>
             </a:r>
           </a:p>
           <a:p>
-            <a:pPr lvl="3"/>
+            <a:pPr lvl="3" eaLnBrk="1" latinLnBrk="0" hangingPunct="1"/>
             <a:r>
               <a:rPr lang="ru-RU" smtClean="0"/>
               <a:t>Четвертый уровень</a:t>
             </a:r>
           </a:p>
           <a:p>
-            <a:pPr lvl="4"/>
+            <a:pPr lvl="4" eaLnBrk="1" latinLnBrk="0" hangingPunct="1"/>
             <a:r>
               <a:rPr lang="ru-RU" smtClean="0"/>
               <a:t>Пятый уровень</a:t>
             </a:r>
-            <a:endParaRPr lang="ru-RU"/>
+            <a:endParaRPr kumimoji="0" lang="en-US"/>
           </a:p>
         </p:txBody>
       </p:sp>
@@ -450,7 +473,8 @@
           <a:p>
             <a:fld id="{5B106E36-FD25-4E2D-B0AA-010F637433A0}" type="datetimeFigureOut">
               <a:rPr lang="ru-RU" smtClean="0"/>
-              <a:t>03.11.2006</a:t>
+              <a:pPr/>
+              <a:t>12.10.2019</a:t>
             </a:fld>
             <a:endParaRPr lang="ru-RU"/>
           </a:p>
@@ -492,6 +516,7 @@
           <a:p>
             <a:fld id="{725C68B6-61C2-468F-89AB-4B9F7531AA68}" type="slidenum">
               <a:rPr lang="ru-RU" smtClean="0"/>
+              <a:pPr/>
               <a:t>‹#›</a:t>
             </a:fld>
             <a:endParaRPr lang="ru-RU"/>
@@ -503,11 +528,14 @@
   <p:clrMapOvr>
     <a:masterClrMapping/>
   </p:clrMapOvr>
+  <p:transition>
+    <p:blinds dir="vert"/>
+  </p:transition>
 </p:sldLayout>
 </file>
 
 <file path=ppt/slideLayouts/slideLayout11.xml><?xml version="1.0" encoding="utf-8"?>
-<p:sldLayout xmlns:a="http://schemas.openxmlformats.org/drawingml/2006/main" xmlns:r="http://schemas.openxmlformats.org/officeDocument/2006/relationships" xmlns:p="http://schemas.openxmlformats.org/presentationml/2006/main" type="vertTitleAndTx" preserve="1">
+<p:sldLayout xmlns:a="http://schemas.openxmlformats.org/drawingml/2006/main" xmlns:r="http://schemas.openxmlformats.org/officeDocument/2006/relationships" xmlns:p="http://schemas.openxmlformats.org/presentationml/2006/main" showMasterSp="0" type="vertTitleAndTx" preserve="1">
   <p:cSld name="Вертикальный заголовок и текст">
     <p:spTree>
       <p:nvGrpSpPr>
@@ -535,8 +563,8 @@
         </p:nvSpPr>
         <p:spPr>
           <a:xfrm>
-            <a:off x="6629400" y="274638"/>
-            <a:ext cx="2057400" cy="5851525"/>
+            <a:off x="6858000" y="549276"/>
+            <a:ext cx="1828800" cy="5851525"/>
           </a:xfrm>
         </p:spPr>
         <p:txBody>
@@ -544,10 +572,10 @@
           <a:lstStyle/>
           <a:p>
             <a:r>
-              <a:rPr lang="ru-RU" smtClean="0"/>
+              <a:rPr kumimoji="0" lang="ru-RU" smtClean="0"/>
               <a:t>Образец заголовка</a:t>
             </a:r>
-            <a:endParaRPr lang="ru-RU"/>
+            <a:endParaRPr kumimoji="0" lang="en-US"/>
           </a:p>
         </p:txBody>
       </p:sp>
@@ -563,48 +591,48 @@
         </p:nvSpPr>
         <p:spPr>
           <a:xfrm>
-            <a:off x="457200" y="274638"/>
-            <a:ext cx="6019800" cy="5851525"/>
+            <a:off x="457200" y="549276"/>
+            <a:ext cx="6248400" cy="5851525"/>
           </a:xfrm>
         </p:spPr>
         <p:txBody>
           <a:bodyPr vert="eaVert"/>
           <a:lstStyle/>
           <a:p>
-            <a:pPr lvl="0"/>
+            <a:pPr lvl="0" eaLnBrk="1" latinLnBrk="0" hangingPunct="1"/>
             <a:r>
               <a:rPr lang="ru-RU" smtClean="0"/>
               <a:t>Образец текста</a:t>
             </a:r>
           </a:p>
           <a:p>
-            <a:pPr lvl="1"/>
+            <a:pPr lvl="1" eaLnBrk="1" latinLnBrk="0" hangingPunct="1"/>
             <a:r>
               <a:rPr lang="ru-RU" smtClean="0"/>
               <a:t>Второй уровень</a:t>
             </a:r>
           </a:p>
           <a:p>
-            <a:pPr lvl="2"/>
+            <a:pPr lvl="2" eaLnBrk="1" latinLnBrk="0" hangingPunct="1"/>
             <a:r>
               <a:rPr lang="ru-RU" smtClean="0"/>
               <a:t>Третий уровень</a:t>
             </a:r>
           </a:p>
           <a:p>
-            <a:pPr lvl="3"/>
+            <a:pPr lvl="3" eaLnBrk="1" latinLnBrk="0" hangingPunct="1"/>
             <a:r>
               <a:rPr lang="ru-RU" smtClean="0"/>
               <a:t>Четвертый уровень</a:t>
             </a:r>
           </a:p>
           <a:p>
-            <a:pPr lvl="4"/>
+            <a:pPr lvl="4" eaLnBrk="1" latinLnBrk="0" hangingPunct="1"/>
             <a:r>
               <a:rPr lang="ru-RU" smtClean="0"/>
               <a:t>Пятый уровень</a:t>
             </a:r>
-            <a:endParaRPr lang="ru-RU"/>
+            <a:endParaRPr kumimoji="0" lang="en-US"/>
           </a:p>
         </p:txBody>
       </p:sp>
@@ -625,7 +653,8 @@
           <a:p>
             <a:fld id="{5B106E36-FD25-4E2D-B0AA-010F637433A0}" type="datetimeFigureOut">
               <a:rPr lang="ru-RU" smtClean="0"/>
-              <a:t>03.11.2006</a:t>
+              <a:pPr/>
+              <a:t>12.10.2019</a:t>
             </a:fld>
             <a:endParaRPr lang="ru-RU"/>
           </a:p>
@@ -667,6 +696,7 @@
           <a:p>
             <a:fld id="{725C68B6-61C2-468F-89AB-4B9F7531AA68}" type="slidenum">
               <a:rPr lang="ru-RU" smtClean="0"/>
+              <a:pPr/>
               <a:t>‹#›</a:t>
             </a:fld>
             <a:endParaRPr lang="ru-RU"/>
@@ -678,6 +708,9 @@
   <p:clrMapOvr>
     <a:masterClrMapping/>
   </p:clrMapOvr>
+  <p:transition>
+    <p:blinds dir="vert"/>
+  </p:transition>
 </p:sldLayout>
 </file>
 
@@ -700,7 +733,7 @@
       </p:grpSpPr>
       <p:sp>
         <p:nvSpPr>
-          <p:cNvPr id="2" name="Заголовок 1"/>
+          <p:cNvPr id="22" name="Заголовок 21"/>
           <p:cNvSpPr>
             <a:spLocks noGrp="1"/>
           </p:cNvSpPr>
@@ -714,16 +747,16 @@
           <a:lstStyle/>
           <a:p>
             <a:r>
-              <a:rPr lang="ru-RU" smtClean="0"/>
+              <a:rPr kumimoji="0" lang="ru-RU" smtClean="0"/>
               <a:t>Образец заголовка</a:t>
             </a:r>
-            <a:endParaRPr lang="ru-RU"/>
-          </a:p>
-        </p:txBody>
-      </p:sp>
-      <p:sp>
-        <p:nvSpPr>
-          <p:cNvPr id="3" name="Содержимое 2"/>
+            <a:endParaRPr kumimoji="0" lang="en-US"/>
+          </a:p>
+        </p:txBody>
+      </p:sp>
+      <p:sp>
+        <p:nvSpPr>
+          <p:cNvPr id="27" name="Содержимое 26"/>
           <p:cNvSpPr>
             <a:spLocks noGrp="1"/>
           </p:cNvSpPr>
@@ -736,46 +769,46 @@
           <a:bodyPr/>
           <a:lstStyle/>
           <a:p>
-            <a:pPr lvl="0"/>
+            <a:pPr lvl="0" eaLnBrk="1" latinLnBrk="0" hangingPunct="1"/>
             <a:r>
               <a:rPr lang="ru-RU" smtClean="0"/>
               <a:t>Образец текста</a:t>
             </a:r>
           </a:p>
           <a:p>
-            <a:pPr lvl="1"/>
+            <a:pPr lvl="1" eaLnBrk="1" latinLnBrk="0" hangingPunct="1"/>
             <a:r>
               <a:rPr lang="ru-RU" smtClean="0"/>
               <a:t>Второй уровень</a:t>
             </a:r>
           </a:p>
           <a:p>
-            <a:pPr lvl="2"/>
+            <a:pPr lvl="2" eaLnBrk="1" latinLnBrk="0" hangingPunct="1"/>
             <a:r>
               <a:rPr lang="ru-RU" smtClean="0"/>
               <a:t>Третий уровень</a:t>
             </a:r>
           </a:p>
           <a:p>
-            <a:pPr lvl="3"/>
+            <a:pPr lvl="3" eaLnBrk="1" latinLnBrk="0" hangingPunct="1"/>
             <a:r>
               <a:rPr lang="ru-RU" smtClean="0"/>
               <a:t>Четвертый уровень</a:t>
             </a:r>
           </a:p>
           <a:p>
-            <a:pPr lvl="4"/>
+            <a:pPr lvl="4" eaLnBrk="1" latinLnBrk="0" hangingPunct="1"/>
             <a:r>
               <a:rPr lang="ru-RU" smtClean="0"/>
               <a:t>Пятый уровень</a:t>
             </a:r>
-            <a:endParaRPr lang="ru-RU"/>
-          </a:p>
-        </p:txBody>
-      </p:sp>
-      <p:sp>
-        <p:nvSpPr>
-          <p:cNvPr id="4" name="Дата 3"/>
+            <a:endParaRPr kumimoji="0" lang="en-US"/>
+          </a:p>
+        </p:txBody>
+      </p:sp>
+      <p:sp>
+        <p:nvSpPr>
+          <p:cNvPr id="25" name="Дата 24"/>
           <p:cNvSpPr>
             <a:spLocks noGrp="1"/>
           </p:cNvSpPr>
@@ -790,7 +823,8 @@
           <a:p>
             <a:fld id="{5B106E36-FD25-4E2D-B0AA-010F637433A0}" type="datetimeFigureOut">
               <a:rPr lang="ru-RU" smtClean="0"/>
-              <a:t>03.11.2006</a:t>
+              <a:pPr/>
+              <a:t>12.10.2019</a:t>
             </a:fld>
             <a:endParaRPr lang="ru-RU"/>
           </a:p>
@@ -798,7 +832,7 @@
       </p:sp>
       <p:sp>
         <p:nvSpPr>
-          <p:cNvPr id="5" name="Нижний колонтитул 4"/>
+          <p:cNvPr id="19" name="Нижний колонтитул 18"/>
           <p:cNvSpPr>
             <a:spLocks noGrp="1"/>
           </p:cNvSpPr>
@@ -806,18 +840,23 @@
             <p:ph type="ftr" sz="quarter" idx="11"/>
           </p:nvPr>
         </p:nvSpPr>
-        <p:spPr/>
-        <p:txBody>
-          <a:bodyPr/>
-          <a:lstStyle/>
-          <a:p>
-            <a:endParaRPr lang="ru-RU"/>
-          </a:p>
-        </p:txBody>
-      </p:sp>
-      <p:sp>
-        <p:nvSpPr>
-          <p:cNvPr id="6" name="Номер слайда 5"/>
+        <p:spPr>
+          <a:xfrm>
+            <a:off x="3581400" y="76200"/>
+            <a:ext cx="2895600" cy="288925"/>
+          </a:xfrm>
+        </p:spPr>
+        <p:txBody>
+          <a:bodyPr/>
+          <a:lstStyle/>
+          <a:p>
+            <a:endParaRPr lang="ru-RU"/>
+          </a:p>
+        </p:txBody>
+      </p:sp>
+      <p:sp>
+        <p:nvSpPr>
+          <p:cNvPr id="16" name="Номер слайда 15"/>
           <p:cNvSpPr>
             <a:spLocks noGrp="1"/>
           </p:cNvSpPr>
@@ -825,13 +864,19 @@
             <p:ph type="sldNum" sz="quarter" idx="12"/>
           </p:nvPr>
         </p:nvSpPr>
-        <p:spPr/>
+        <p:spPr>
+          <a:xfrm>
+            <a:off x="8229600" y="6473952"/>
+            <a:ext cx="758952" cy="246888"/>
+          </a:xfrm>
+        </p:spPr>
         <p:txBody>
           <a:bodyPr/>
           <a:lstStyle/>
           <a:p>
             <a:fld id="{725C68B6-61C2-468F-89AB-4B9F7531AA68}" type="slidenum">
               <a:rPr lang="ru-RU" smtClean="0"/>
+              <a:pPr/>
               <a:t>‹#›</a:t>
             </a:fld>
             <a:endParaRPr lang="ru-RU"/>
@@ -843,12 +888,20 @@
   <p:clrMapOvr>
     <a:masterClrMapping/>
   </p:clrMapOvr>
+  <p:transition>
+    <p:blinds dir="vert"/>
+  </p:transition>
 </p:sldLayout>
 </file>
 
 <file path=ppt/slideLayouts/slideLayout3.xml><?xml version="1.0" encoding="utf-8"?>
-<p:sldLayout xmlns:a="http://schemas.openxmlformats.org/drawingml/2006/main" xmlns:r="http://schemas.openxmlformats.org/officeDocument/2006/relationships" xmlns:p="http://schemas.openxmlformats.org/presentationml/2006/main" type="secHead" preserve="1">
+<p:sldLayout xmlns:a="http://schemas.openxmlformats.org/drawingml/2006/main" xmlns:r="http://schemas.openxmlformats.org/officeDocument/2006/relationships" xmlns:p="http://schemas.openxmlformats.org/presentationml/2006/main" showMasterSp="0" type="secHead" preserve="1">
   <p:cSld name="Заголовок раздела">
+    <p:bg>
+      <p:bgRef idx="1003">
+        <a:schemeClr val="bg2"/>
+      </p:bgRef>
+    </p:bg>
     <p:spTree>
       <p:nvGrpSpPr>
         <p:cNvPr id="1" name=""/>
@@ -865,66 +918,84 @@
       </p:grpSpPr>
       <p:sp>
         <p:nvSpPr>
-          <p:cNvPr id="2" name="Заголовок 1"/>
-          <p:cNvSpPr>
-            <a:spLocks noGrp="1"/>
-          </p:cNvSpPr>
-          <p:nvPr>
-            <p:ph type="title"/>
+          <p:cNvPr id="7" name="Прямая соединительная линия 6"/>
+          <p:cNvSpPr>
+            <a:spLocks noChangeShapeType="1"/>
+          </p:cNvSpPr>
+          <p:nvPr/>
+        </p:nvSpPr>
+        <p:spPr bwMode="auto">
+          <a:xfrm>
+            <a:off x="514350" y="3444902"/>
+            <a:ext cx="8629650" cy="2381"/>
+          </a:xfrm>
+          <a:prstGeom prst="line">
+            <a:avLst/>
+          </a:prstGeom>
+          <a:noFill/>
+          <a:ln w="9525" cap="flat" cmpd="sng" algn="ctr">
+            <a:gradFill flip="none" rotWithShape="1">
+              <a:gsLst>
+                <a:gs pos="0">
+                  <a:schemeClr val="accent1">
+                    <a:alpha val="0"/>
+                  </a:schemeClr>
+                </a:gs>
+                <a:gs pos="17000">
+                  <a:schemeClr val="accent1"/>
+                </a:gs>
+                <a:gs pos="100000">
+                  <a:schemeClr val="accent1"/>
+                </a:gs>
+              </a:gsLst>
+              <a:lin ang="0" scaled="1"/>
+              <a:tileRect/>
+            </a:gradFill>
+            <a:prstDash val="solid"/>
+            <a:round/>
+            <a:headEnd type="none" w="med" len="med"/>
+            <a:tailEnd type="none" w="med" len="med"/>
+          </a:ln>
+          <a:effectLst/>
+        </p:spPr>
+        <p:txBody>
+          <a:bodyPr vert="horz" wrap="square" lIns="91440" tIns="45720" rIns="91440" bIns="45720" anchor="t" compatLnSpc="1"/>
+          <a:lstStyle/>
+          <a:p>
+            <a:endParaRPr kumimoji="0" lang="en-US"/>
+          </a:p>
+        </p:txBody>
+      </p:sp>
+      <p:sp>
+        <p:nvSpPr>
+          <p:cNvPr id="6" name="Текст 5"/>
+          <p:cNvSpPr>
+            <a:spLocks noGrp="1"/>
+          </p:cNvSpPr>
+          <p:nvPr>
+            <p:ph type="body" idx="1"/>
           </p:nvPr>
         </p:nvSpPr>
         <p:spPr>
           <a:xfrm>
-            <a:off x="722313" y="4406900"/>
-            <a:ext cx="7772400" cy="1362075"/>
+            <a:off x="381000" y="1676400"/>
+            <a:ext cx="8458200" cy="1219200"/>
           </a:xfrm>
         </p:spPr>
         <p:txBody>
-          <a:bodyPr anchor="t"/>
-          <a:lstStyle>
-            <a:lvl1pPr algn="l">
-              <a:defRPr sz="4000" b="1" cap="all"/>
-            </a:lvl1pPr>
-          </a:lstStyle>
-          <a:p>
-            <a:r>
-              <a:rPr lang="ru-RU" smtClean="0"/>
-              <a:t>Образец заголовка</a:t>
-            </a:r>
-            <a:endParaRPr lang="ru-RU"/>
-          </a:p>
-        </p:txBody>
-      </p:sp>
-      <p:sp>
-        <p:nvSpPr>
-          <p:cNvPr id="3" name="Текст 2"/>
-          <p:cNvSpPr>
-            <a:spLocks noGrp="1"/>
-          </p:cNvSpPr>
-          <p:nvPr>
-            <p:ph type="body" idx="1"/>
-          </p:nvPr>
-        </p:nvSpPr>
-        <p:spPr>
-          <a:xfrm>
-            <a:off x="722313" y="2906713"/>
-            <a:ext cx="7772400" cy="1500187"/>
-          </a:xfrm>
-        </p:spPr>
-        <p:txBody>
           <a:bodyPr anchor="b"/>
           <a:lstStyle>
-            <a:lvl1pPr marL="0" indent="0">
+            <a:lvl1pPr marL="0" indent="0" algn="r">
               <a:buNone/>
               <a:defRPr sz="2000">
                 <a:solidFill>
-                  <a:schemeClr val="tx1">
-                    <a:tint val="75000"/>
+                  <a:schemeClr val="tx2">
+                    <a:shade val="75000"/>
                   </a:schemeClr>
                 </a:solidFill>
               </a:defRPr>
             </a:lvl1pPr>
-            <a:lvl2pPr marL="457200" indent="0">
+            <a:lvl2pPr>
               <a:buNone/>
               <a:defRPr sz="1800">
                 <a:solidFill>
@@ -934,7 +1005,7 @@
                 </a:solidFill>
               </a:defRPr>
             </a:lvl2pPr>
-            <a:lvl3pPr marL="914400" indent="0">
+            <a:lvl3pPr>
               <a:buNone/>
               <a:defRPr sz="1600">
                 <a:solidFill>
@@ -944,7 +1015,7 @@
                 </a:solidFill>
               </a:defRPr>
             </a:lvl3pPr>
-            <a:lvl4pPr marL="1371600" indent="0">
+            <a:lvl4pPr>
               <a:buNone/>
               <a:defRPr sz="1400">
                 <a:solidFill>
@@ -954,7 +1025,7 @@
                 </a:solidFill>
               </a:defRPr>
             </a:lvl4pPr>
-            <a:lvl5pPr marL="1828800" indent="0">
+            <a:lvl5pPr>
               <a:buNone/>
               <a:defRPr sz="1400">
                 <a:solidFill>
@@ -964,51 +1035,11 @@
                 </a:solidFill>
               </a:defRPr>
             </a:lvl5pPr>
-            <a:lvl6pPr marL="2286000" indent="0">
-              <a:buNone/>
-              <a:defRPr sz="1400">
-                <a:solidFill>
-                  <a:schemeClr val="tx1">
-                    <a:tint val="75000"/>
-                  </a:schemeClr>
-                </a:solidFill>
-              </a:defRPr>
-            </a:lvl6pPr>
-            <a:lvl7pPr marL="2743200" indent="0">
-              <a:buNone/>
-              <a:defRPr sz="1400">
-                <a:solidFill>
-                  <a:schemeClr val="tx1">
-                    <a:tint val="75000"/>
-                  </a:schemeClr>
-                </a:solidFill>
-              </a:defRPr>
-            </a:lvl7pPr>
-            <a:lvl8pPr marL="3200400" indent="0">
-              <a:buNone/>
-              <a:defRPr sz="1400">
-                <a:solidFill>
-                  <a:schemeClr val="tx1">
-                    <a:tint val="75000"/>
-                  </a:schemeClr>
-                </a:solidFill>
-              </a:defRPr>
-            </a:lvl8pPr>
-            <a:lvl9pPr marL="3657600" indent="0">
-              <a:buNone/>
-              <a:defRPr sz="1400">
-                <a:solidFill>
-                  <a:schemeClr val="tx1">
-                    <a:tint val="75000"/>
-                  </a:schemeClr>
-                </a:solidFill>
-              </a:defRPr>
-            </a:lvl9pPr>
           </a:lstStyle>
           <a:p>
-            <a:pPr lvl="0"/>
-            <a:r>
-              <a:rPr lang="ru-RU" smtClean="0"/>
+            <a:pPr lvl="0" eaLnBrk="1" latinLnBrk="0" hangingPunct="1"/>
+            <a:r>
+              <a:rPr kumimoji="0" lang="ru-RU" smtClean="0"/>
               <a:t>Образец текста</a:t>
             </a:r>
           </a:p>
@@ -1016,7 +1047,7 @@
       </p:sp>
       <p:sp>
         <p:nvSpPr>
-          <p:cNvPr id="4" name="Дата 3"/>
+          <p:cNvPr id="19" name="Дата 18"/>
           <p:cNvSpPr>
             <a:spLocks noGrp="1"/>
           </p:cNvSpPr>
@@ -1031,7 +1062,8 @@
           <a:p>
             <a:fld id="{5B106E36-FD25-4E2D-B0AA-010F637433A0}" type="datetimeFigureOut">
               <a:rPr lang="ru-RU" smtClean="0"/>
-              <a:t>03.11.2006</a:t>
+              <a:pPr/>
+              <a:t>12.10.2019</a:t>
             </a:fld>
             <a:endParaRPr lang="ru-RU"/>
           </a:p>
@@ -1039,7 +1071,7 @@
       </p:sp>
       <p:sp>
         <p:nvSpPr>
-          <p:cNvPr id="5" name="Нижний колонтитул 4"/>
+          <p:cNvPr id="11" name="Нижний колонтитул 10"/>
           <p:cNvSpPr>
             <a:spLocks noGrp="1"/>
           </p:cNvSpPr>
@@ -1058,7 +1090,7 @@
       </p:sp>
       <p:sp>
         <p:nvSpPr>
-          <p:cNvPr id="6" name="Номер слайда 5"/>
+          <p:cNvPr id="16" name="Номер слайда 15"/>
           <p:cNvSpPr>
             <a:spLocks noGrp="1"/>
           </p:cNvSpPr>
@@ -1073,17 +1105,53 @@
           <a:p>
             <a:fld id="{725C68B6-61C2-468F-89AB-4B9F7531AA68}" type="slidenum">
               <a:rPr lang="ru-RU" smtClean="0"/>
+              <a:pPr/>
               <a:t>‹#›</a:t>
             </a:fld>
             <a:endParaRPr lang="ru-RU"/>
+          </a:p>
+        </p:txBody>
+      </p:sp>
+      <p:sp>
+        <p:nvSpPr>
+          <p:cNvPr id="8" name="Заголовок 7"/>
+          <p:cNvSpPr>
+            <a:spLocks noGrp="1"/>
+          </p:cNvSpPr>
+          <p:nvPr>
+            <p:ph type="title"/>
+          </p:nvPr>
+        </p:nvSpPr>
+        <p:spPr>
+          <a:xfrm>
+            <a:off x="180475" y="2947085"/>
+            <a:ext cx="8686800" cy="1184825"/>
+          </a:xfrm>
+        </p:spPr>
+        <p:txBody>
+          <a:bodyPr rtlCol="0" anchor="t"/>
+          <a:lstStyle>
+            <a:lvl1pPr algn="r">
+              <a:defRPr/>
+            </a:lvl1pPr>
+          </a:lstStyle>
+          <a:p>
+            <a:r>
+              <a:rPr kumimoji="0" lang="ru-RU" smtClean="0"/>
+              <a:t>Образец заголовка</a:t>
+            </a:r>
+            <a:endParaRPr kumimoji="0" lang="en-US"/>
           </a:p>
         </p:txBody>
       </p:sp>
     </p:spTree>
   </p:cSld>
   <p:clrMapOvr>
-    <a:masterClrMapping/>
+    <a:overrideClrMapping bg1="dk1" tx1="lt1" bg2="dk2" tx2="lt2" accent1="accent1" accent2="accent2" accent3="accent3" accent4="accent4" accent5="accent5" accent6="accent6" hlink="hlink" folHlink="folHlink"/>
   </p:clrMapOvr>
+  <p:transition>
+    <p:blinds dir="vert"/>
+  </p:transition>
 </p:sldLayout>
 </file>
 
@@ -1106,41 +1174,46 @@
       </p:grpSpPr>
       <p:sp>
         <p:nvSpPr>
-          <p:cNvPr id="2" name="Заголовок 1"/>
+          <p:cNvPr id="20" name="Заголовок 19"/>
           <p:cNvSpPr>
             <a:spLocks noGrp="1"/>
           </p:cNvSpPr>
           <p:nvPr>
             <p:ph type="title"/>
-          </p:nvPr>
-        </p:nvSpPr>
-        <p:spPr/>
-        <p:txBody>
-          <a:bodyPr/>
-          <a:lstStyle/>
-          <a:p>
-            <a:r>
-              <a:rPr lang="ru-RU" smtClean="0"/>
-              <a:t>Образец заголовка</a:t>
-            </a:r>
-            <a:endParaRPr lang="ru-RU"/>
-          </a:p>
-        </p:txBody>
-      </p:sp>
-      <p:sp>
-        <p:nvSpPr>
-          <p:cNvPr id="3" name="Содержимое 2"/>
-          <p:cNvSpPr>
-            <a:spLocks noGrp="1"/>
-          </p:cNvSpPr>
-          <p:nvPr>
-            <p:ph sz="half" idx="1"/>
           </p:nvPr>
         </p:nvSpPr>
         <p:spPr>
           <a:xfrm>
-            <a:off x="457200" y="1600200"/>
-            <a:ext cx="4038600" cy="4525963"/>
+            <a:off x="301752" y="457200"/>
+            <a:ext cx="8686800" cy="841248"/>
+          </a:xfrm>
+        </p:spPr>
+        <p:txBody>
+          <a:bodyPr/>
+          <a:lstStyle/>
+          <a:p>
+            <a:r>
+              <a:rPr kumimoji="0" lang="ru-RU" smtClean="0"/>
+              <a:t>Образец заголовка</a:t>
+            </a:r>
+            <a:endParaRPr kumimoji="0" lang="en-US"/>
+          </a:p>
+        </p:txBody>
+      </p:sp>
+      <p:sp>
+        <p:nvSpPr>
+          <p:cNvPr id="14" name="Содержимое 13"/>
+          <p:cNvSpPr>
+            <a:spLocks noGrp="1"/>
+          </p:cNvSpPr>
+          <p:nvPr>
+            <p:ph sz="half" idx="1"/>
+          </p:nvPr>
+        </p:nvSpPr>
+        <p:spPr>
+          <a:xfrm>
+            <a:off x="304800" y="1600200"/>
+            <a:ext cx="4191000" cy="4724400"/>
           </a:xfrm>
         </p:spPr>
         <p:txBody>
@@ -1161,60 +1234,48 @@
             <a:lvl5pPr>
               <a:defRPr sz="1800"/>
             </a:lvl5pPr>
-            <a:lvl6pPr>
-              <a:defRPr sz="1800"/>
-            </a:lvl6pPr>
-            <a:lvl7pPr>
-              <a:defRPr sz="1800"/>
-            </a:lvl7pPr>
-            <a:lvl8pPr>
-              <a:defRPr sz="1800"/>
-            </a:lvl8pPr>
-            <a:lvl9pPr>
-              <a:defRPr sz="1800"/>
-            </a:lvl9pPr>
           </a:lstStyle>
           <a:p>
-            <a:pPr lvl="0"/>
+            <a:pPr lvl="0" eaLnBrk="1" latinLnBrk="0" hangingPunct="1"/>
             <a:r>
               <a:rPr lang="ru-RU" smtClean="0"/>
               <a:t>Образец текста</a:t>
             </a:r>
           </a:p>
           <a:p>
-            <a:pPr lvl="1"/>
+            <a:pPr lvl="1" eaLnBrk="1" latinLnBrk="0" hangingPunct="1"/>
             <a:r>
               <a:rPr lang="ru-RU" smtClean="0"/>
               <a:t>Второй уровень</a:t>
             </a:r>
           </a:p>
           <a:p>
-            <a:pPr lvl="2"/>
+            <a:pPr lvl="2" eaLnBrk="1" latinLnBrk="0" hangingPunct="1"/>
             <a:r>
               <a:rPr lang="ru-RU" smtClean="0"/>
               <a:t>Третий уровень</a:t>
             </a:r>
           </a:p>
           <a:p>
-            <a:pPr lvl="3"/>
+            <a:pPr lvl="3" eaLnBrk="1" latinLnBrk="0" hangingPunct="1"/>
             <a:r>
               <a:rPr lang="ru-RU" smtClean="0"/>
               <a:t>Четвертый уровень</a:t>
             </a:r>
           </a:p>
           <a:p>
-            <a:pPr lvl="4"/>
+            <a:pPr lvl="4" eaLnBrk="1" latinLnBrk="0" hangingPunct="1"/>
             <a:r>
               <a:rPr lang="ru-RU" smtClean="0"/>
               <a:t>Пятый уровень</a:t>
             </a:r>
-            <a:endParaRPr lang="ru-RU"/>
-          </a:p>
-        </p:txBody>
-      </p:sp>
-      <p:sp>
-        <p:nvSpPr>
-          <p:cNvPr id="4" name="Содержимое 3"/>
+            <a:endParaRPr kumimoji="0" lang="en-US"/>
+          </a:p>
+        </p:txBody>
+      </p:sp>
+      <p:sp>
+        <p:nvSpPr>
+          <p:cNvPr id="13" name="Содержимое 12"/>
           <p:cNvSpPr>
             <a:spLocks noGrp="1"/>
           </p:cNvSpPr>
@@ -1225,7 +1286,7 @@
         <p:spPr>
           <a:xfrm>
             <a:off x="4648200" y="1600200"/>
-            <a:ext cx="4038600" cy="4525963"/>
+            <a:ext cx="4343400" cy="4724400"/>
           </a:xfrm>
         </p:spPr>
         <p:txBody>
@@ -1246,60 +1307,48 @@
             <a:lvl5pPr>
               <a:defRPr sz="1800"/>
             </a:lvl5pPr>
-            <a:lvl6pPr>
-              <a:defRPr sz="1800"/>
-            </a:lvl6pPr>
-            <a:lvl7pPr>
-              <a:defRPr sz="1800"/>
-            </a:lvl7pPr>
-            <a:lvl8pPr>
-              <a:defRPr sz="1800"/>
-            </a:lvl8pPr>
-            <a:lvl9pPr>
-              <a:defRPr sz="1800"/>
-            </a:lvl9pPr>
           </a:lstStyle>
           <a:p>
-            <a:pPr lvl="0"/>
+            <a:pPr lvl="0" eaLnBrk="1" latinLnBrk="0" hangingPunct="1"/>
             <a:r>
               <a:rPr lang="ru-RU" smtClean="0"/>
               <a:t>Образец текста</a:t>
             </a:r>
           </a:p>
           <a:p>
-            <a:pPr lvl="1"/>
+            <a:pPr lvl="1" eaLnBrk="1" latinLnBrk="0" hangingPunct="1"/>
             <a:r>
               <a:rPr lang="ru-RU" smtClean="0"/>
               <a:t>Второй уровень</a:t>
             </a:r>
           </a:p>
           <a:p>
-            <a:pPr lvl="2"/>
+            <a:pPr lvl="2" eaLnBrk="1" latinLnBrk="0" hangingPunct="1"/>
             <a:r>
               <a:rPr lang="ru-RU" smtClean="0"/>
               <a:t>Третий уровень</a:t>
             </a:r>
           </a:p>
           <a:p>
-            <a:pPr lvl="3"/>
+            <a:pPr lvl="3" eaLnBrk="1" latinLnBrk="0" hangingPunct="1"/>
             <a:r>
               <a:rPr lang="ru-RU" smtClean="0"/>
               <a:t>Четвертый уровень</a:t>
             </a:r>
           </a:p>
           <a:p>
-            <a:pPr lvl="4"/>
+            <a:pPr lvl="4" eaLnBrk="1" latinLnBrk="0" hangingPunct="1"/>
             <a:r>
               <a:rPr lang="ru-RU" smtClean="0"/>
               <a:t>Пятый уровень</a:t>
             </a:r>
-            <a:endParaRPr lang="ru-RU"/>
-          </a:p>
-        </p:txBody>
-      </p:sp>
-      <p:sp>
-        <p:nvSpPr>
-          <p:cNvPr id="5" name="Дата 4"/>
+            <a:endParaRPr kumimoji="0" lang="en-US"/>
+          </a:p>
+        </p:txBody>
+      </p:sp>
+      <p:sp>
+        <p:nvSpPr>
+          <p:cNvPr id="21" name="Дата 20"/>
           <p:cNvSpPr>
             <a:spLocks noGrp="1"/>
           </p:cNvSpPr>
@@ -1314,7 +1363,8 @@
           <a:p>
             <a:fld id="{5B106E36-FD25-4E2D-B0AA-010F637433A0}" type="datetimeFigureOut">
               <a:rPr lang="ru-RU" smtClean="0"/>
-              <a:t>03.11.2006</a:t>
+              <a:pPr/>
+              <a:t>12.10.2019</a:t>
             </a:fld>
             <a:endParaRPr lang="ru-RU"/>
           </a:p>
@@ -1322,7 +1372,7 @@
       </p:sp>
       <p:sp>
         <p:nvSpPr>
-          <p:cNvPr id="6" name="Нижний колонтитул 5"/>
+          <p:cNvPr id="10" name="Нижний колонтитул 9"/>
           <p:cNvSpPr>
             <a:spLocks noGrp="1"/>
           </p:cNvSpPr>
@@ -1341,7 +1391,7 @@
       </p:sp>
       <p:sp>
         <p:nvSpPr>
-          <p:cNvPr id="7" name="Номер слайда 6"/>
+          <p:cNvPr id="31" name="Номер слайда 30"/>
           <p:cNvSpPr>
             <a:spLocks noGrp="1"/>
           </p:cNvSpPr>
@@ -1356,6 +1406,7 @@
           <a:p>
             <a:fld id="{725C68B6-61C2-468F-89AB-4B9F7531AA68}" type="slidenum">
               <a:rPr lang="ru-RU" smtClean="0"/>
+              <a:pPr/>
               <a:t>‹#›</a:t>
             </a:fld>
             <a:endParaRPr lang="ru-RU"/>
@@ -1367,11 +1418,14 @@
   <p:clrMapOvr>
     <a:masterClrMapping/>
   </p:clrMapOvr>
+  <p:transition>
+    <p:blinds dir="vert"/>
+  </p:transition>
 </p:sldLayout>
 </file>
 
 <file path=ppt/slideLayouts/slideLayout5.xml><?xml version="1.0" encoding="utf-8"?>
-<p:sldLayout xmlns:a="http://schemas.openxmlformats.org/drawingml/2006/main" xmlns:r="http://schemas.openxmlformats.org/officeDocument/2006/relationships" xmlns:p="http://schemas.openxmlformats.org/presentationml/2006/main" type="twoTxTwoObj" preserve="1">
+<p:sldLayout xmlns:a="http://schemas.openxmlformats.org/drawingml/2006/main" xmlns:r="http://schemas.openxmlformats.org/officeDocument/2006/relationships" xmlns:p="http://schemas.openxmlformats.org/presentationml/2006/main" showMasterSp="0" type="twoTxTwoObj" preserve="1">
   <p:cSld name="Сравнение">
     <p:spTree>
       <p:nvGrpSpPr>
@@ -1389,7 +1443,7 @@
       </p:grpSpPr>
       <p:sp>
         <p:nvSpPr>
-          <p:cNvPr id="2" name="Заголовок 1"/>
+          <p:cNvPr id="29" name="Заголовок 28"/>
           <p:cNvSpPr>
             <a:spLocks noGrp="1"/>
           </p:cNvSpPr>
@@ -1397,9 +1451,14 @@
             <p:ph type="title"/>
           </p:nvPr>
         </p:nvSpPr>
-        <p:spPr/>
-        <p:txBody>
-          <a:bodyPr/>
+        <p:spPr>
+          <a:xfrm>
+            <a:off x="304800" y="5410200"/>
+            <a:ext cx="8610600" cy="882650"/>
+          </a:xfrm>
+        </p:spPr>
+        <p:txBody>
+          <a:bodyPr anchor="ctr"/>
           <a:lstStyle>
             <a:lvl1pPr>
               <a:defRPr/>
@@ -1407,16 +1466,16 @@
           </a:lstStyle>
           <a:p>
             <a:r>
-              <a:rPr lang="ru-RU" smtClean="0"/>
+              <a:rPr kumimoji="0" lang="ru-RU" smtClean="0"/>
               <a:t>Образец заголовка</a:t>
             </a:r>
-            <a:endParaRPr lang="ru-RU"/>
-          </a:p>
-        </p:txBody>
-      </p:sp>
-      <p:sp>
-        <p:nvSpPr>
-          <p:cNvPr id="3" name="Текст 2"/>
+            <a:endParaRPr kumimoji="0" lang="en-US"/>
+          </a:p>
+        </p:txBody>
+      </p:sp>
+      <p:sp>
+        <p:nvSpPr>
+          <p:cNvPr id="13" name="Текст 12"/>
           <p:cNvSpPr>
             <a:spLocks noGrp="1"/>
           </p:cNvSpPr>
@@ -1426,54 +1485,105 @@
         </p:nvSpPr>
         <p:spPr>
           <a:xfrm>
-            <a:off x="457200" y="1535113"/>
-            <a:ext cx="4040188" cy="639762"/>
+            <a:off x="281444" y="666750"/>
+            <a:ext cx="4290556" cy="639762"/>
           </a:xfrm>
         </p:spPr>
         <p:txBody>
-          <a:bodyPr anchor="b"/>
+          <a:bodyPr anchor="ctr"/>
           <a:lstStyle>
             <a:lvl1pPr marL="0" indent="0">
               <a:buNone/>
-              <a:defRPr sz="2400" b="1"/>
+              <a:defRPr sz="1800" b="0" cap="all" baseline="0">
+                <a:solidFill>
+                  <a:schemeClr val="accent1">
+                    <a:shade val="50000"/>
+                  </a:schemeClr>
+                </a:solidFill>
+                <a:latin typeface="+mj-lt"/>
+                <a:ea typeface="+mj-ea"/>
+                <a:cs typeface="+mj-cs"/>
+              </a:defRPr>
             </a:lvl1pPr>
-            <a:lvl2pPr marL="457200" indent="0">
+            <a:lvl2pPr>
               <a:buNone/>
               <a:defRPr sz="2000" b="1"/>
             </a:lvl2pPr>
-            <a:lvl3pPr marL="914400" indent="0">
+            <a:lvl3pPr>
               <a:buNone/>
               <a:defRPr sz="1800" b="1"/>
             </a:lvl3pPr>
-            <a:lvl4pPr marL="1371600" indent="0">
+            <a:lvl4pPr>
               <a:buNone/>
               <a:defRPr sz="1600" b="1"/>
             </a:lvl4pPr>
-            <a:lvl5pPr marL="1828800" indent="0">
+            <a:lvl5pPr>
               <a:buNone/>
               <a:defRPr sz="1600" b="1"/>
             </a:lvl5pPr>
-            <a:lvl6pPr marL="2286000" indent="0">
+          </a:lstStyle>
+          <a:p>
+            <a:pPr lvl="0" eaLnBrk="1" latinLnBrk="0" hangingPunct="1"/>
+            <a:r>
+              <a:rPr kumimoji="0" lang="ru-RU" smtClean="0"/>
+              <a:t>Образец текста</a:t>
+            </a:r>
+          </a:p>
+        </p:txBody>
+      </p:sp>
+      <p:sp>
+        <p:nvSpPr>
+          <p:cNvPr id="25" name="Текст 24"/>
+          <p:cNvSpPr>
+            <a:spLocks noGrp="1"/>
+          </p:cNvSpPr>
+          <p:nvPr>
+            <p:ph type="body" sz="half" idx="3"/>
+          </p:nvPr>
+        </p:nvSpPr>
+        <p:spPr>
+          <a:xfrm>
+            <a:off x="4645025" y="666750"/>
+            <a:ext cx="4292241" cy="639762"/>
+          </a:xfrm>
+        </p:spPr>
+        <p:txBody>
+          <a:bodyPr anchor="ctr"/>
+          <a:lstStyle>
+            <a:lvl1pPr marL="0" indent="0">
+              <a:buNone/>
+              <a:defRPr sz="1800" b="0" cap="all" baseline="0">
+                <a:solidFill>
+                  <a:schemeClr val="accent1">
+                    <a:shade val="50000"/>
+                  </a:schemeClr>
+                </a:solidFill>
+                <a:latin typeface="+mj-lt"/>
+                <a:ea typeface="+mj-ea"/>
+                <a:cs typeface="+mj-cs"/>
+              </a:defRPr>
+            </a:lvl1pPr>
+            <a:lvl2pPr>
+              <a:buNone/>
+              <a:defRPr sz="2000" b="1"/>
+            </a:lvl2pPr>
+            <a:lvl3pPr>
+              <a:buNone/>
+              <a:defRPr sz="1800" b="1"/>
+            </a:lvl3pPr>
+            <a:lvl4pPr>
               <a:buNone/>
               <a:defRPr sz="1600" b="1"/>
-            </a:lvl6pPr>
-            <a:lvl7pPr marL="2743200" indent="0">
+            </a:lvl4pPr>
+            <a:lvl5pPr>
               <a:buNone/>
               <a:defRPr sz="1600" b="1"/>
-            </a:lvl7pPr>
-            <a:lvl8pPr marL="3200400" indent="0">
-              <a:buNone/>
-              <a:defRPr sz="1600" b="1"/>
-            </a:lvl8pPr>
-            <a:lvl9pPr marL="3657600" indent="0">
-              <a:buNone/>
-              <a:defRPr sz="1600" b="1"/>
-            </a:lvl9pPr>
+            </a:lvl5pPr>
           </a:lstStyle>
           <a:p>
-            <a:pPr lvl="0"/>
-            <a:r>
-              <a:rPr lang="ru-RU" smtClean="0"/>
+            <a:pPr lvl="0" eaLnBrk="1" latinLnBrk="0" hangingPunct="1"/>
+            <a:r>
+              <a:rPr kumimoji="0" lang="ru-RU" smtClean="0"/>
               <a:t>Образец текста</a:t>
             </a:r>
           </a:p>
@@ -1486,13 +1596,13 @@
             <a:spLocks noGrp="1"/>
           </p:cNvSpPr>
           <p:nvPr>
-            <p:ph sz="half" idx="2"/>
+            <p:ph sz="quarter" idx="2"/>
           </p:nvPr>
         </p:nvSpPr>
         <p:spPr>
           <a:xfrm>
-            <a:off x="457200" y="2174875"/>
-            <a:ext cx="4040188" cy="3951288"/>
+            <a:off x="281444" y="1316037"/>
+            <a:ext cx="4290556" cy="3941763"/>
           </a:xfrm>
         </p:spPr>
         <p:txBody>
@@ -1513,136 +1623,59 @@
             <a:lvl5pPr>
               <a:defRPr sz="1600"/>
             </a:lvl5pPr>
-            <a:lvl6pPr>
-              <a:defRPr sz="1600"/>
-            </a:lvl6pPr>
-            <a:lvl7pPr>
-              <a:defRPr sz="1600"/>
-            </a:lvl7pPr>
-            <a:lvl8pPr>
-              <a:defRPr sz="1600"/>
-            </a:lvl8pPr>
-            <a:lvl9pPr>
-              <a:defRPr sz="1600"/>
-            </a:lvl9pPr>
           </a:lstStyle>
           <a:p>
-            <a:pPr lvl="0"/>
+            <a:pPr lvl="0" eaLnBrk="1" latinLnBrk="0" hangingPunct="1"/>
             <a:r>
               <a:rPr lang="ru-RU" smtClean="0"/>
               <a:t>Образец текста</a:t>
             </a:r>
           </a:p>
           <a:p>
-            <a:pPr lvl="1"/>
+            <a:pPr lvl="1" eaLnBrk="1" latinLnBrk="0" hangingPunct="1"/>
             <a:r>
               <a:rPr lang="ru-RU" smtClean="0"/>
               <a:t>Второй уровень</a:t>
             </a:r>
           </a:p>
           <a:p>
-            <a:pPr lvl="2"/>
+            <a:pPr lvl="2" eaLnBrk="1" latinLnBrk="0" hangingPunct="1"/>
             <a:r>
               <a:rPr lang="ru-RU" smtClean="0"/>
               <a:t>Третий уровень</a:t>
             </a:r>
           </a:p>
           <a:p>
-            <a:pPr lvl="3"/>
+            <a:pPr lvl="3" eaLnBrk="1" latinLnBrk="0" hangingPunct="1"/>
             <a:r>
               <a:rPr lang="ru-RU" smtClean="0"/>
               <a:t>Четвертый уровень</a:t>
             </a:r>
           </a:p>
           <a:p>
-            <a:pPr lvl="4"/>
+            <a:pPr lvl="4" eaLnBrk="1" latinLnBrk="0" hangingPunct="1"/>
             <a:r>
               <a:rPr lang="ru-RU" smtClean="0"/>
               <a:t>Пятый уровень</a:t>
             </a:r>
-            <a:endParaRPr lang="ru-RU"/>
-          </a:p>
-        </p:txBody>
-      </p:sp>
-      <p:sp>
-        <p:nvSpPr>
-          <p:cNvPr id="5" name="Текст 4"/>
-          <p:cNvSpPr>
-            <a:spLocks noGrp="1"/>
-          </p:cNvSpPr>
-          <p:nvPr>
-            <p:ph type="body" sz="quarter" idx="3"/>
+            <a:endParaRPr kumimoji="0" lang="en-US"/>
+          </a:p>
+        </p:txBody>
+      </p:sp>
+      <p:sp>
+        <p:nvSpPr>
+          <p:cNvPr id="28" name="Содержимое 27"/>
+          <p:cNvSpPr>
+            <a:spLocks noGrp="1"/>
+          </p:cNvSpPr>
+          <p:nvPr>
+            <p:ph sz="quarter" idx="4"/>
           </p:nvPr>
         </p:nvSpPr>
         <p:spPr>
           <a:xfrm>
-            <a:off x="4645025" y="1535113"/>
-            <a:ext cx="4041775" cy="639762"/>
-          </a:xfrm>
-        </p:spPr>
-        <p:txBody>
-          <a:bodyPr anchor="b"/>
-          <a:lstStyle>
-            <a:lvl1pPr marL="0" indent="0">
-              <a:buNone/>
-              <a:defRPr sz="2400" b="1"/>
-            </a:lvl1pPr>
-            <a:lvl2pPr marL="457200" indent="0">
-              <a:buNone/>
-              <a:defRPr sz="2000" b="1"/>
-            </a:lvl2pPr>
-            <a:lvl3pPr marL="914400" indent="0">
-              <a:buNone/>
-              <a:defRPr sz="1800" b="1"/>
-            </a:lvl3pPr>
-            <a:lvl4pPr marL="1371600" indent="0">
-              <a:buNone/>
-              <a:defRPr sz="1600" b="1"/>
-            </a:lvl4pPr>
-            <a:lvl5pPr marL="1828800" indent="0">
-              <a:buNone/>
-              <a:defRPr sz="1600" b="1"/>
-            </a:lvl5pPr>
-            <a:lvl6pPr marL="2286000" indent="0">
-              <a:buNone/>
-              <a:defRPr sz="1600" b="1"/>
-            </a:lvl6pPr>
-            <a:lvl7pPr marL="2743200" indent="0">
-              <a:buNone/>
-              <a:defRPr sz="1600" b="1"/>
-            </a:lvl7pPr>
-            <a:lvl8pPr marL="3200400" indent="0">
-              <a:buNone/>
-              <a:defRPr sz="1600" b="1"/>
-            </a:lvl8pPr>
-            <a:lvl9pPr marL="3657600" indent="0">
-              <a:buNone/>
-              <a:defRPr sz="1600" b="1"/>
-            </a:lvl9pPr>
-          </a:lstStyle>
-          <a:p>
-            <a:pPr lvl="0"/>
-            <a:r>
-              <a:rPr lang="ru-RU" smtClean="0"/>
-              <a:t>Образец текста</a:t>
-            </a:r>
-          </a:p>
-        </p:txBody>
-      </p:sp>
-      <p:sp>
-        <p:nvSpPr>
-          <p:cNvPr id="6" name="Содержимое 5"/>
-          <p:cNvSpPr>
-            <a:spLocks noGrp="1"/>
-          </p:cNvSpPr>
-          <p:nvPr>
-            <p:ph sz="quarter" idx="4"/>
-          </p:nvPr>
-        </p:nvSpPr>
-        <p:spPr>
-          <a:xfrm>
-            <a:off x="4645025" y="2174875"/>
-            <a:ext cx="4041775" cy="3951288"/>
+            <a:off x="4648730" y="1316037"/>
+            <a:ext cx="4288536" cy="3941763"/>
           </a:xfrm>
         </p:spPr>
         <p:txBody>
@@ -1663,60 +1696,48 @@
             <a:lvl5pPr>
               <a:defRPr sz="1600"/>
             </a:lvl5pPr>
-            <a:lvl6pPr>
-              <a:defRPr sz="1600"/>
-            </a:lvl6pPr>
-            <a:lvl7pPr>
-              <a:defRPr sz="1600"/>
-            </a:lvl7pPr>
-            <a:lvl8pPr>
-              <a:defRPr sz="1600"/>
-            </a:lvl8pPr>
-            <a:lvl9pPr>
-              <a:defRPr sz="1600"/>
-            </a:lvl9pPr>
           </a:lstStyle>
           <a:p>
-            <a:pPr lvl="0"/>
+            <a:pPr lvl="0" eaLnBrk="1" latinLnBrk="0" hangingPunct="1"/>
             <a:r>
               <a:rPr lang="ru-RU" smtClean="0"/>
               <a:t>Образец текста</a:t>
             </a:r>
           </a:p>
           <a:p>
-            <a:pPr lvl="1"/>
+            <a:pPr lvl="1" eaLnBrk="1" latinLnBrk="0" hangingPunct="1"/>
             <a:r>
               <a:rPr lang="ru-RU" smtClean="0"/>
               <a:t>Второй уровень</a:t>
             </a:r>
           </a:p>
           <a:p>
-            <a:pPr lvl="2"/>
+            <a:pPr lvl="2" eaLnBrk="1" latinLnBrk="0" hangingPunct="1"/>
             <a:r>
               <a:rPr lang="ru-RU" smtClean="0"/>
               <a:t>Третий уровень</a:t>
             </a:r>
           </a:p>
           <a:p>
-            <a:pPr lvl="3"/>
+            <a:pPr lvl="3" eaLnBrk="1" latinLnBrk="0" hangingPunct="1"/>
             <a:r>
               <a:rPr lang="ru-RU" smtClean="0"/>
               <a:t>Четвертый уровень</a:t>
             </a:r>
           </a:p>
           <a:p>
-            <a:pPr lvl="4"/>
+            <a:pPr lvl="4" eaLnBrk="1" latinLnBrk="0" hangingPunct="1"/>
             <a:r>
               <a:rPr lang="ru-RU" smtClean="0"/>
               <a:t>Пятый уровень</a:t>
             </a:r>
-            <a:endParaRPr lang="ru-RU"/>
-          </a:p>
-        </p:txBody>
-      </p:sp>
-      <p:sp>
-        <p:nvSpPr>
-          <p:cNvPr id="7" name="Дата 6"/>
+            <a:endParaRPr kumimoji="0" lang="en-US"/>
+          </a:p>
+        </p:txBody>
+      </p:sp>
+      <p:sp>
+        <p:nvSpPr>
+          <p:cNvPr id="10" name="Дата 9"/>
           <p:cNvSpPr>
             <a:spLocks noGrp="1"/>
           </p:cNvSpPr>
@@ -1731,7 +1752,8 @@
           <a:p>
             <a:fld id="{5B106E36-FD25-4E2D-B0AA-010F637433A0}" type="datetimeFigureOut">
               <a:rPr lang="ru-RU" smtClean="0"/>
-              <a:t>03.11.2006</a:t>
+              <a:pPr/>
+              <a:t>12.10.2019</a:t>
             </a:fld>
             <a:endParaRPr lang="ru-RU"/>
           </a:p>
@@ -1739,7 +1761,7 @@
       </p:sp>
       <p:sp>
         <p:nvSpPr>
-          <p:cNvPr id="8" name="Нижний колонтитул 7"/>
+          <p:cNvPr id="6" name="Нижний колонтитул 5"/>
           <p:cNvSpPr>
             <a:spLocks noGrp="1"/>
           </p:cNvSpPr>
@@ -1758,7 +1780,7 @@
       </p:sp>
       <p:sp>
         <p:nvSpPr>
-          <p:cNvPr id="9" name="Номер слайда 8"/>
+          <p:cNvPr id="7" name="Номер слайда 6"/>
           <p:cNvSpPr>
             <a:spLocks noGrp="1"/>
           </p:cNvSpPr>
@@ -1766,16 +1788,72 @@
             <p:ph type="sldNum" sz="quarter" idx="12"/>
           </p:nvPr>
         </p:nvSpPr>
-        <p:spPr/>
+        <p:spPr>
+          <a:xfrm>
+            <a:off x="8229600" y="6477000"/>
+            <a:ext cx="762000" cy="246888"/>
+          </a:xfrm>
+        </p:spPr>
         <p:txBody>
           <a:bodyPr/>
           <a:lstStyle/>
           <a:p>
             <a:fld id="{725C68B6-61C2-468F-89AB-4B9F7531AA68}" type="slidenum">
               <a:rPr lang="ru-RU" smtClean="0"/>
+              <a:pPr/>
               <a:t>‹#›</a:t>
             </a:fld>
             <a:endParaRPr lang="ru-RU"/>
+          </a:p>
+        </p:txBody>
+      </p:sp>
+      <p:sp>
+        <p:nvSpPr>
+          <p:cNvPr id="11" name="Прямая соединительная линия 10"/>
+          <p:cNvSpPr>
+            <a:spLocks noChangeShapeType="1"/>
+          </p:cNvSpPr>
+          <p:nvPr/>
+        </p:nvSpPr>
+        <p:spPr bwMode="auto">
+          <a:xfrm>
+            <a:off x="514350" y="6019800"/>
+            <a:ext cx="8629650" cy="2381"/>
+          </a:xfrm>
+          <a:prstGeom prst="line">
+            <a:avLst/>
+          </a:prstGeom>
+          <a:noFill/>
+          <a:ln w="9525" cap="flat" cmpd="sng" algn="ctr">
+            <a:gradFill flip="none" rotWithShape="1">
+              <a:gsLst>
+                <a:gs pos="0">
+                  <a:schemeClr val="accent1">
+                    <a:alpha val="0"/>
+                  </a:schemeClr>
+                </a:gs>
+                <a:gs pos="17000">
+                  <a:schemeClr val="accent1"/>
+                </a:gs>
+                <a:gs pos="100000">
+                  <a:schemeClr val="accent1"/>
+                </a:gs>
+              </a:gsLst>
+              <a:lin ang="0" scaled="1"/>
+              <a:tileRect/>
+            </a:gradFill>
+            <a:prstDash val="solid"/>
+            <a:round/>
+            <a:headEnd type="none" w="med" len="med"/>
+            <a:tailEnd type="none" w="med" len="med"/>
+          </a:ln>
+          <a:effectLst/>
+        </p:spPr>
+        <p:txBody>
+          <a:bodyPr vert="horz" wrap="square" lIns="91440" tIns="45720" rIns="91440" bIns="45720" anchor="t" compatLnSpc="1"/>
+          <a:lstStyle/>
+          <a:p>
+            <a:endParaRPr kumimoji="0" lang="en-US"/>
           </a:p>
         </p:txBody>
       </p:sp>
@@ -1784,6 +1862,9 @@
   <p:clrMapOvr>
     <a:masterClrMapping/>
   </p:clrMapOvr>
+  <p:transition>
+    <p:blinds dir="vert"/>
+  </p:transition>
 </p:sldLayout>
 </file>
 
@@ -1806,7 +1887,7 @@
       </p:grpSpPr>
       <p:sp>
         <p:nvSpPr>
-          <p:cNvPr id="2" name="Заголовок 1"/>
+          <p:cNvPr id="30" name="Заголовок 29"/>
           <p:cNvSpPr>
             <a:spLocks noGrp="1"/>
           </p:cNvSpPr>
@@ -1814,22 +1895,27 @@
             <p:ph type="title"/>
           </p:nvPr>
         </p:nvSpPr>
-        <p:spPr/>
-        <p:txBody>
-          <a:bodyPr/>
-          <a:lstStyle/>
-          <a:p>
-            <a:r>
-              <a:rPr lang="ru-RU" smtClean="0"/>
+        <p:spPr>
+          <a:xfrm>
+            <a:off x="301752" y="457200"/>
+            <a:ext cx="8686800" cy="841248"/>
+          </a:xfrm>
+        </p:spPr>
+        <p:txBody>
+          <a:bodyPr/>
+          <a:lstStyle/>
+          <a:p>
+            <a:r>
+              <a:rPr kumimoji="0" lang="ru-RU" smtClean="0"/>
               <a:t>Образец заголовка</a:t>
             </a:r>
-            <a:endParaRPr lang="ru-RU"/>
-          </a:p>
-        </p:txBody>
-      </p:sp>
-      <p:sp>
-        <p:nvSpPr>
-          <p:cNvPr id="3" name="Дата 2"/>
+            <a:endParaRPr kumimoji="0" lang="en-US"/>
+          </a:p>
+        </p:txBody>
+      </p:sp>
+      <p:sp>
+        <p:nvSpPr>
+          <p:cNvPr id="12" name="Дата 11"/>
           <p:cNvSpPr>
             <a:spLocks noGrp="1"/>
           </p:cNvSpPr>
@@ -1844,7 +1930,8 @@
           <a:p>
             <a:fld id="{5B106E36-FD25-4E2D-B0AA-010F637433A0}" type="datetimeFigureOut">
               <a:rPr lang="ru-RU" smtClean="0"/>
-              <a:t>03.11.2006</a:t>
+              <a:pPr/>
+              <a:t>12.10.2019</a:t>
             </a:fld>
             <a:endParaRPr lang="ru-RU"/>
           </a:p>
@@ -1852,7 +1939,7 @@
       </p:sp>
       <p:sp>
         <p:nvSpPr>
-          <p:cNvPr id="4" name="Нижний колонтитул 3"/>
+          <p:cNvPr id="21" name="Нижний колонтитул 20"/>
           <p:cNvSpPr>
             <a:spLocks noGrp="1"/>
           </p:cNvSpPr>
@@ -1871,7 +1958,7 @@
       </p:sp>
       <p:sp>
         <p:nvSpPr>
-          <p:cNvPr id="5" name="Номер слайда 4"/>
+          <p:cNvPr id="6" name="Номер слайда 5"/>
           <p:cNvSpPr>
             <a:spLocks noGrp="1"/>
           </p:cNvSpPr>
@@ -1886,6 +1973,7 @@
           <a:p>
             <a:fld id="{725C68B6-61C2-468F-89AB-4B9F7531AA68}" type="slidenum">
               <a:rPr lang="ru-RU" smtClean="0"/>
+              <a:pPr/>
               <a:t>‹#›</a:t>
             </a:fld>
             <a:endParaRPr lang="ru-RU"/>
@@ -1897,11 +1985,14 @@
   <p:clrMapOvr>
     <a:masterClrMapping/>
   </p:clrMapOvr>
+  <p:transition>
+    <p:blinds dir="vert"/>
+  </p:transition>
 </p:sldLayout>
 </file>
 
 <file path=ppt/slideLayouts/slideLayout7.xml><?xml version="1.0" encoding="utf-8"?>
-<p:sldLayout xmlns:a="http://schemas.openxmlformats.org/drawingml/2006/main" xmlns:r="http://schemas.openxmlformats.org/officeDocument/2006/relationships" xmlns:p="http://schemas.openxmlformats.org/presentationml/2006/main" type="blank" preserve="1">
+<p:sldLayout xmlns:a="http://schemas.openxmlformats.org/drawingml/2006/main" xmlns:r="http://schemas.openxmlformats.org/officeDocument/2006/relationships" xmlns:p="http://schemas.openxmlformats.org/presentationml/2006/main" showMasterSp="0" type="blank" preserve="1">
   <p:cSld name="Пустой слайд">
     <p:spTree>
       <p:nvGrpSpPr>
@@ -1919,7 +2010,7 @@
       </p:grpSpPr>
       <p:sp>
         <p:nvSpPr>
-          <p:cNvPr id="2" name="Дата 1"/>
+          <p:cNvPr id="3" name="Дата 2"/>
           <p:cNvSpPr>
             <a:spLocks noGrp="1"/>
           </p:cNvSpPr>
@@ -1934,7 +2025,8 @@
           <a:p>
             <a:fld id="{5B106E36-FD25-4E2D-B0AA-010F637433A0}" type="datetimeFigureOut">
               <a:rPr lang="ru-RU" smtClean="0"/>
-              <a:t>03.11.2006</a:t>
+              <a:pPr/>
+              <a:t>12.10.2019</a:t>
             </a:fld>
             <a:endParaRPr lang="ru-RU"/>
           </a:p>
@@ -1942,7 +2034,7 @@
       </p:sp>
       <p:sp>
         <p:nvSpPr>
-          <p:cNvPr id="3" name="Нижний колонтитул 2"/>
+          <p:cNvPr id="24" name="Нижний колонтитул 23"/>
           <p:cNvSpPr>
             <a:spLocks noGrp="1"/>
           </p:cNvSpPr>
@@ -1961,7 +2053,7 @@
       </p:sp>
       <p:sp>
         <p:nvSpPr>
-          <p:cNvPr id="4" name="Номер слайда 3"/>
+          <p:cNvPr id="7" name="Номер слайда 6"/>
           <p:cNvSpPr>
             <a:spLocks noGrp="1"/>
           </p:cNvSpPr>
@@ -1976,6 +2068,7 @@
           <a:p>
             <a:fld id="{725C68B6-61C2-468F-89AB-4B9F7531AA68}" type="slidenum">
               <a:rPr lang="ru-RU" smtClean="0"/>
+              <a:pPr/>
               <a:t>‹#›</a:t>
             </a:fld>
             <a:endParaRPr lang="ru-RU"/>
@@ -1987,11 +2080,14 @@
   <p:clrMapOvr>
     <a:masterClrMapping/>
   </p:clrMapOvr>
+  <p:transition>
+    <p:blinds dir="vert"/>
+  </p:transition>
 </p:sldLayout>
 </file>
 
 <file path=ppt/slideLayouts/slideLayout8.xml><?xml version="1.0" encoding="utf-8"?>
-<p:sldLayout xmlns:a="http://schemas.openxmlformats.org/drawingml/2006/main" xmlns:r="http://schemas.openxmlformats.org/officeDocument/2006/relationships" xmlns:p="http://schemas.openxmlformats.org/presentationml/2006/main" type="objTx" preserve="1">
+<p:sldLayout xmlns:a="http://schemas.openxmlformats.org/drawingml/2006/main" xmlns:r="http://schemas.openxmlformats.org/officeDocument/2006/relationships" xmlns:p="http://schemas.openxmlformats.org/presentationml/2006/main" showMasterSp="0" type="objTx" preserve="1">
   <p:cSld name="Объект с подписью">
     <p:spTree>
       <p:nvGrpSpPr>
@@ -2009,7 +2105,57 @@
       </p:grpSpPr>
       <p:sp>
         <p:nvSpPr>
-          <p:cNvPr id="2" name="Заголовок 1"/>
+          <p:cNvPr id="8" name="Прямая соединительная линия 7"/>
+          <p:cNvSpPr>
+            <a:spLocks noChangeShapeType="1"/>
+          </p:cNvSpPr>
+          <p:nvPr/>
+        </p:nvSpPr>
+        <p:spPr bwMode="auto">
+          <a:xfrm>
+            <a:off x="514350" y="5849117"/>
+            <a:ext cx="8629650" cy="2381"/>
+          </a:xfrm>
+          <a:prstGeom prst="line">
+            <a:avLst/>
+          </a:prstGeom>
+          <a:noFill/>
+          <a:ln w="9525" cap="flat" cmpd="sng" algn="ctr">
+            <a:gradFill flip="none" rotWithShape="1">
+              <a:gsLst>
+                <a:gs pos="0">
+                  <a:schemeClr val="accent1">
+                    <a:alpha val="0"/>
+                  </a:schemeClr>
+                </a:gs>
+                <a:gs pos="17000">
+                  <a:schemeClr val="accent1"/>
+                </a:gs>
+                <a:gs pos="100000">
+                  <a:schemeClr val="accent1"/>
+                </a:gs>
+              </a:gsLst>
+              <a:lin ang="0" scaled="1"/>
+              <a:tileRect/>
+            </a:gradFill>
+            <a:prstDash val="solid"/>
+            <a:round/>
+            <a:headEnd type="none" w="med" len="med"/>
+            <a:tailEnd type="none" w="med" len="med"/>
+          </a:ln>
+          <a:effectLst/>
+        </p:spPr>
+        <p:txBody>
+          <a:bodyPr vert="horz" wrap="square" lIns="91440" tIns="45720" rIns="91440" bIns="45720" anchor="t" compatLnSpc="1"/>
+          <a:lstStyle/>
+          <a:p>
+            <a:endParaRPr kumimoji="0" lang="en-US"/>
+          </a:p>
+        </p:txBody>
+      </p:sp>
+      <p:sp>
+        <p:nvSpPr>
+          <p:cNvPr id="12" name="Заголовок 11"/>
           <p:cNvSpPr>
             <a:spLocks noGrp="1"/>
           </p:cNvSpPr>
@@ -2019,40 +2165,90 @@
         </p:nvSpPr>
         <p:spPr>
           <a:xfrm>
-            <a:off x="457200" y="273050"/>
-            <a:ext cx="3008313" cy="1162050"/>
+            <a:off x="457200" y="5486400"/>
+            <a:ext cx="8458200" cy="520700"/>
           </a:xfrm>
         </p:spPr>
         <p:txBody>
-          <a:bodyPr anchor="b"/>
+          <a:bodyPr anchor="ctr"/>
           <a:lstStyle>
             <a:lvl1pPr algn="l">
+              <a:buNone/>
               <a:defRPr sz="2000" b="1"/>
             </a:lvl1pPr>
           </a:lstStyle>
           <a:p>
             <a:r>
-              <a:rPr lang="ru-RU" smtClean="0"/>
+              <a:rPr kumimoji="0" lang="ru-RU" smtClean="0"/>
               <a:t>Образец заголовка</a:t>
             </a:r>
-            <a:endParaRPr lang="ru-RU"/>
-          </a:p>
-        </p:txBody>
-      </p:sp>
-      <p:sp>
-        <p:nvSpPr>
-          <p:cNvPr id="3" name="Содержимое 2"/>
-          <p:cNvSpPr>
-            <a:spLocks noGrp="1"/>
-          </p:cNvSpPr>
-          <p:nvPr>
-            <p:ph idx="1"/>
+            <a:endParaRPr kumimoji="0" lang="en-US"/>
+          </a:p>
+        </p:txBody>
+      </p:sp>
+      <p:sp>
+        <p:nvSpPr>
+          <p:cNvPr id="26" name="Текст 25"/>
+          <p:cNvSpPr>
+            <a:spLocks noGrp="1"/>
+          </p:cNvSpPr>
+          <p:nvPr>
+            <p:ph type="body" idx="2"/>
           </p:nvPr>
         </p:nvSpPr>
         <p:spPr>
           <a:xfrm>
-            <a:off x="3575050" y="273050"/>
-            <a:ext cx="5111750" cy="5853113"/>
+            <a:off x="457200" y="609600"/>
+            <a:ext cx="3008313" cy="4800600"/>
+          </a:xfrm>
+        </p:spPr>
+        <p:txBody>
+          <a:bodyPr/>
+          <a:lstStyle>
+            <a:lvl1pPr marL="0" indent="0">
+              <a:buNone/>
+              <a:defRPr sz="1400"/>
+            </a:lvl1pPr>
+            <a:lvl2pPr>
+              <a:buNone/>
+              <a:defRPr sz="1200"/>
+            </a:lvl2pPr>
+            <a:lvl3pPr>
+              <a:buNone/>
+              <a:defRPr sz="1000"/>
+            </a:lvl3pPr>
+            <a:lvl4pPr>
+              <a:buNone/>
+              <a:defRPr sz="900"/>
+            </a:lvl4pPr>
+            <a:lvl5pPr>
+              <a:buNone/>
+              <a:defRPr sz="900"/>
+            </a:lvl5pPr>
+          </a:lstStyle>
+          <a:p>
+            <a:pPr lvl="0" eaLnBrk="1" latinLnBrk="0" hangingPunct="1"/>
+            <a:r>
+              <a:rPr kumimoji="0" lang="ru-RU" smtClean="0"/>
+              <a:t>Образец текста</a:t>
+            </a:r>
+          </a:p>
+        </p:txBody>
+      </p:sp>
+      <p:sp>
+        <p:nvSpPr>
+          <p:cNvPr id="14" name="Содержимое 13"/>
+          <p:cNvSpPr>
+            <a:spLocks noGrp="1"/>
+          </p:cNvSpPr>
+          <p:nvPr>
+            <p:ph sz="half" idx="1"/>
+          </p:nvPr>
+        </p:nvSpPr>
+        <p:spPr>
+          <a:xfrm>
+            <a:off x="3575050" y="609600"/>
+            <a:ext cx="5340350" cy="4800600"/>
           </a:xfrm>
         </p:spPr>
         <p:txBody>
@@ -2073,125 +2269,48 @@
             <a:lvl5pPr>
               <a:defRPr sz="2000"/>
             </a:lvl5pPr>
-            <a:lvl6pPr>
-              <a:defRPr sz="2000"/>
-            </a:lvl6pPr>
-            <a:lvl7pPr>
-              <a:defRPr sz="2000"/>
-            </a:lvl7pPr>
-            <a:lvl8pPr>
-              <a:defRPr sz="2000"/>
-            </a:lvl8pPr>
-            <a:lvl9pPr>
-              <a:defRPr sz="2000"/>
-            </a:lvl9pPr>
           </a:lstStyle>
           <a:p>
-            <a:pPr lvl="0"/>
+            <a:pPr lvl="0" eaLnBrk="1" latinLnBrk="0" hangingPunct="1"/>
             <a:r>
               <a:rPr lang="ru-RU" smtClean="0"/>
               <a:t>Образец текста</a:t>
             </a:r>
           </a:p>
           <a:p>
-            <a:pPr lvl="1"/>
+            <a:pPr lvl="1" eaLnBrk="1" latinLnBrk="0" hangingPunct="1"/>
             <a:r>
               <a:rPr lang="ru-RU" smtClean="0"/>
               <a:t>Второй уровень</a:t>
             </a:r>
           </a:p>
           <a:p>
-            <a:pPr lvl="2"/>
+            <a:pPr lvl="2" eaLnBrk="1" latinLnBrk="0" hangingPunct="1"/>
             <a:r>
               <a:rPr lang="ru-RU" smtClean="0"/>
               <a:t>Третий уровень</a:t>
             </a:r>
           </a:p>
           <a:p>
-            <a:pPr lvl="3"/>
+            <a:pPr lvl="3" eaLnBrk="1" latinLnBrk="0" hangingPunct="1"/>
             <a:r>
               <a:rPr lang="ru-RU" smtClean="0"/>
               <a:t>Четвертый уровень</a:t>
             </a:r>
           </a:p>
           <a:p>
-            <a:pPr lvl="4"/>
+            <a:pPr lvl="4" eaLnBrk="1" latinLnBrk="0" hangingPunct="1"/>
             <a:r>
               <a:rPr lang="ru-RU" smtClean="0"/>
               <a:t>Пятый уровень</a:t>
             </a:r>
-            <a:endParaRPr lang="ru-RU"/>
-          </a:p>
-        </p:txBody>
-      </p:sp>
-      <p:sp>
-        <p:nvSpPr>
-          <p:cNvPr id="4" name="Текст 3"/>
-          <p:cNvSpPr>
-            <a:spLocks noGrp="1"/>
-          </p:cNvSpPr>
-          <p:nvPr>
-            <p:ph type="body" sz="half" idx="2"/>
-          </p:nvPr>
-        </p:nvSpPr>
-        <p:spPr>
-          <a:xfrm>
-            <a:off x="457200" y="1435100"/>
-            <a:ext cx="3008313" cy="4691063"/>
-          </a:xfrm>
-        </p:spPr>
-        <p:txBody>
-          <a:bodyPr/>
-          <a:lstStyle>
-            <a:lvl1pPr marL="0" indent="0">
-              <a:buNone/>
-              <a:defRPr sz="1400"/>
-            </a:lvl1pPr>
-            <a:lvl2pPr marL="457200" indent="0">
-              <a:buNone/>
-              <a:defRPr sz="1200"/>
-            </a:lvl2pPr>
-            <a:lvl3pPr marL="914400" indent="0">
-              <a:buNone/>
-              <a:defRPr sz="1000"/>
-            </a:lvl3pPr>
-            <a:lvl4pPr marL="1371600" indent="0">
-              <a:buNone/>
-              <a:defRPr sz="900"/>
-            </a:lvl4pPr>
-            <a:lvl5pPr marL="1828800" indent="0">
-              <a:buNone/>
-              <a:defRPr sz="900"/>
-            </a:lvl5pPr>
-            <a:lvl6pPr marL="2286000" indent="0">
-              <a:buNone/>
-              <a:defRPr sz="900"/>
-            </a:lvl6pPr>
-            <a:lvl7pPr marL="2743200" indent="0">
-              <a:buNone/>
-              <a:defRPr sz="900"/>
-            </a:lvl7pPr>
-            <a:lvl8pPr marL="3200400" indent="0">
-              <a:buNone/>
-              <a:defRPr sz="900"/>
-            </a:lvl8pPr>
-            <a:lvl9pPr marL="3657600" indent="0">
-              <a:buNone/>
-              <a:defRPr sz="900"/>
-            </a:lvl9pPr>
-          </a:lstStyle>
-          <a:p>
-            <a:pPr lvl="0"/>
-            <a:r>
-              <a:rPr lang="ru-RU" smtClean="0"/>
-              <a:t>Образец текста</a:t>
-            </a:r>
-          </a:p>
-        </p:txBody>
-      </p:sp>
-      <p:sp>
-        <p:nvSpPr>
-          <p:cNvPr id="5" name="Дата 4"/>
+            <a:endParaRPr kumimoji="0" lang="en-US"/>
+          </a:p>
+        </p:txBody>
+      </p:sp>
+      <p:sp>
+        <p:nvSpPr>
+          <p:cNvPr id="25" name="Дата 24"/>
           <p:cNvSpPr>
             <a:spLocks noGrp="1"/>
           </p:cNvSpPr>
@@ -2206,7 +2325,8 @@
           <a:p>
             <a:fld id="{5B106E36-FD25-4E2D-B0AA-010F637433A0}" type="datetimeFigureOut">
               <a:rPr lang="ru-RU" smtClean="0"/>
-              <a:t>03.11.2006</a:t>
+              <a:pPr/>
+              <a:t>12.10.2019</a:t>
             </a:fld>
             <a:endParaRPr lang="ru-RU"/>
           </a:p>
@@ -2214,7 +2334,7 @@
       </p:sp>
       <p:sp>
         <p:nvSpPr>
-          <p:cNvPr id="6" name="Нижний колонтитул 5"/>
+          <p:cNvPr id="29" name="Нижний колонтитул 28"/>
           <p:cNvSpPr>
             <a:spLocks noGrp="1"/>
           </p:cNvSpPr>
@@ -2248,6 +2368,7 @@
           <a:p>
             <a:fld id="{725C68B6-61C2-468F-89AB-4B9F7531AA68}" type="slidenum">
               <a:rPr lang="ru-RU" smtClean="0"/>
+              <a:pPr/>
               <a:t>‹#›</a:t>
             </a:fld>
             <a:endParaRPr lang="ru-RU"/>
@@ -2259,11 +2380,14 @@
   <p:clrMapOvr>
     <a:masterClrMapping/>
   </p:clrMapOvr>
+  <p:transition>
+    <p:blinds dir="vert"/>
+  </p:transition>
 </p:sldLayout>
 </file>
 
 <file path=ppt/slideLayouts/slideLayout9.xml><?xml version="1.0" encoding="utf-8"?>
-<p:sldLayout xmlns:a="http://schemas.openxmlformats.org/drawingml/2006/main" xmlns:r="http://schemas.openxmlformats.org/officeDocument/2006/relationships" xmlns:p="http://schemas.openxmlformats.org/presentationml/2006/main" type="picTx" preserve="1">
+<p:sldLayout xmlns:a="http://schemas.openxmlformats.org/drawingml/2006/main" xmlns:r="http://schemas.openxmlformats.org/officeDocument/2006/relationships" xmlns:p="http://schemas.openxmlformats.org/presentationml/2006/main" showMasterSp="0" type="picTx" preserve="1">
   <p:cSld name="Рисунок с подписью">
     <p:spTree>
       <p:nvGrpSpPr>
@@ -2281,51 +2405,30 @@
       </p:grpSpPr>
       <p:sp>
         <p:nvSpPr>
-          <p:cNvPr id="2" name="Заголовок 1"/>
-          <p:cNvSpPr>
-            <a:spLocks noGrp="1"/>
-          </p:cNvSpPr>
-          <p:nvPr>
-            <p:ph type="title"/>
+          <p:cNvPr id="13" name="Рисунок 12"/>
+          <p:cNvSpPr>
+            <a:spLocks noGrp="1"/>
+          </p:cNvSpPr>
+          <p:nvPr>
+            <p:ph type="pic" idx="1"/>
           </p:nvPr>
         </p:nvSpPr>
         <p:spPr>
           <a:xfrm>
-            <a:off x="1792288" y="4800600"/>
-            <a:ext cx="5486400" cy="566738"/>
+            <a:off x="3505200" y="616634"/>
+            <a:ext cx="5029200" cy="3657600"/>
           </a:xfrm>
-        </p:spPr>
-        <p:txBody>
-          <a:bodyPr anchor="b"/>
-          <a:lstStyle>
-            <a:lvl1pPr algn="l">
-              <a:defRPr sz="2000" b="1"/>
-            </a:lvl1pPr>
-          </a:lstStyle>
-          <a:p>
-            <a:r>
-              <a:rPr lang="ru-RU" smtClean="0"/>
-              <a:t>Образец заголовка</a:t>
-            </a:r>
-            <a:endParaRPr lang="ru-RU"/>
-          </a:p>
-        </p:txBody>
-      </p:sp>
-      <p:sp>
-        <p:nvSpPr>
-          <p:cNvPr id="3" name="Рисунок 2"/>
-          <p:cNvSpPr>
-            <a:spLocks noGrp="1"/>
-          </p:cNvSpPr>
-          <p:nvPr>
-            <p:ph type="pic" idx="1"/>
-          </p:nvPr>
-        </p:nvSpPr>
-        <p:spPr>
-          <a:xfrm>
-            <a:off x="1792288" y="612775"/>
-            <a:ext cx="5486400" cy="4114800"/>
-          </a:xfrm>
+          <a:solidFill>
+            <a:schemeClr val="bg1"/>
+          </a:solidFill>
+          <a:ln w="6350">
+            <a:solidFill>
+              <a:schemeClr val="accent1"/>
+            </a:solidFill>
+          </a:ln>
+          <a:effectLst>
+            <a:reflection blurRad="1000" stA="49000" endA="500" endPos="10000" dist="900" dir="5400000" sy="-90000" algn="bl" rotWithShape="0"/>
+          </a:effectLst>
         </p:spPr>
         <p:txBody>
           <a:bodyPr/>
@@ -2334,171 +2437,158 @@
               <a:buNone/>
               <a:defRPr sz="3200"/>
             </a:lvl1pPr>
-            <a:lvl2pPr marL="457200" indent="0">
-              <a:buNone/>
-              <a:defRPr sz="2800"/>
-            </a:lvl2pPr>
-            <a:lvl3pPr marL="914400" indent="0">
-              <a:buNone/>
-              <a:defRPr sz="2400"/>
-            </a:lvl3pPr>
-            <a:lvl4pPr marL="1371600" indent="0">
-              <a:buNone/>
-              <a:defRPr sz="2000"/>
-            </a:lvl4pPr>
-            <a:lvl5pPr marL="1828800" indent="0">
-              <a:buNone/>
-              <a:defRPr sz="2000"/>
-            </a:lvl5pPr>
-            <a:lvl6pPr marL="2286000" indent="0">
-              <a:buNone/>
-              <a:defRPr sz="2000"/>
-            </a:lvl6pPr>
-            <a:lvl7pPr marL="2743200" indent="0">
-              <a:buNone/>
-              <a:defRPr sz="2000"/>
-            </a:lvl7pPr>
-            <a:lvl8pPr marL="3200400" indent="0">
-              <a:buNone/>
-              <a:defRPr sz="2000"/>
-            </a:lvl8pPr>
-            <a:lvl9pPr marL="3657600" indent="0">
-              <a:buNone/>
-              <a:defRPr sz="2000"/>
-            </a:lvl9pPr>
           </a:lstStyle>
           <a:p>
-            <a:endParaRPr lang="ru-RU"/>
-          </a:p>
-        </p:txBody>
-      </p:sp>
-      <p:sp>
-        <p:nvSpPr>
-          <p:cNvPr id="4" name="Текст 3"/>
-          <p:cNvSpPr>
-            <a:spLocks noGrp="1"/>
-          </p:cNvSpPr>
-          <p:nvPr>
-            <p:ph type="body" sz="half" idx="2"/>
+            <a:r>
+              <a:rPr kumimoji="0" lang="ru-RU" smtClean="0"/>
+              <a:t>Вставка рисунка</a:t>
+            </a:r>
+            <a:endParaRPr kumimoji="0" lang="en-US" dirty="0"/>
+          </a:p>
+        </p:txBody>
+      </p:sp>
+      <p:sp>
+        <p:nvSpPr>
+          <p:cNvPr id="7" name="Дата 6"/>
+          <p:cNvSpPr>
+            <a:spLocks noGrp="1"/>
+          </p:cNvSpPr>
+          <p:nvPr>
+            <p:ph type="dt" sz="half" idx="10"/>
+          </p:nvPr>
+        </p:nvSpPr>
+        <p:spPr/>
+        <p:txBody>
+          <a:bodyPr/>
+          <a:lstStyle/>
+          <a:p>
+            <a:fld id="{5B106E36-FD25-4E2D-B0AA-010F637433A0}" type="datetimeFigureOut">
+              <a:rPr lang="ru-RU" smtClean="0"/>
+              <a:pPr/>
+              <a:t>12.10.2019</a:t>
+            </a:fld>
+            <a:endParaRPr lang="ru-RU"/>
+          </a:p>
+        </p:txBody>
+      </p:sp>
+      <p:sp>
+        <p:nvSpPr>
+          <p:cNvPr id="5" name="Нижний колонтитул 4"/>
+          <p:cNvSpPr>
+            <a:spLocks noGrp="1"/>
+          </p:cNvSpPr>
+          <p:nvPr>
+            <p:ph type="ftr" sz="quarter" idx="11"/>
+          </p:nvPr>
+        </p:nvSpPr>
+        <p:spPr/>
+        <p:txBody>
+          <a:bodyPr/>
+          <a:lstStyle/>
+          <a:p>
+            <a:endParaRPr lang="ru-RU"/>
+          </a:p>
+        </p:txBody>
+      </p:sp>
+      <p:sp>
+        <p:nvSpPr>
+          <p:cNvPr id="31" name="Номер слайда 30"/>
+          <p:cNvSpPr>
+            <a:spLocks noGrp="1"/>
+          </p:cNvSpPr>
+          <p:nvPr>
+            <p:ph type="sldNum" sz="quarter" idx="12"/>
+          </p:nvPr>
+        </p:nvSpPr>
+        <p:spPr/>
+        <p:txBody>
+          <a:bodyPr/>
+          <a:lstStyle/>
+          <a:p>
+            <a:fld id="{725C68B6-61C2-468F-89AB-4B9F7531AA68}" type="slidenum">
+              <a:rPr lang="ru-RU" smtClean="0"/>
+              <a:pPr/>
+              <a:t>‹#›</a:t>
+            </a:fld>
+            <a:endParaRPr lang="ru-RU"/>
+          </a:p>
+        </p:txBody>
+      </p:sp>
+      <p:sp>
+        <p:nvSpPr>
+          <p:cNvPr id="17" name="Заголовок 16"/>
+          <p:cNvSpPr>
+            <a:spLocks noGrp="1"/>
+          </p:cNvSpPr>
+          <p:nvPr>
+            <p:ph type="title"/>
           </p:nvPr>
         </p:nvSpPr>
         <p:spPr>
           <a:xfrm>
-            <a:off x="1792288" y="5367338"/>
-            <a:ext cx="5486400" cy="804862"/>
+            <a:off x="381000" y="4993760"/>
+            <a:ext cx="5867400" cy="522288"/>
           </a:xfrm>
         </p:spPr>
         <p:txBody>
-          <a:bodyPr/>
+          <a:bodyPr anchor="ctr"/>
+          <a:lstStyle>
+            <a:lvl1pPr algn="l">
+              <a:buNone/>
+              <a:defRPr sz="2000" b="1"/>
+            </a:lvl1pPr>
+          </a:lstStyle>
+          <a:p>
+            <a:r>
+              <a:rPr kumimoji="0" lang="ru-RU" smtClean="0"/>
+              <a:t>Образец заголовка</a:t>
+            </a:r>
+            <a:endParaRPr kumimoji="0" lang="en-US"/>
+          </a:p>
+        </p:txBody>
+      </p:sp>
+      <p:sp>
+        <p:nvSpPr>
+          <p:cNvPr id="26" name="Текст 25"/>
+          <p:cNvSpPr>
+            <a:spLocks noGrp="1"/>
+          </p:cNvSpPr>
+          <p:nvPr>
+            <p:ph type="body" sz="half" idx="2"/>
+          </p:nvPr>
+        </p:nvSpPr>
+        <p:spPr>
+          <a:xfrm>
+            <a:off x="381000" y="5533218"/>
+            <a:ext cx="5867400" cy="768350"/>
+          </a:xfrm>
+        </p:spPr>
+        <p:txBody>
+          <a:bodyPr lIns="109728" tIns="0"/>
           <a:lstStyle>
             <a:lvl1pPr marL="0" indent="0">
               <a:buNone/>
               <a:defRPr sz="1400"/>
             </a:lvl1pPr>
-            <a:lvl2pPr marL="457200" indent="0">
-              <a:buNone/>
+            <a:lvl2pPr>
               <a:defRPr sz="1200"/>
             </a:lvl2pPr>
-            <a:lvl3pPr marL="914400" indent="0">
-              <a:buNone/>
+            <a:lvl3pPr>
               <a:defRPr sz="1000"/>
             </a:lvl3pPr>
-            <a:lvl4pPr marL="1371600" indent="0">
-              <a:buNone/>
+            <a:lvl4pPr>
               <a:defRPr sz="900"/>
             </a:lvl4pPr>
-            <a:lvl5pPr marL="1828800" indent="0">
-              <a:buNone/>
+            <a:lvl5pPr>
               <a:defRPr sz="900"/>
             </a:lvl5pPr>
-            <a:lvl6pPr marL="2286000" indent="0">
-              <a:buNone/>
-              <a:defRPr sz="900"/>
-            </a:lvl6pPr>
-            <a:lvl7pPr marL="2743200" indent="0">
-              <a:buNone/>
-              <a:defRPr sz="900"/>
-            </a:lvl7pPr>
-            <a:lvl8pPr marL="3200400" indent="0">
-              <a:buNone/>
-              <a:defRPr sz="900"/>
-            </a:lvl8pPr>
-            <a:lvl9pPr marL="3657600" indent="0">
-              <a:buNone/>
-              <a:defRPr sz="900"/>
-            </a:lvl9pPr>
           </a:lstStyle>
           <a:p>
-            <a:pPr lvl="0"/>
-            <a:r>
-              <a:rPr lang="ru-RU" smtClean="0"/>
+            <a:pPr lvl="0" eaLnBrk="1" latinLnBrk="0" hangingPunct="1"/>
+            <a:r>
+              <a:rPr kumimoji="0" lang="ru-RU" smtClean="0"/>
               <a:t>Образец текста</a:t>
             </a:r>
-          </a:p>
-        </p:txBody>
-      </p:sp>
-      <p:sp>
-        <p:nvSpPr>
-          <p:cNvPr id="5" name="Дата 4"/>
-          <p:cNvSpPr>
-            <a:spLocks noGrp="1"/>
-          </p:cNvSpPr>
-          <p:nvPr>
-            <p:ph type="dt" sz="half" idx="10"/>
-          </p:nvPr>
-        </p:nvSpPr>
-        <p:spPr/>
-        <p:txBody>
-          <a:bodyPr/>
-          <a:lstStyle/>
-          <a:p>
-            <a:fld id="{5B106E36-FD25-4E2D-B0AA-010F637433A0}" type="datetimeFigureOut">
-              <a:rPr lang="ru-RU" smtClean="0"/>
-              <a:t>03.11.2006</a:t>
-            </a:fld>
-            <a:endParaRPr lang="ru-RU"/>
-          </a:p>
-        </p:txBody>
-      </p:sp>
-      <p:sp>
-        <p:nvSpPr>
-          <p:cNvPr id="6" name="Нижний колонтитул 5"/>
-          <p:cNvSpPr>
-            <a:spLocks noGrp="1"/>
-          </p:cNvSpPr>
-          <p:nvPr>
-            <p:ph type="ftr" sz="quarter" idx="11"/>
-          </p:nvPr>
-        </p:nvSpPr>
-        <p:spPr/>
-        <p:txBody>
-          <a:bodyPr/>
-          <a:lstStyle/>
-          <a:p>
-            <a:endParaRPr lang="ru-RU"/>
-          </a:p>
-        </p:txBody>
-      </p:sp>
-      <p:sp>
-        <p:nvSpPr>
-          <p:cNvPr id="7" name="Номер слайда 6"/>
-          <p:cNvSpPr>
-            <a:spLocks noGrp="1"/>
-          </p:cNvSpPr>
-          <p:nvPr>
-            <p:ph type="sldNum" sz="quarter" idx="12"/>
-          </p:nvPr>
-        </p:nvSpPr>
-        <p:spPr/>
-        <p:txBody>
-          <a:bodyPr/>
-          <a:lstStyle/>
-          <a:p>
-            <a:fld id="{725C68B6-61C2-468F-89AB-4B9F7531AA68}" type="slidenum">
-              <a:rPr lang="ru-RU" smtClean="0"/>
-              <a:t>‹#›</a:t>
-            </a:fld>
-            <a:endParaRPr lang="ru-RU"/>
           </a:p>
         </p:txBody>
       </p:sp>
@@ -2507,6 +2597,9 @@
   <p:clrMapOvr>
     <a:masterClrMapping/>
   </p:clrMapOvr>
+  <p:transition>
+    <p:blinds dir="vert"/>
+  </p:transition>
 </p:sldLayout>
 </file>
 
@@ -2514,8 +2607,8 @@
 <p:sldMaster xmlns:a="http://schemas.openxmlformats.org/drawingml/2006/main" xmlns:r="http://schemas.openxmlformats.org/officeDocument/2006/relationships" xmlns:p="http://schemas.openxmlformats.org/presentationml/2006/main">
   <p:cSld>
     <p:bg>
-      <p:bgRef idx="1001">
-        <a:schemeClr val="bg1"/>
+      <p:bgRef idx="1003">
+        <a:schemeClr val="bg2"/>
       </p:bgRef>
     </p:bg>
     <p:spTree>
@@ -2534,215 +2627,367 @@
       </p:grpSpPr>
       <p:sp>
         <p:nvSpPr>
-          <p:cNvPr id="2" name="Заголовок 1"/>
-          <p:cNvSpPr>
-            <a:spLocks noGrp="1"/>
-          </p:cNvSpPr>
-          <p:nvPr>
-            <p:ph type="title"/>
+          <p:cNvPr id="7" name="Прямая соединительная линия 6"/>
+          <p:cNvSpPr>
+            <a:spLocks noChangeShapeType="1"/>
+          </p:cNvSpPr>
+          <p:nvPr/>
+        </p:nvSpPr>
+        <p:spPr bwMode="auto">
+          <a:xfrm>
+            <a:off x="514350" y="1050898"/>
+            <a:ext cx="8629650" cy="2381"/>
+          </a:xfrm>
+          <a:prstGeom prst="line">
+            <a:avLst/>
+          </a:prstGeom>
+          <a:noFill/>
+          <a:ln w="9525" cap="flat" cmpd="sng" algn="ctr">
+            <a:gradFill flip="none" rotWithShape="1">
+              <a:gsLst>
+                <a:gs pos="0">
+                  <a:schemeClr val="accent1">
+                    <a:alpha val="0"/>
+                  </a:schemeClr>
+                </a:gs>
+                <a:gs pos="17000">
+                  <a:schemeClr val="accent1"/>
+                </a:gs>
+                <a:gs pos="100000">
+                  <a:schemeClr val="accent1"/>
+                </a:gs>
+              </a:gsLst>
+              <a:lin ang="0" scaled="1"/>
+              <a:tileRect/>
+            </a:gradFill>
+            <a:prstDash val="solid"/>
+            <a:round/>
+            <a:headEnd type="none" w="med" len="med"/>
+            <a:tailEnd type="none" w="med" len="med"/>
+          </a:ln>
+          <a:effectLst/>
+        </p:spPr>
+        <p:txBody>
+          <a:bodyPr vert="horz" wrap="square" lIns="91440" tIns="45720" rIns="91440" bIns="45720" anchor="t" compatLnSpc="1"/>
+          <a:lstStyle/>
+          <a:p>
+            <a:endParaRPr kumimoji="0" lang="en-US"/>
+          </a:p>
+        </p:txBody>
+      </p:sp>
+      <p:sp>
+        <p:nvSpPr>
+          <p:cNvPr id="8" name="Текст 7"/>
+          <p:cNvSpPr>
+            <a:spLocks noGrp="1"/>
+          </p:cNvSpPr>
+          <p:nvPr>
+            <p:ph type="body" idx="1"/>
           </p:nvPr>
         </p:nvSpPr>
         <p:spPr>
           <a:xfrm>
-            <a:off x="457200" y="274638"/>
-            <a:ext cx="8229600" cy="1143000"/>
+            <a:off x="304800" y="1554162"/>
+            <a:ext cx="8686800" cy="4525963"/>
           </a:xfrm>
           <a:prstGeom prst="rect">
             <a:avLst/>
           </a:prstGeom>
         </p:spPr>
         <p:txBody>
-          <a:bodyPr vert="horz" lIns="91440" tIns="45720" rIns="91440" bIns="45720" rtlCol="0" anchor="ctr">
+          <a:bodyPr vert="horz">
             <a:normAutofit/>
           </a:bodyPr>
           <a:lstStyle/>
           <a:p>
-            <a:r>
-              <a:rPr lang="ru-RU" smtClean="0"/>
-              <a:t>Образец заголовка</a:t>
-            </a:r>
-            <a:endParaRPr lang="ru-RU"/>
-          </a:p>
-        </p:txBody>
-      </p:sp>
-      <p:sp>
-        <p:nvSpPr>
-          <p:cNvPr id="3" name="Текст 2"/>
-          <p:cNvSpPr>
-            <a:spLocks noGrp="1"/>
-          </p:cNvSpPr>
-          <p:nvPr>
-            <p:ph type="body" idx="1"/>
+            <a:pPr lvl="0" eaLnBrk="1" latinLnBrk="0" hangingPunct="1"/>
+            <a:r>
+              <a:rPr kumimoji="0" lang="ru-RU" smtClean="0"/>
+              <a:t>Образец текста</a:t>
+            </a:r>
+          </a:p>
+          <a:p>
+            <a:pPr lvl="1" eaLnBrk="1" latinLnBrk="0" hangingPunct="1"/>
+            <a:r>
+              <a:rPr kumimoji="0" lang="ru-RU" smtClean="0"/>
+              <a:t>Второй уровень</a:t>
+            </a:r>
+          </a:p>
+          <a:p>
+            <a:pPr lvl="2" eaLnBrk="1" latinLnBrk="0" hangingPunct="1"/>
+            <a:r>
+              <a:rPr kumimoji="0" lang="ru-RU" smtClean="0"/>
+              <a:t>Третий уровень</a:t>
+            </a:r>
+          </a:p>
+          <a:p>
+            <a:pPr lvl="3" eaLnBrk="1" latinLnBrk="0" hangingPunct="1"/>
+            <a:r>
+              <a:rPr kumimoji="0" lang="ru-RU" smtClean="0"/>
+              <a:t>Четвертый уровень</a:t>
+            </a:r>
+          </a:p>
+          <a:p>
+            <a:pPr lvl="4" eaLnBrk="1" latinLnBrk="0" hangingPunct="1"/>
+            <a:r>
+              <a:rPr kumimoji="0" lang="ru-RU" smtClean="0"/>
+              <a:t>Пятый уровень</a:t>
+            </a:r>
+            <a:endParaRPr kumimoji="0" lang="en-US"/>
+          </a:p>
+        </p:txBody>
+      </p:sp>
+      <p:sp>
+        <p:nvSpPr>
+          <p:cNvPr id="11" name="Дата 10"/>
+          <p:cNvSpPr>
+            <a:spLocks noGrp="1"/>
+          </p:cNvSpPr>
+          <p:nvPr>
+            <p:ph type="dt" sz="half" idx="2"/>
           </p:nvPr>
         </p:nvSpPr>
         <p:spPr>
           <a:xfrm>
-            <a:off x="457200" y="1600200"/>
-            <a:ext cx="8229600" cy="4525963"/>
+            <a:off x="6477000" y="76200"/>
+            <a:ext cx="2514600" cy="288925"/>
           </a:xfrm>
           <a:prstGeom prst="rect">
             <a:avLst/>
           </a:prstGeom>
         </p:spPr>
         <p:txBody>
-          <a:bodyPr vert="horz" lIns="91440" tIns="45720" rIns="91440" bIns="45720" rtlCol="0">
-            <a:normAutofit/>
-          </a:bodyPr>
-          <a:lstStyle/>
-          <a:p>
-            <a:pPr lvl="0"/>
-            <a:r>
-              <a:rPr lang="ru-RU" smtClean="0"/>
-              <a:t>Образец текста</a:t>
-            </a:r>
-          </a:p>
-          <a:p>
-            <a:pPr lvl="1"/>
-            <a:r>
-              <a:rPr lang="ru-RU" smtClean="0"/>
-              <a:t>Второй уровень</a:t>
-            </a:r>
-          </a:p>
-          <a:p>
-            <a:pPr lvl="2"/>
-            <a:r>
-              <a:rPr lang="ru-RU" smtClean="0"/>
-              <a:t>Третий уровень</a:t>
-            </a:r>
-          </a:p>
-          <a:p>
-            <a:pPr lvl="3"/>
-            <a:r>
-              <a:rPr lang="ru-RU" smtClean="0"/>
-              <a:t>Четвертый уровень</a:t>
-            </a:r>
-          </a:p>
-          <a:p>
-            <a:pPr lvl="4"/>
-            <a:r>
-              <a:rPr lang="ru-RU" smtClean="0"/>
-              <a:t>Пятый уровень</a:t>
-            </a:r>
-            <a:endParaRPr lang="ru-RU"/>
-          </a:p>
-        </p:txBody>
-      </p:sp>
-      <p:sp>
-        <p:nvSpPr>
-          <p:cNvPr id="4" name="Дата 3"/>
-          <p:cNvSpPr>
-            <a:spLocks noGrp="1"/>
-          </p:cNvSpPr>
-          <p:nvPr>
-            <p:ph type="dt" sz="half" idx="2"/>
+          <a:bodyPr vert="horz"/>
+          <a:lstStyle>
+            <a:lvl1pPr algn="l" eaLnBrk="1" latinLnBrk="0" hangingPunct="1">
+              <a:defRPr kumimoji="0" sz="1200">
+                <a:solidFill>
+                  <a:schemeClr val="accent1">
+                    <a:shade val="75000"/>
+                  </a:schemeClr>
+                </a:solidFill>
+              </a:defRPr>
+            </a:lvl1pPr>
+          </a:lstStyle>
+          <a:p>
+            <a:fld id="{5B106E36-FD25-4E2D-B0AA-010F637433A0}" type="datetimeFigureOut">
+              <a:rPr lang="ru-RU" smtClean="0"/>
+              <a:pPr/>
+              <a:t>12.10.2019</a:t>
+            </a:fld>
+            <a:endParaRPr lang="ru-RU"/>
+          </a:p>
+        </p:txBody>
+      </p:sp>
+      <p:sp>
+        <p:nvSpPr>
+          <p:cNvPr id="28" name="Нижний колонтитул 27"/>
+          <p:cNvSpPr>
+            <a:spLocks noGrp="1"/>
+          </p:cNvSpPr>
+          <p:nvPr>
+            <p:ph type="ftr" sz="quarter" idx="3"/>
           </p:nvPr>
         </p:nvSpPr>
         <p:spPr>
           <a:xfrm>
-            <a:off x="457200" y="6356350"/>
-            <a:ext cx="2133600" cy="365125"/>
+            <a:off x="3124200" y="76200"/>
+            <a:ext cx="3352800" cy="288925"/>
           </a:xfrm>
           <a:prstGeom prst="rect">
             <a:avLst/>
           </a:prstGeom>
         </p:spPr>
         <p:txBody>
-          <a:bodyPr vert="horz" lIns="91440" tIns="45720" rIns="91440" bIns="45720" rtlCol="0" anchor="ctr"/>
+          <a:bodyPr vert="horz"/>
           <a:lstStyle>
-            <a:lvl1pPr algn="l">
-              <a:defRPr sz="1200">
+            <a:lvl1pPr algn="r" eaLnBrk="1" latinLnBrk="0" hangingPunct="1">
+              <a:defRPr kumimoji="0" sz="1200">
                 <a:solidFill>
-                  <a:schemeClr val="tx1">
-                    <a:tint val="75000"/>
+                  <a:schemeClr val="accent1">
+                    <a:shade val="75000"/>
                   </a:schemeClr>
                 </a:solidFill>
               </a:defRPr>
             </a:lvl1pPr>
           </a:lstStyle>
           <a:p>
-            <a:fld id="{5B106E36-FD25-4E2D-B0AA-010F637433A0}" type="datetimeFigureOut">
-              <a:rPr lang="ru-RU" smtClean="0"/>
-              <a:t>03.11.2006</a:t>
-            </a:fld>
-            <a:endParaRPr lang="ru-RU"/>
-          </a:p>
-        </p:txBody>
-      </p:sp>
-      <p:sp>
-        <p:nvSpPr>
-          <p:cNvPr id="5" name="Нижний колонтитул 4"/>
-          <p:cNvSpPr>
-            <a:spLocks noGrp="1"/>
-          </p:cNvSpPr>
-          <p:nvPr>
-            <p:ph type="ftr" sz="quarter" idx="3"/>
+            <a:endParaRPr lang="ru-RU"/>
+          </a:p>
+        </p:txBody>
+      </p:sp>
+      <p:sp>
+        <p:nvSpPr>
+          <p:cNvPr id="5" name="Номер слайда 4"/>
+          <p:cNvSpPr>
+            <a:spLocks noGrp="1"/>
+          </p:cNvSpPr>
+          <p:nvPr>
+            <p:ph type="sldNum" sz="quarter" idx="4"/>
           </p:nvPr>
         </p:nvSpPr>
         <p:spPr>
           <a:xfrm>
-            <a:off x="3124200" y="6356350"/>
-            <a:ext cx="2895600" cy="365125"/>
+            <a:off x="8229600" y="6477000"/>
+            <a:ext cx="762000" cy="244475"/>
           </a:xfrm>
           <a:prstGeom prst="rect">
             <a:avLst/>
           </a:prstGeom>
         </p:spPr>
         <p:txBody>
-          <a:bodyPr vert="horz" lIns="91440" tIns="45720" rIns="91440" bIns="45720" rtlCol="0" anchor="ctr"/>
+          <a:bodyPr vert="horz"/>
           <a:lstStyle>
-            <a:lvl1pPr algn="ctr">
-              <a:defRPr sz="1200">
+            <a:lvl1pPr algn="r" eaLnBrk="1" latinLnBrk="0" hangingPunct="1">
+              <a:defRPr kumimoji="0" sz="1200">
                 <a:solidFill>
-                  <a:schemeClr val="tx1">
-                    <a:tint val="75000"/>
+                  <a:schemeClr val="accent1">
+                    <a:shade val="75000"/>
                   </a:schemeClr>
                 </a:solidFill>
               </a:defRPr>
             </a:lvl1pPr>
           </a:lstStyle>
           <a:p>
-            <a:endParaRPr lang="ru-RU"/>
-          </a:p>
-        </p:txBody>
-      </p:sp>
-      <p:sp>
-        <p:nvSpPr>
-          <p:cNvPr id="6" name="Номер слайда 5"/>
-          <p:cNvSpPr>
-            <a:spLocks noGrp="1"/>
-          </p:cNvSpPr>
-          <p:nvPr>
-            <p:ph type="sldNum" sz="quarter" idx="4"/>
+            <a:fld id="{725C68B6-61C2-468F-89AB-4B9F7531AA68}" type="slidenum">
+              <a:rPr lang="ru-RU" smtClean="0"/>
+              <a:pPr/>
+              <a:t>‹#›</a:t>
+            </a:fld>
+            <a:endParaRPr lang="ru-RU"/>
+          </a:p>
+        </p:txBody>
+      </p:sp>
+      <p:sp>
+        <p:nvSpPr>
+          <p:cNvPr id="10" name="Заголовок 9"/>
+          <p:cNvSpPr>
+            <a:spLocks noGrp="1"/>
+          </p:cNvSpPr>
+          <p:nvPr>
+            <p:ph type="title"/>
           </p:nvPr>
         </p:nvSpPr>
         <p:spPr>
           <a:xfrm>
-            <a:off x="6553200" y="6356350"/>
-            <a:ext cx="2133600" cy="365125"/>
+            <a:off x="304800" y="457200"/>
+            <a:ext cx="8686800" cy="838200"/>
           </a:xfrm>
           <a:prstGeom prst="rect">
             <a:avLst/>
           </a:prstGeom>
         </p:spPr>
         <p:txBody>
-          <a:bodyPr vert="horz" lIns="91440" tIns="45720" rIns="91440" bIns="45720" rtlCol="0" anchor="ctr"/>
-          <a:lstStyle>
-            <a:lvl1pPr algn="r">
-              <a:defRPr sz="1200">
-                <a:solidFill>
-                  <a:schemeClr val="tx1">
-                    <a:tint val="75000"/>
+          <a:bodyPr vert="horz" anchor="ctr">
+            <a:normAutofit/>
+          </a:bodyPr>
+          <a:lstStyle/>
+          <a:p>
+            <a:r>
+              <a:rPr kumimoji="0" lang="ru-RU" smtClean="0"/>
+              <a:t>Образец заголовка</a:t>
+            </a:r>
+            <a:endParaRPr kumimoji="0" lang="en-US"/>
+          </a:p>
+        </p:txBody>
+      </p:sp>
+      <p:sp>
+        <p:nvSpPr>
+          <p:cNvPr id="9" name="Прямая соединительная линия 8"/>
+          <p:cNvSpPr>
+            <a:spLocks noChangeShapeType="1"/>
+          </p:cNvSpPr>
+          <p:nvPr/>
+        </p:nvSpPr>
+        <p:spPr bwMode="auto">
+          <a:xfrm>
+            <a:off x="514350" y="1050898"/>
+            <a:ext cx="8629650" cy="2381"/>
+          </a:xfrm>
+          <a:prstGeom prst="line">
+            <a:avLst/>
+          </a:prstGeom>
+          <a:noFill/>
+          <a:ln w="9525" cap="flat" cmpd="sng" algn="ctr">
+            <a:gradFill flip="none" rotWithShape="1">
+              <a:gsLst>
+                <a:gs pos="0">
+                  <a:schemeClr val="accent1">
+                    <a:alpha val="0"/>
                   </a:schemeClr>
-                </a:solidFill>
-              </a:defRPr>
-            </a:lvl1pPr>
-          </a:lstStyle>
-          <a:p>
-            <a:fld id="{725C68B6-61C2-468F-89AB-4B9F7531AA68}" type="slidenum">
-              <a:rPr lang="ru-RU" smtClean="0"/>
-              <a:t>‹#›</a:t>
-            </a:fld>
-            <a:endParaRPr lang="ru-RU"/>
+                </a:gs>
+                <a:gs pos="17000">
+                  <a:schemeClr val="accent1"/>
+                </a:gs>
+                <a:gs pos="100000">
+                  <a:schemeClr val="accent1"/>
+                </a:gs>
+              </a:gsLst>
+              <a:lin ang="0" scaled="1"/>
+              <a:tileRect/>
+            </a:gradFill>
+            <a:prstDash val="solid"/>
+            <a:round/>
+            <a:headEnd type="none" w="med" len="med"/>
+            <a:tailEnd type="none" w="med" len="med"/>
+          </a:ln>
+          <a:effectLst/>
+        </p:spPr>
+        <p:txBody>
+          <a:bodyPr vert="horz" wrap="square" lIns="91440" tIns="45720" rIns="91440" bIns="45720" anchor="t" compatLnSpc="1"/>
+          <a:lstStyle/>
+          <a:p>
+            <a:endParaRPr kumimoji="0" lang="en-US"/>
+          </a:p>
+        </p:txBody>
+      </p:sp>
+      <p:sp>
+        <p:nvSpPr>
+          <p:cNvPr id="12" name="Прямая соединительная линия 11"/>
+          <p:cNvSpPr>
+            <a:spLocks noChangeShapeType="1"/>
+          </p:cNvSpPr>
+          <p:nvPr/>
+        </p:nvSpPr>
+        <p:spPr bwMode="auto">
+          <a:xfrm>
+            <a:off x="514350" y="1057986"/>
+            <a:ext cx="8629650" cy="2381"/>
+          </a:xfrm>
+          <a:prstGeom prst="line">
+            <a:avLst/>
+          </a:prstGeom>
+          <a:noFill/>
+          <a:ln w="9525" cap="flat" cmpd="sng" algn="ctr">
+            <a:gradFill flip="none" rotWithShape="1">
+              <a:gsLst>
+                <a:gs pos="0">
+                  <a:schemeClr val="accent1">
+                    <a:alpha val="0"/>
+                  </a:schemeClr>
+                </a:gs>
+                <a:gs pos="17000">
+                  <a:schemeClr val="accent1"/>
+                </a:gs>
+                <a:gs pos="100000">
+                  <a:schemeClr val="accent1"/>
+                </a:gs>
+              </a:gsLst>
+              <a:lin ang="0" scaled="1"/>
+              <a:tileRect/>
+            </a:gradFill>
+            <a:prstDash val="solid"/>
+            <a:round/>
+            <a:headEnd type="none" w="med" len="med"/>
+            <a:tailEnd type="none" w="med" len="med"/>
+          </a:ln>
+          <a:effectLst/>
+        </p:spPr>
+        <p:txBody>
+          <a:bodyPr vert="horz" wrap="square" lIns="91440" tIns="45720" rIns="91440" bIns="45720" anchor="t" compatLnSpc="1"/>
+          <a:lstStyle/>
+          <a:p>
+            <a:endParaRPr kumimoji="0" lang="en-US"/>
           </a:p>
         </p:txBody>
       </p:sp>
@@ -2750,29 +2995,35 @@
   </p:cSld>
   <p:clrMap bg1="lt1" tx1="dk1" bg2="lt2" tx2="dk2" accent1="accent1" accent2="accent2" accent3="accent3" accent4="accent4" accent5="accent5" accent6="accent6" hlink="hlink" folHlink="folHlink"/>
   <p:sldLayoutIdLst>
-    <p:sldLayoutId id="2147483649" r:id="rId1"/>
-    <p:sldLayoutId id="2147483650" r:id="rId2"/>
-    <p:sldLayoutId id="2147483651" r:id="rId3"/>
-    <p:sldLayoutId id="2147483652" r:id="rId4"/>
-    <p:sldLayoutId id="2147483653" r:id="rId5"/>
-    <p:sldLayoutId id="2147483654" r:id="rId6"/>
-    <p:sldLayoutId id="2147483655" r:id="rId7"/>
-    <p:sldLayoutId id="2147483656" r:id="rId8"/>
-    <p:sldLayoutId id="2147483657" r:id="rId9"/>
-    <p:sldLayoutId id="2147483658" r:id="rId10"/>
-    <p:sldLayoutId id="2147483659" r:id="rId11"/>
+    <p:sldLayoutId id="2147483661" r:id="rId1"/>
+    <p:sldLayoutId id="2147483662" r:id="rId2"/>
+    <p:sldLayoutId id="2147483663" r:id="rId3"/>
+    <p:sldLayoutId id="2147483664" r:id="rId4"/>
+    <p:sldLayoutId id="2147483665" r:id="rId5"/>
+    <p:sldLayoutId id="2147483666" r:id="rId6"/>
+    <p:sldLayoutId id="2147483667" r:id="rId7"/>
+    <p:sldLayoutId id="2147483668" r:id="rId8"/>
+    <p:sldLayoutId id="2147483669" r:id="rId9"/>
+    <p:sldLayoutId id="2147483670" r:id="rId10"/>
+    <p:sldLayoutId id="2147483671" r:id="rId11"/>
   </p:sldLayoutIdLst>
+  <p:transition>
+    <p:blinds dir="vert"/>
+  </p:transition>
   <p:txStyles>
     <p:titleStyle>
-      <a:lvl1pPr algn="ctr" defTabSz="914400" rtl="0" eaLnBrk="1" latinLnBrk="0" hangingPunct="1">
+      <a:lvl1pPr algn="l" rtl="0" eaLnBrk="1" latinLnBrk="0" hangingPunct="1">
         <a:spcBef>
           <a:spcPct val="0"/>
         </a:spcBef>
         <a:buNone/>
-        <a:defRPr sz="4400" kern="1200">
+        <a:defRPr kumimoji="0" sz="3600" kern="1200" cap="all" baseline="0">
           <a:solidFill>
-            <a:schemeClr val="tx1"/>
+            <a:schemeClr val="tx2"/>
           </a:solidFill>
+          <a:effectLst>
+            <a:reflection blurRad="12700" stA="48000" endA="300" endPos="55000" dir="5400000" sy="-90000" algn="bl" rotWithShape="0"/>
+          </a:effectLst>
           <a:latin typeface="+mj-lt"/>
           <a:ea typeface="+mj-ea"/>
           <a:cs typeface="+mj-cs"/>
@@ -2780,13 +3031,181 @@
       </a:lvl1pPr>
     </p:titleStyle>
     <p:bodyStyle>
-      <a:lvl1pPr marL="342900" indent="-342900" algn="l" defTabSz="914400" rtl="0" eaLnBrk="1" latinLnBrk="0" hangingPunct="1">
+      <a:lvl1pPr marL="342900" indent="-342900" algn="l" rtl="0" eaLnBrk="1" latinLnBrk="0" hangingPunct="1">
         <a:spcBef>
           <a:spcPct val="20000"/>
         </a:spcBef>
-        <a:buFont typeface="Arial" pitchFamily="34" charset="0"/>
-        <a:buChar char="•"/>
-        <a:defRPr sz="3200" kern="1200">
+        <a:buClr>
+          <a:schemeClr val="accent1"/>
+        </a:buClr>
+        <a:buSzPct val="70000"/>
+        <a:buFont typeface="Wingdings 2"/>
+        <a:buChar char=""/>
+        <a:defRPr kumimoji="0" sz="3200" kern="1200">
+          <a:solidFill>
+            <a:schemeClr val="tx2"/>
+          </a:solidFill>
+          <a:latin typeface="+mn-lt"/>
+          <a:ea typeface="+mn-ea"/>
+          <a:cs typeface="+mn-cs"/>
+        </a:defRPr>
+      </a:lvl1pPr>
+      <a:lvl2pPr marL="742950" indent="-285750" algn="l" rtl="0" eaLnBrk="1" latinLnBrk="0" hangingPunct="1">
+        <a:spcBef>
+          <a:spcPct val="20000"/>
+        </a:spcBef>
+        <a:buClr>
+          <a:schemeClr val="accent1"/>
+        </a:buClr>
+        <a:buSzPct val="70000"/>
+        <a:buFont typeface="Wingdings 2"/>
+        <a:buChar char=""/>
+        <a:defRPr kumimoji="0" sz="2800" kern="1200">
+          <a:solidFill>
+            <a:schemeClr val="tx2"/>
+          </a:solidFill>
+          <a:latin typeface="+mn-lt"/>
+          <a:ea typeface="+mn-ea"/>
+          <a:cs typeface="+mn-cs"/>
+        </a:defRPr>
+      </a:lvl2pPr>
+      <a:lvl3pPr marL="1143000" indent="-228600" algn="l" rtl="0" eaLnBrk="1" latinLnBrk="0" hangingPunct="1">
+        <a:spcBef>
+          <a:spcPct val="20000"/>
+        </a:spcBef>
+        <a:buClr>
+          <a:schemeClr val="accent1"/>
+        </a:buClr>
+        <a:buSzPct val="70000"/>
+        <a:buFont typeface="Wingdings 2"/>
+        <a:buChar char=""/>
+        <a:defRPr kumimoji="0" sz="2400" kern="1200">
+          <a:solidFill>
+            <a:schemeClr val="tx2"/>
+          </a:solidFill>
+          <a:latin typeface="+mn-lt"/>
+          <a:ea typeface="+mn-ea"/>
+          <a:cs typeface="+mn-cs"/>
+        </a:defRPr>
+      </a:lvl3pPr>
+      <a:lvl4pPr marL="1600200" indent="-228600" algn="l" rtl="0" eaLnBrk="1" latinLnBrk="0" hangingPunct="1">
+        <a:spcBef>
+          <a:spcPct val="20000"/>
+        </a:spcBef>
+        <a:buClr>
+          <a:schemeClr val="accent1"/>
+        </a:buClr>
+        <a:buSzPct val="70000"/>
+        <a:buFont typeface="Wingdings 2"/>
+        <a:buChar char=""/>
+        <a:defRPr kumimoji="0" sz="2000" kern="1200">
+          <a:solidFill>
+            <a:schemeClr val="tx2"/>
+          </a:solidFill>
+          <a:latin typeface="+mn-lt"/>
+          <a:ea typeface="+mn-ea"/>
+          <a:cs typeface="+mn-cs"/>
+        </a:defRPr>
+      </a:lvl4pPr>
+      <a:lvl5pPr marL="2057400" indent="-228600" algn="l" rtl="0" eaLnBrk="1" latinLnBrk="0" hangingPunct="1">
+        <a:spcBef>
+          <a:spcPct val="20000"/>
+        </a:spcBef>
+        <a:buClr>
+          <a:schemeClr val="accent1"/>
+        </a:buClr>
+        <a:buSzPct val="60000"/>
+        <a:buFont typeface="Wingdings 2"/>
+        <a:buChar char=""/>
+        <a:defRPr kumimoji="0" sz="1800" kern="1200">
+          <a:solidFill>
+            <a:schemeClr val="tx2"/>
+          </a:solidFill>
+          <a:latin typeface="+mn-lt"/>
+          <a:ea typeface="+mn-ea"/>
+          <a:cs typeface="+mn-cs"/>
+        </a:defRPr>
+      </a:lvl5pPr>
+      <a:lvl6pPr marL="2514600" indent="-228600" algn="l" rtl="0" eaLnBrk="1" latinLnBrk="0" hangingPunct="1">
+        <a:spcBef>
+          <a:spcPct val="20000"/>
+        </a:spcBef>
+        <a:buClr>
+          <a:schemeClr val="accent1"/>
+        </a:buClr>
+        <a:buSzPct val="60000"/>
+        <a:buFont typeface="Wingdings 2"/>
+        <a:buChar char=""/>
+        <a:defRPr kumimoji="0" sz="1800" kern="1200">
+          <a:solidFill>
+            <a:schemeClr val="tx2"/>
+          </a:solidFill>
+          <a:latin typeface="+mn-lt"/>
+          <a:ea typeface="+mn-ea"/>
+          <a:cs typeface="+mn-cs"/>
+        </a:defRPr>
+      </a:lvl6pPr>
+      <a:lvl7pPr marL="2971800" indent="-228600" algn="l" rtl="0" eaLnBrk="1" latinLnBrk="0" hangingPunct="1">
+        <a:spcBef>
+          <a:spcPct val="20000"/>
+        </a:spcBef>
+        <a:buClr>
+          <a:schemeClr val="accent1"/>
+        </a:buClr>
+        <a:buSzPct val="60000"/>
+        <a:buFont typeface="Wingdings 2"/>
+        <a:buChar char=""/>
+        <a:defRPr kumimoji="0" sz="1600" kern="1200">
+          <a:solidFill>
+            <a:schemeClr val="tx2"/>
+          </a:solidFill>
+          <a:latin typeface="+mn-lt"/>
+          <a:ea typeface="+mn-ea"/>
+          <a:cs typeface="+mn-cs"/>
+        </a:defRPr>
+      </a:lvl7pPr>
+      <a:lvl8pPr marL="3429000" indent="-228600" algn="l" rtl="0" eaLnBrk="1" latinLnBrk="0" hangingPunct="1">
+        <a:spcBef>
+          <a:spcPct val="20000"/>
+        </a:spcBef>
+        <a:buClr>
+          <a:schemeClr val="accent1"/>
+        </a:buClr>
+        <a:buSzPct val="60000"/>
+        <a:buFont typeface="Wingdings 2"/>
+        <a:buChar char=""/>
+        <a:defRPr kumimoji="0" sz="1600" kern="1200" baseline="0">
+          <a:solidFill>
+            <a:schemeClr val="tx2"/>
+          </a:solidFill>
+          <a:latin typeface="+mn-lt"/>
+          <a:ea typeface="+mn-ea"/>
+          <a:cs typeface="+mn-cs"/>
+        </a:defRPr>
+      </a:lvl8pPr>
+      <a:lvl9pPr marL="3886200" indent="-228600" algn="l" rtl="0" eaLnBrk="1" latinLnBrk="0" hangingPunct="1">
+        <a:spcBef>
+          <a:spcPct val="20000"/>
+        </a:spcBef>
+        <a:buClr>
+          <a:schemeClr val="accent1"/>
+        </a:buClr>
+        <a:buSzPct val="60000"/>
+        <a:buFont typeface="Wingdings 2"/>
+        <a:buChar char=""/>
+        <a:defRPr kumimoji="0" sz="1400" kern="1200" baseline="0">
+          <a:solidFill>
+            <a:schemeClr val="tx2"/>
+          </a:solidFill>
+          <a:latin typeface="+mn-lt"/>
+          <a:ea typeface="+mn-ea"/>
+          <a:cs typeface="+mn-cs"/>
+        </a:defRPr>
+      </a:lvl9pPr>
+    </p:bodyStyle>
+    <p:otherStyle>
+      <a:lvl1pPr marL="0" algn="l" rtl="0" eaLnBrk="1" latinLnBrk="0" hangingPunct="1">
+        <a:defRPr kumimoji="0" kern="1200">
           <a:solidFill>
             <a:schemeClr val="tx1"/>
           </a:solidFill>
@@ -2795,13 +3214,8 @@
           <a:cs typeface="+mn-cs"/>
         </a:defRPr>
       </a:lvl1pPr>
-      <a:lvl2pPr marL="742950" indent="-285750" algn="l" defTabSz="914400" rtl="0" eaLnBrk="1" latinLnBrk="0" hangingPunct="1">
-        <a:spcBef>
-          <a:spcPct val="20000"/>
-        </a:spcBef>
-        <a:buFont typeface="Arial" pitchFamily="34" charset="0"/>
-        <a:buChar char="–"/>
-        <a:defRPr sz="2800" kern="1200">
+      <a:lvl2pPr marL="457200" algn="l" rtl="0" eaLnBrk="1" latinLnBrk="0" hangingPunct="1">
+        <a:defRPr kumimoji="0" kern="1200">
           <a:solidFill>
             <a:schemeClr val="tx1"/>
           </a:solidFill>
@@ -2810,13 +3224,8 @@
           <a:cs typeface="+mn-cs"/>
         </a:defRPr>
       </a:lvl2pPr>
-      <a:lvl3pPr marL="1143000" indent="-228600" algn="l" defTabSz="914400" rtl="0" eaLnBrk="1" latinLnBrk="0" hangingPunct="1">
-        <a:spcBef>
-          <a:spcPct val="20000"/>
-        </a:spcBef>
-        <a:buFont typeface="Arial" pitchFamily="34" charset="0"/>
-        <a:buChar char="•"/>
-        <a:defRPr sz="2400" kern="1200">
+      <a:lvl3pPr marL="914400" algn="l" rtl="0" eaLnBrk="1" latinLnBrk="0" hangingPunct="1">
+        <a:defRPr kumimoji="0" kern="1200">
           <a:solidFill>
             <a:schemeClr val="tx1"/>
           </a:solidFill>
@@ -2825,13 +3234,8 @@
           <a:cs typeface="+mn-cs"/>
         </a:defRPr>
       </a:lvl3pPr>
-      <a:lvl4pPr marL="1600200" indent="-228600" algn="l" defTabSz="914400" rtl="0" eaLnBrk="1" latinLnBrk="0" hangingPunct="1">
-        <a:spcBef>
-          <a:spcPct val="20000"/>
-        </a:spcBef>
-        <a:buFont typeface="Arial" pitchFamily="34" charset="0"/>
-        <a:buChar char="–"/>
-        <a:defRPr sz="2000" kern="1200">
+      <a:lvl4pPr marL="1371600" algn="l" rtl="0" eaLnBrk="1" latinLnBrk="0" hangingPunct="1">
+        <a:defRPr kumimoji="0" kern="1200">
           <a:solidFill>
             <a:schemeClr val="tx1"/>
           </a:solidFill>
@@ -2840,13 +3244,8 @@
           <a:cs typeface="+mn-cs"/>
         </a:defRPr>
       </a:lvl4pPr>
-      <a:lvl5pPr marL="2057400" indent="-228600" algn="l" defTabSz="914400" rtl="0" eaLnBrk="1" latinLnBrk="0" hangingPunct="1">
-        <a:spcBef>
-          <a:spcPct val="20000"/>
-        </a:spcBef>
-        <a:buFont typeface="Arial" pitchFamily="34" charset="0"/>
-        <a:buChar char="»"/>
-        <a:defRPr sz="2000" kern="1200">
+      <a:lvl5pPr marL="1828800" algn="l" rtl="0" eaLnBrk="1" latinLnBrk="0" hangingPunct="1">
+        <a:defRPr kumimoji="0" kern="1200">
           <a:solidFill>
             <a:schemeClr val="tx1"/>
           </a:solidFill>
@@ -2855,13 +3254,8 @@
           <a:cs typeface="+mn-cs"/>
         </a:defRPr>
       </a:lvl5pPr>
-      <a:lvl6pPr marL="2514600" indent="-228600" algn="l" defTabSz="914400" rtl="0" eaLnBrk="1" latinLnBrk="0" hangingPunct="1">
-        <a:spcBef>
-          <a:spcPct val="20000"/>
-        </a:spcBef>
-        <a:buFont typeface="Arial" pitchFamily="34" charset="0"/>
-        <a:buChar char="•"/>
-        <a:defRPr sz="2000" kern="1200">
+      <a:lvl6pPr marL="2286000" algn="l" rtl="0" eaLnBrk="1" latinLnBrk="0" hangingPunct="1">
+        <a:defRPr kumimoji="0" kern="1200">
           <a:solidFill>
             <a:schemeClr val="tx1"/>
           </a:solidFill>
@@ -2870,13 +3264,8 @@
           <a:cs typeface="+mn-cs"/>
         </a:defRPr>
       </a:lvl6pPr>
-      <a:lvl7pPr marL="2971800" indent="-228600" algn="l" defTabSz="914400" rtl="0" eaLnBrk="1" latinLnBrk="0" hangingPunct="1">
-        <a:spcBef>
-          <a:spcPct val="20000"/>
-        </a:spcBef>
-        <a:buFont typeface="Arial" pitchFamily="34" charset="0"/>
-        <a:buChar char="•"/>
-        <a:defRPr sz="2000" kern="1200">
+      <a:lvl7pPr marL="2743200" algn="l" rtl="0" eaLnBrk="1" latinLnBrk="0" hangingPunct="1">
+        <a:defRPr kumimoji="0" kern="1200">
           <a:solidFill>
             <a:schemeClr val="tx1"/>
           </a:solidFill>
@@ -2885,13 +3274,8 @@
           <a:cs typeface="+mn-cs"/>
         </a:defRPr>
       </a:lvl7pPr>
-      <a:lvl8pPr marL="3429000" indent="-228600" algn="l" defTabSz="914400" rtl="0" eaLnBrk="1" latinLnBrk="0" hangingPunct="1">
-        <a:spcBef>
-          <a:spcPct val="20000"/>
-        </a:spcBef>
-        <a:buFont typeface="Arial" pitchFamily="34" charset="0"/>
-        <a:buChar char="•"/>
-        <a:defRPr sz="2000" kern="1200">
+      <a:lvl8pPr marL="3200400" algn="l" rtl="0" eaLnBrk="1" latinLnBrk="0" hangingPunct="1">
+        <a:defRPr kumimoji="0" kern="1200">
           <a:solidFill>
             <a:schemeClr val="tx1"/>
           </a:solidFill>
@@ -2900,108 +3284,8 @@
           <a:cs typeface="+mn-cs"/>
         </a:defRPr>
       </a:lvl8pPr>
-      <a:lvl9pPr marL="3886200" indent="-228600" algn="l" defTabSz="914400" rtl="0" eaLnBrk="1" latinLnBrk="0" hangingPunct="1">
-        <a:spcBef>
-          <a:spcPct val="20000"/>
-        </a:spcBef>
-        <a:buFont typeface="Arial" pitchFamily="34" charset="0"/>
-        <a:buChar char="•"/>
-        <a:defRPr sz="2000" kern="1200">
-          <a:solidFill>
-            <a:schemeClr val="tx1"/>
-          </a:solidFill>
-          <a:latin typeface="+mn-lt"/>
-          <a:ea typeface="+mn-ea"/>
-          <a:cs typeface="+mn-cs"/>
-        </a:defRPr>
-      </a:lvl9pPr>
-    </p:bodyStyle>
-    <p:otherStyle>
-      <a:defPPr>
-        <a:defRPr lang="ru-RU"/>
-      </a:defPPr>
-      <a:lvl1pPr marL="0" algn="l" defTabSz="914400" rtl="0" eaLnBrk="1" latinLnBrk="0" hangingPunct="1">
-        <a:defRPr sz="1800" kern="1200">
-          <a:solidFill>
-            <a:schemeClr val="tx1"/>
-          </a:solidFill>
-          <a:latin typeface="+mn-lt"/>
-          <a:ea typeface="+mn-ea"/>
-          <a:cs typeface="+mn-cs"/>
-        </a:defRPr>
-      </a:lvl1pPr>
-      <a:lvl2pPr marL="457200" algn="l" defTabSz="914400" rtl="0" eaLnBrk="1" latinLnBrk="0" hangingPunct="1">
-        <a:defRPr sz="1800" kern="1200">
-          <a:solidFill>
-            <a:schemeClr val="tx1"/>
-          </a:solidFill>
-          <a:latin typeface="+mn-lt"/>
-          <a:ea typeface="+mn-ea"/>
-          <a:cs typeface="+mn-cs"/>
-        </a:defRPr>
-      </a:lvl2pPr>
-      <a:lvl3pPr marL="914400" algn="l" defTabSz="914400" rtl="0" eaLnBrk="1" latinLnBrk="0" hangingPunct="1">
-        <a:defRPr sz="1800" kern="1200">
-          <a:solidFill>
-            <a:schemeClr val="tx1"/>
-          </a:solidFill>
-          <a:latin typeface="+mn-lt"/>
-          <a:ea typeface="+mn-ea"/>
-          <a:cs typeface="+mn-cs"/>
-        </a:defRPr>
-      </a:lvl3pPr>
-      <a:lvl4pPr marL="1371600" algn="l" defTabSz="914400" rtl="0" eaLnBrk="1" latinLnBrk="0" hangingPunct="1">
-        <a:defRPr sz="1800" kern="1200">
-          <a:solidFill>
-            <a:schemeClr val="tx1"/>
-          </a:solidFill>
-          <a:latin typeface="+mn-lt"/>
-          <a:ea typeface="+mn-ea"/>
-          <a:cs typeface="+mn-cs"/>
-        </a:defRPr>
-      </a:lvl4pPr>
-      <a:lvl5pPr marL="1828800" algn="l" defTabSz="914400" rtl="0" eaLnBrk="1" latinLnBrk="0" hangingPunct="1">
-        <a:defRPr sz="1800" kern="1200">
-          <a:solidFill>
-            <a:schemeClr val="tx1"/>
-          </a:solidFill>
-          <a:latin typeface="+mn-lt"/>
-          <a:ea typeface="+mn-ea"/>
-          <a:cs typeface="+mn-cs"/>
-        </a:defRPr>
-      </a:lvl5pPr>
-      <a:lvl6pPr marL="2286000" algn="l" defTabSz="914400" rtl="0" eaLnBrk="1" latinLnBrk="0" hangingPunct="1">
-        <a:defRPr sz="1800" kern="1200">
-          <a:solidFill>
-            <a:schemeClr val="tx1"/>
-          </a:solidFill>
-          <a:latin typeface="+mn-lt"/>
-          <a:ea typeface="+mn-ea"/>
-          <a:cs typeface="+mn-cs"/>
-        </a:defRPr>
-      </a:lvl6pPr>
-      <a:lvl7pPr marL="2743200" algn="l" defTabSz="914400" rtl="0" eaLnBrk="1" latinLnBrk="0" hangingPunct="1">
-        <a:defRPr sz="1800" kern="1200">
-          <a:solidFill>
-            <a:schemeClr val="tx1"/>
-          </a:solidFill>
-          <a:latin typeface="+mn-lt"/>
-          <a:ea typeface="+mn-ea"/>
-          <a:cs typeface="+mn-cs"/>
-        </a:defRPr>
-      </a:lvl7pPr>
-      <a:lvl8pPr marL="3200400" algn="l" defTabSz="914400" rtl="0" eaLnBrk="1" latinLnBrk="0" hangingPunct="1">
-        <a:defRPr sz="1800" kern="1200">
-          <a:solidFill>
-            <a:schemeClr val="tx1"/>
-          </a:solidFill>
-          <a:latin typeface="+mn-lt"/>
-          <a:ea typeface="+mn-ea"/>
-          <a:cs typeface="+mn-cs"/>
-        </a:defRPr>
-      </a:lvl8pPr>
-      <a:lvl9pPr marL="3657600" algn="l" defTabSz="914400" rtl="0" eaLnBrk="1" latinLnBrk="0" hangingPunct="1">
-        <a:defRPr sz="1800" kern="1200">
+      <a:lvl9pPr marL="3657600" algn="l" rtl="0" eaLnBrk="1" latinLnBrk="0" hangingPunct="1">
+        <a:defRPr kumimoji="0" kern="1200">
           <a:solidFill>
             <a:schemeClr val="tx1"/>
           </a:solidFill>
@@ -3015,10 +3299,1288 @@
 </p:sldMaster>
 </file>
 
+<file path=ppt/slides/slide1.xml><?xml version="1.0" encoding="utf-8"?>
+<p:sld xmlns:a="http://schemas.openxmlformats.org/drawingml/2006/main" xmlns:r="http://schemas.openxmlformats.org/officeDocument/2006/relationships" xmlns:p="http://schemas.openxmlformats.org/presentationml/2006/main">
+  <p:cSld>
+    <p:spTree>
+      <p:nvGrpSpPr>
+        <p:cNvPr id="1" name=""/>
+        <p:cNvGrpSpPr/>
+        <p:nvPr/>
+      </p:nvGrpSpPr>
+      <p:grpSpPr>
+        <a:xfrm>
+          <a:off x="0" y="0"/>
+          <a:ext cx="0" cy="0"/>
+          <a:chOff x="0" y="0"/>
+          <a:chExt cx="0" cy="0"/>
+        </a:xfrm>
+      </p:grpSpPr>
+      <p:sp>
+        <p:nvSpPr>
+          <p:cNvPr id="2" name="Заголовок 1"/>
+          <p:cNvSpPr>
+            <a:spLocks noGrp="1"/>
+          </p:cNvSpPr>
+          <p:nvPr>
+            <p:ph type="ctrTitle"/>
+          </p:nvPr>
+        </p:nvSpPr>
+        <p:spPr/>
+        <p:txBody>
+          <a:bodyPr/>
+          <a:lstStyle/>
+          <a:p>
+            <a:r>
+              <a:rPr lang="ru-RU" dirty="0" smtClean="0">
+                <a:latin typeface="+mn-lt"/>
+              </a:rPr>
+              <a:t> </a:t>
+            </a:r>
+            <a:r>
+              <a:rPr lang="en-US" dirty="0" smtClean="0">
+                <a:latin typeface="+mn-lt"/>
+              </a:rPr>
+              <a:t>Abilympics 2019</a:t>
+            </a:r>
+            <a:endParaRPr lang="ru-RU" dirty="0">
+              <a:latin typeface="+mn-lt"/>
+            </a:endParaRPr>
+          </a:p>
+        </p:txBody>
+      </p:sp>
+      <p:sp>
+        <p:nvSpPr>
+          <p:cNvPr id="3" name="Подзаголовок 2"/>
+          <p:cNvSpPr>
+            <a:spLocks noGrp="1"/>
+          </p:cNvSpPr>
+          <p:nvPr>
+            <p:ph type="subTitle" idx="1"/>
+          </p:nvPr>
+        </p:nvSpPr>
+        <p:spPr/>
+        <p:txBody>
+          <a:bodyPr/>
+          <a:lstStyle/>
+          <a:p>
+            <a:r>
+              <a:rPr lang="ru-RU" dirty="0" smtClean="0"/>
+              <a:t>Выполнил участник чемпионата </a:t>
+            </a:r>
+            <a:r>
+              <a:rPr lang="en-US" dirty="0" smtClean="0"/>
+              <a:t>Abilympics</a:t>
+            </a:r>
+            <a:r>
+              <a:rPr lang="ru-RU" dirty="0" smtClean="0"/>
+              <a:t>: Мамыкин Глеб</a:t>
+            </a:r>
+            <a:endParaRPr lang="ru-RU" dirty="0"/>
+          </a:p>
+        </p:txBody>
+      </p:sp>
+    </p:spTree>
+  </p:cSld>
+  <p:clrMapOvr>
+    <a:masterClrMapping/>
+  </p:clrMapOvr>
+  <p:transition>
+    <p:blinds dir="vert"/>
+  </p:transition>
+</p:sld>
+</file>
+
+<file path=ppt/slides/slide10.xml><?xml version="1.0" encoding="utf-8"?>
+<p:sld xmlns:a="http://schemas.openxmlformats.org/drawingml/2006/main" xmlns:r="http://schemas.openxmlformats.org/officeDocument/2006/relationships" xmlns:p="http://schemas.openxmlformats.org/presentationml/2006/main">
+  <p:cSld>
+    <p:spTree>
+      <p:nvGrpSpPr>
+        <p:cNvPr id="1" name=""/>
+        <p:cNvGrpSpPr/>
+        <p:nvPr/>
+      </p:nvGrpSpPr>
+      <p:grpSpPr>
+        <a:xfrm>
+          <a:off x="0" y="0"/>
+          <a:ext cx="0" cy="0"/>
+          <a:chOff x="0" y="0"/>
+          <a:chExt cx="0" cy="0"/>
+        </a:xfrm>
+      </p:grpSpPr>
+      <p:sp>
+        <p:nvSpPr>
+          <p:cNvPr id="2" name="Заголовок 1"/>
+          <p:cNvSpPr>
+            <a:spLocks noGrp="1"/>
+          </p:cNvSpPr>
+          <p:nvPr>
+            <p:ph type="title"/>
+          </p:nvPr>
+        </p:nvSpPr>
+        <p:spPr/>
+        <p:txBody>
+          <a:bodyPr/>
+          <a:lstStyle/>
+          <a:p>
+            <a:endParaRPr lang="ru-RU"/>
+          </a:p>
+        </p:txBody>
+      </p:sp>
+      <p:sp>
+        <p:nvSpPr>
+          <p:cNvPr id="3" name="Содержимое 2"/>
+          <p:cNvSpPr>
+            <a:spLocks noGrp="1"/>
+          </p:cNvSpPr>
+          <p:nvPr>
+            <p:ph idx="1"/>
+          </p:nvPr>
+        </p:nvSpPr>
+        <p:spPr/>
+        <p:txBody>
+          <a:bodyPr/>
+          <a:lstStyle/>
+          <a:p>
+            <a:endParaRPr lang="ru-RU"/>
+          </a:p>
+        </p:txBody>
+      </p:sp>
+    </p:spTree>
+  </p:cSld>
+  <p:clrMapOvr>
+    <a:masterClrMapping/>
+  </p:clrMapOvr>
+  <p:transition>
+    <p:blinds dir="vert"/>
+  </p:transition>
+</p:sld>
+</file>
+
+<file path=ppt/slides/slide11.xml><?xml version="1.0" encoding="utf-8"?>
+<p:sld xmlns:a="http://schemas.openxmlformats.org/drawingml/2006/main" xmlns:r="http://schemas.openxmlformats.org/officeDocument/2006/relationships" xmlns:p="http://schemas.openxmlformats.org/presentationml/2006/main">
+  <p:cSld>
+    <p:spTree>
+      <p:nvGrpSpPr>
+        <p:cNvPr id="1" name=""/>
+        <p:cNvGrpSpPr/>
+        <p:nvPr/>
+      </p:nvGrpSpPr>
+      <p:grpSpPr>
+        <a:xfrm>
+          <a:off x="0" y="0"/>
+          <a:ext cx="0" cy="0"/>
+          <a:chOff x="0" y="0"/>
+          <a:chExt cx="0" cy="0"/>
+        </a:xfrm>
+      </p:grpSpPr>
+      <p:sp>
+        <p:nvSpPr>
+          <p:cNvPr id="2" name="Заголовок 1"/>
+          <p:cNvSpPr>
+            <a:spLocks noGrp="1"/>
+          </p:cNvSpPr>
+          <p:nvPr>
+            <p:ph type="title"/>
+          </p:nvPr>
+        </p:nvSpPr>
+        <p:spPr/>
+        <p:txBody>
+          <a:bodyPr/>
+          <a:lstStyle/>
+          <a:p>
+            <a:endParaRPr lang="ru-RU"/>
+          </a:p>
+        </p:txBody>
+      </p:sp>
+      <p:sp>
+        <p:nvSpPr>
+          <p:cNvPr id="3" name="Содержимое 2"/>
+          <p:cNvSpPr>
+            <a:spLocks noGrp="1"/>
+          </p:cNvSpPr>
+          <p:nvPr>
+            <p:ph idx="1"/>
+          </p:nvPr>
+        </p:nvSpPr>
+        <p:spPr/>
+        <p:txBody>
+          <a:bodyPr/>
+          <a:lstStyle/>
+          <a:p>
+            <a:endParaRPr lang="ru-RU"/>
+          </a:p>
+        </p:txBody>
+      </p:sp>
+    </p:spTree>
+  </p:cSld>
+  <p:clrMapOvr>
+    <a:masterClrMapping/>
+  </p:clrMapOvr>
+  <p:transition>
+    <p:blinds dir="vert"/>
+  </p:transition>
+</p:sld>
+</file>
+
+<file path=ppt/slides/slide12.xml><?xml version="1.0" encoding="utf-8"?>
+<p:sld xmlns:a="http://schemas.openxmlformats.org/drawingml/2006/main" xmlns:r="http://schemas.openxmlformats.org/officeDocument/2006/relationships" xmlns:p="http://schemas.openxmlformats.org/presentationml/2006/main">
+  <p:cSld>
+    <p:spTree>
+      <p:nvGrpSpPr>
+        <p:cNvPr id="1" name=""/>
+        <p:cNvGrpSpPr/>
+        <p:nvPr/>
+      </p:nvGrpSpPr>
+      <p:grpSpPr>
+        <a:xfrm>
+          <a:off x="0" y="0"/>
+          <a:ext cx="0" cy="0"/>
+          <a:chOff x="0" y="0"/>
+          <a:chExt cx="0" cy="0"/>
+        </a:xfrm>
+      </p:grpSpPr>
+      <p:sp>
+        <p:nvSpPr>
+          <p:cNvPr id="2" name="Заголовок 1"/>
+          <p:cNvSpPr>
+            <a:spLocks noGrp="1"/>
+          </p:cNvSpPr>
+          <p:nvPr>
+            <p:ph type="title"/>
+          </p:nvPr>
+        </p:nvSpPr>
+        <p:spPr/>
+        <p:txBody>
+          <a:bodyPr/>
+          <a:lstStyle/>
+          <a:p>
+            <a:endParaRPr lang="ru-RU"/>
+          </a:p>
+        </p:txBody>
+      </p:sp>
+      <p:sp>
+        <p:nvSpPr>
+          <p:cNvPr id="3" name="Содержимое 2"/>
+          <p:cNvSpPr>
+            <a:spLocks noGrp="1"/>
+          </p:cNvSpPr>
+          <p:nvPr>
+            <p:ph idx="1"/>
+          </p:nvPr>
+        </p:nvSpPr>
+        <p:spPr/>
+        <p:txBody>
+          <a:bodyPr/>
+          <a:lstStyle/>
+          <a:p>
+            <a:endParaRPr lang="ru-RU"/>
+          </a:p>
+        </p:txBody>
+      </p:sp>
+    </p:spTree>
+  </p:cSld>
+  <p:clrMapOvr>
+    <a:masterClrMapping/>
+  </p:clrMapOvr>
+  <p:transition>
+    <p:blinds dir="vert"/>
+  </p:transition>
+</p:sld>
+</file>
+
+<file path=ppt/slides/slide13.xml><?xml version="1.0" encoding="utf-8"?>
+<p:sld xmlns:a="http://schemas.openxmlformats.org/drawingml/2006/main" xmlns:r="http://schemas.openxmlformats.org/officeDocument/2006/relationships" xmlns:p="http://schemas.openxmlformats.org/presentationml/2006/main">
+  <p:cSld>
+    <p:spTree>
+      <p:nvGrpSpPr>
+        <p:cNvPr id="1" name=""/>
+        <p:cNvGrpSpPr/>
+        <p:nvPr/>
+      </p:nvGrpSpPr>
+      <p:grpSpPr>
+        <a:xfrm>
+          <a:off x="0" y="0"/>
+          <a:ext cx="0" cy="0"/>
+          <a:chOff x="0" y="0"/>
+          <a:chExt cx="0" cy="0"/>
+        </a:xfrm>
+      </p:grpSpPr>
+      <p:sp>
+        <p:nvSpPr>
+          <p:cNvPr id="2" name="Заголовок 1"/>
+          <p:cNvSpPr>
+            <a:spLocks noGrp="1"/>
+          </p:cNvSpPr>
+          <p:nvPr>
+            <p:ph type="title"/>
+          </p:nvPr>
+        </p:nvSpPr>
+        <p:spPr/>
+        <p:txBody>
+          <a:bodyPr/>
+          <a:lstStyle/>
+          <a:p>
+            <a:endParaRPr lang="ru-RU"/>
+          </a:p>
+        </p:txBody>
+      </p:sp>
+      <p:sp>
+        <p:nvSpPr>
+          <p:cNvPr id="3" name="Содержимое 2"/>
+          <p:cNvSpPr>
+            <a:spLocks noGrp="1"/>
+          </p:cNvSpPr>
+          <p:nvPr>
+            <p:ph idx="1"/>
+          </p:nvPr>
+        </p:nvSpPr>
+        <p:spPr/>
+        <p:txBody>
+          <a:bodyPr/>
+          <a:lstStyle/>
+          <a:p>
+            <a:endParaRPr lang="ru-RU"/>
+          </a:p>
+        </p:txBody>
+      </p:sp>
+    </p:spTree>
+  </p:cSld>
+  <p:clrMapOvr>
+    <a:masterClrMapping/>
+  </p:clrMapOvr>
+  <p:transition>
+    <p:blinds dir="vert"/>
+  </p:transition>
+</p:sld>
+</file>
+
+<file path=ppt/slides/slide14.xml><?xml version="1.0" encoding="utf-8"?>
+<p:sld xmlns:a="http://schemas.openxmlformats.org/drawingml/2006/main" xmlns:r="http://schemas.openxmlformats.org/officeDocument/2006/relationships" xmlns:p="http://schemas.openxmlformats.org/presentationml/2006/main">
+  <p:cSld>
+    <p:spTree>
+      <p:nvGrpSpPr>
+        <p:cNvPr id="1" name=""/>
+        <p:cNvGrpSpPr/>
+        <p:nvPr/>
+      </p:nvGrpSpPr>
+      <p:grpSpPr>
+        <a:xfrm>
+          <a:off x="0" y="0"/>
+          <a:ext cx="0" cy="0"/>
+          <a:chOff x="0" y="0"/>
+          <a:chExt cx="0" cy="0"/>
+        </a:xfrm>
+      </p:grpSpPr>
+      <p:sp>
+        <p:nvSpPr>
+          <p:cNvPr id="2" name="Заголовок 1"/>
+          <p:cNvSpPr>
+            <a:spLocks noGrp="1"/>
+          </p:cNvSpPr>
+          <p:nvPr>
+            <p:ph type="title"/>
+          </p:nvPr>
+        </p:nvSpPr>
+        <p:spPr/>
+        <p:txBody>
+          <a:bodyPr/>
+          <a:lstStyle/>
+          <a:p>
+            <a:endParaRPr lang="ru-RU"/>
+          </a:p>
+        </p:txBody>
+      </p:sp>
+      <p:sp>
+        <p:nvSpPr>
+          <p:cNvPr id="3" name="Содержимое 2"/>
+          <p:cNvSpPr>
+            <a:spLocks noGrp="1"/>
+          </p:cNvSpPr>
+          <p:nvPr>
+            <p:ph idx="1"/>
+          </p:nvPr>
+        </p:nvSpPr>
+        <p:spPr/>
+        <p:txBody>
+          <a:bodyPr/>
+          <a:lstStyle/>
+          <a:p>
+            <a:endParaRPr lang="ru-RU"/>
+          </a:p>
+        </p:txBody>
+      </p:sp>
+    </p:spTree>
+  </p:cSld>
+  <p:clrMapOvr>
+    <a:masterClrMapping/>
+  </p:clrMapOvr>
+  <p:transition>
+    <p:blinds dir="vert"/>
+  </p:transition>
+</p:sld>
+</file>
+
+<file path=ppt/slides/slide15.xml><?xml version="1.0" encoding="utf-8"?>
+<p:sld xmlns:a="http://schemas.openxmlformats.org/drawingml/2006/main" xmlns:r="http://schemas.openxmlformats.org/officeDocument/2006/relationships" xmlns:p="http://schemas.openxmlformats.org/presentationml/2006/main">
+  <p:cSld>
+    <p:spTree>
+      <p:nvGrpSpPr>
+        <p:cNvPr id="1" name=""/>
+        <p:cNvGrpSpPr/>
+        <p:nvPr/>
+      </p:nvGrpSpPr>
+      <p:grpSpPr>
+        <a:xfrm>
+          <a:off x="0" y="0"/>
+          <a:ext cx="0" cy="0"/>
+          <a:chOff x="0" y="0"/>
+          <a:chExt cx="0" cy="0"/>
+        </a:xfrm>
+      </p:grpSpPr>
+      <p:sp>
+        <p:nvSpPr>
+          <p:cNvPr id="2" name="Заголовок 1"/>
+          <p:cNvSpPr>
+            <a:spLocks noGrp="1"/>
+          </p:cNvSpPr>
+          <p:nvPr>
+            <p:ph type="title"/>
+          </p:nvPr>
+        </p:nvSpPr>
+        <p:spPr/>
+        <p:txBody>
+          <a:bodyPr/>
+          <a:lstStyle/>
+          <a:p>
+            <a:endParaRPr lang="ru-RU"/>
+          </a:p>
+        </p:txBody>
+      </p:sp>
+      <p:sp>
+        <p:nvSpPr>
+          <p:cNvPr id="3" name="Содержимое 2"/>
+          <p:cNvSpPr>
+            <a:spLocks noGrp="1"/>
+          </p:cNvSpPr>
+          <p:nvPr>
+            <p:ph idx="1"/>
+          </p:nvPr>
+        </p:nvSpPr>
+        <p:spPr/>
+        <p:txBody>
+          <a:bodyPr/>
+          <a:lstStyle/>
+          <a:p>
+            <a:endParaRPr lang="ru-RU"/>
+          </a:p>
+        </p:txBody>
+      </p:sp>
+    </p:spTree>
+  </p:cSld>
+  <p:clrMapOvr>
+    <a:masterClrMapping/>
+  </p:clrMapOvr>
+  <p:transition>
+    <p:blinds dir="vert"/>
+  </p:transition>
+</p:sld>
+</file>
+
+<file path=ppt/slides/slide16.xml><?xml version="1.0" encoding="utf-8"?>
+<p:sld xmlns:a="http://schemas.openxmlformats.org/drawingml/2006/main" xmlns:r="http://schemas.openxmlformats.org/officeDocument/2006/relationships" xmlns:p="http://schemas.openxmlformats.org/presentationml/2006/main">
+  <p:cSld>
+    <p:spTree>
+      <p:nvGrpSpPr>
+        <p:cNvPr id="1" name=""/>
+        <p:cNvGrpSpPr/>
+        <p:nvPr/>
+      </p:nvGrpSpPr>
+      <p:grpSpPr>
+        <a:xfrm>
+          <a:off x="0" y="0"/>
+          <a:ext cx="0" cy="0"/>
+          <a:chOff x="0" y="0"/>
+          <a:chExt cx="0" cy="0"/>
+        </a:xfrm>
+      </p:grpSpPr>
+      <p:sp>
+        <p:nvSpPr>
+          <p:cNvPr id="2" name="Заголовок 1"/>
+          <p:cNvSpPr>
+            <a:spLocks noGrp="1"/>
+          </p:cNvSpPr>
+          <p:nvPr>
+            <p:ph type="title"/>
+          </p:nvPr>
+        </p:nvSpPr>
+        <p:spPr/>
+        <p:txBody>
+          <a:bodyPr/>
+          <a:lstStyle/>
+          <a:p>
+            <a:endParaRPr lang="ru-RU"/>
+          </a:p>
+        </p:txBody>
+      </p:sp>
+      <p:sp>
+        <p:nvSpPr>
+          <p:cNvPr id="3" name="Содержимое 2"/>
+          <p:cNvSpPr>
+            <a:spLocks noGrp="1"/>
+          </p:cNvSpPr>
+          <p:nvPr>
+            <p:ph idx="1"/>
+          </p:nvPr>
+        </p:nvSpPr>
+        <p:spPr/>
+        <p:txBody>
+          <a:bodyPr/>
+          <a:lstStyle/>
+          <a:p>
+            <a:endParaRPr lang="ru-RU"/>
+          </a:p>
+        </p:txBody>
+      </p:sp>
+    </p:spTree>
+  </p:cSld>
+  <p:clrMapOvr>
+    <a:masterClrMapping/>
+  </p:clrMapOvr>
+  <p:transition>
+    <p:blinds dir="vert"/>
+  </p:transition>
+</p:sld>
+</file>
+
+<file path=ppt/slides/slide17.xml><?xml version="1.0" encoding="utf-8"?>
+<p:sld xmlns:a="http://schemas.openxmlformats.org/drawingml/2006/main" xmlns:r="http://schemas.openxmlformats.org/officeDocument/2006/relationships" xmlns:p="http://schemas.openxmlformats.org/presentationml/2006/main">
+  <p:cSld>
+    <p:spTree>
+      <p:nvGrpSpPr>
+        <p:cNvPr id="1" name=""/>
+        <p:cNvGrpSpPr/>
+        <p:nvPr/>
+      </p:nvGrpSpPr>
+      <p:grpSpPr>
+        <a:xfrm>
+          <a:off x="0" y="0"/>
+          <a:ext cx="0" cy="0"/>
+          <a:chOff x="0" y="0"/>
+          <a:chExt cx="0" cy="0"/>
+        </a:xfrm>
+      </p:grpSpPr>
+      <p:sp>
+        <p:nvSpPr>
+          <p:cNvPr id="2" name="Заголовок 1"/>
+          <p:cNvSpPr>
+            <a:spLocks noGrp="1"/>
+          </p:cNvSpPr>
+          <p:nvPr>
+            <p:ph type="title"/>
+          </p:nvPr>
+        </p:nvSpPr>
+        <p:spPr/>
+        <p:txBody>
+          <a:bodyPr/>
+          <a:lstStyle/>
+          <a:p>
+            <a:endParaRPr lang="ru-RU"/>
+          </a:p>
+        </p:txBody>
+      </p:sp>
+      <p:sp>
+        <p:nvSpPr>
+          <p:cNvPr id="3" name="Содержимое 2"/>
+          <p:cNvSpPr>
+            <a:spLocks noGrp="1"/>
+          </p:cNvSpPr>
+          <p:nvPr>
+            <p:ph idx="1"/>
+          </p:nvPr>
+        </p:nvSpPr>
+        <p:spPr/>
+        <p:txBody>
+          <a:bodyPr/>
+          <a:lstStyle/>
+          <a:p>
+            <a:endParaRPr lang="ru-RU"/>
+          </a:p>
+        </p:txBody>
+      </p:sp>
+    </p:spTree>
+  </p:cSld>
+  <p:clrMapOvr>
+    <a:masterClrMapping/>
+  </p:clrMapOvr>
+  <p:transition>
+    <p:blinds dir="vert"/>
+  </p:transition>
+</p:sld>
+</file>
+
+<file path=ppt/slides/slide2.xml><?xml version="1.0" encoding="utf-8"?>
+<p:sld xmlns:a="http://schemas.openxmlformats.org/drawingml/2006/main" xmlns:r="http://schemas.openxmlformats.org/officeDocument/2006/relationships" xmlns:p="http://schemas.openxmlformats.org/presentationml/2006/main">
+  <p:cSld>
+    <p:spTree>
+      <p:nvGrpSpPr>
+        <p:cNvPr id="1" name=""/>
+        <p:cNvGrpSpPr/>
+        <p:nvPr/>
+      </p:nvGrpSpPr>
+      <p:grpSpPr>
+        <a:xfrm>
+          <a:off x="0" y="0"/>
+          <a:ext cx="0" cy="0"/>
+          <a:chOff x="0" y="0"/>
+          <a:chExt cx="0" cy="0"/>
+        </a:xfrm>
+      </p:grpSpPr>
+      <p:sp>
+        <p:nvSpPr>
+          <p:cNvPr id="2" name="Заголовок 1"/>
+          <p:cNvSpPr>
+            <a:spLocks noGrp="1"/>
+          </p:cNvSpPr>
+          <p:nvPr>
+            <p:ph type="title"/>
+          </p:nvPr>
+        </p:nvSpPr>
+        <p:spPr/>
+        <p:txBody>
+          <a:bodyPr/>
+          <a:lstStyle/>
+          <a:p>
+            <a:r>
+              <a:rPr lang="ru-RU" dirty="0" smtClean="0">
+                <a:latin typeface="+mn-lt"/>
+              </a:rPr>
+              <a:t>Содержание</a:t>
+            </a:r>
+            <a:endParaRPr lang="ru-RU" dirty="0">
+              <a:latin typeface="+mn-lt"/>
+            </a:endParaRPr>
+          </a:p>
+        </p:txBody>
+      </p:sp>
+      <p:sp>
+        <p:nvSpPr>
+          <p:cNvPr id="3" name="Содержимое 2"/>
+          <p:cNvSpPr>
+            <a:spLocks noGrp="1"/>
+          </p:cNvSpPr>
+          <p:nvPr>
+            <p:ph idx="1"/>
+          </p:nvPr>
+        </p:nvSpPr>
+        <p:spPr/>
+        <p:txBody>
+          <a:bodyPr/>
+          <a:lstStyle/>
+          <a:p>
+            <a:pPr marL="0" indent="261938">
+              <a:buFont typeface="+mj-lt"/>
+              <a:buAutoNum type="arabicPeriod"/>
+            </a:pPr>
+            <a:r>
+              <a:rPr lang="ru-RU" dirty="0" smtClean="0"/>
+              <a:t>Используемые средства разработки</a:t>
+            </a:r>
+          </a:p>
+          <a:p>
+            <a:pPr marL="0" indent="261938">
+              <a:buFont typeface="+mj-lt"/>
+              <a:buAutoNum type="arabicPeriod"/>
+            </a:pPr>
+            <a:r>
+              <a:rPr lang="ru-RU" dirty="0" smtClean="0"/>
+              <a:t>Описание приложения</a:t>
+            </a:r>
+          </a:p>
+          <a:p>
+            <a:pPr marL="0" indent="261938">
+              <a:buFont typeface="+mj-lt"/>
+              <a:buAutoNum type="arabicPeriod"/>
+            </a:pPr>
+            <a:r>
+              <a:rPr lang="ru-RU" dirty="0" smtClean="0"/>
+              <a:t>Демонстрация базы данных</a:t>
+            </a:r>
+          </a:p>
+          <a:p>
+            <a:pPr marL="0" indent="261938">
+              <a:buFont typeface="+mj-lt"/>
+              <a:buAutoNum type="arabicPeriod"/>
+            </a:pPr>
+            <a:r>
+              <a:rPr lang="ru-RU" dirty="0" smtClean="0"/>
+              <a:t>Демонстрация работы приложения</a:t>
+            </a:r>
+            <a:endParaRPr lang="ru-RU" dirty="0"/>
+          </a:p>
+        </p:txBody>
+      </p:sp>
+    </p:spTree>
+  </p:cSld>
+  <p:clrMapOvr>
+    <a:masterClrMapping/>
+  </p:clrMapOvr>
+  <p:transition>
+    <p:blinds dir="vert"/>
+  </p:transition>
+</p:sld>
+</file>
+
+<file path=ppt/slides/slide3.xml><?xml version="1.0" encoding="utf-8"?>
+<p:sld xmlns:a="http://schemas.openxmlformats.org/drawingml/2006/main" xmlns:r="http://schemas.openxmlformats.org/officeDocument/2006/relationships" xmlns:p="http://schemas.openxmlformats.org/presentationml/2006/main">
+  <p:cSld>
+    <p:spTree>
+      <p:nvGrpSpPr>
+        <p:cNvPr id="1" name=""/>
+        <p:cNvGrpSpPr/>
+        <p:nvPr/>
+      </p:nvGrpSpPr>
+      <p:grpSpPr>
+        <a:xfrm>
+          <a:off x="0" y="0"/>
+          <a:ext cx="0" cy="0"/>
+          <a:chOff x="0" y="0"/>
+          <a:chExt cx="0" cy="0"/>
+        </a:xfrm>
+      </p:grpSpPr>
+      <p:sp>
+        <p:nvSpPr>
+          <p:cNvPr id="2" name="Заголовок 1"/>
+          <p:cNvSpPr>
+            <a:spLocks noGrp="1"/>
+          </p:cNvSpPr>
+          <p:nvPr>
+            <p:ph type="title"/>
+          </p:nvPr>
+        </p:nvSpPr>
+        <p:spPr/>
+        <p:txBody>
+          <a:bodyPr>
+            <a:normAutofit fontScale="90000"/>
+          </a:bodyPr>
+          <a:lstStyle/>
+          <a:p>
+            <a:r>
+              <a:rPr lang="ru-RU" dirty="0" smtClean="0">
+                <a:latin typeface="+mn-lt"/>
+              </a:rPr>
+              <a:t>Используемые средства разработки</a:t>
+            </a:r>
+            <a:endParaRPr lang="ru-RU" dirty="0">
+              <a:latin typeface="+mn-lt"/>
+            </a:endParaRPr>
+          </a:p>
+        </p:txBody>
+      </p:sp>
+      <p:sp>
+        <p:nvSpPr>
+          <p:cNvPr id="3" name="Содержимое 2"/>
+          <p:cNvSpPr>
+            <a:spLocks noGrp="1"/>
+          </p:cNvSpPr>
+          <p:nvPr>
+            <p:ph idx="1"/>
+          </p:nvPr>
+        </p:nvSpPr>
+        <p:spPr/>
+        <p:txBody>
+          <a:bodyPr>
+            <a:normAutofit lnSpcReduction="10000"/>
+          </a:bodyPr>
+          <a:lstStyle/>
+          <a:p>
+            <a:pPr marL="0" indent="261938">
+              <a:buNone/>
+            </a:pPr>
+            <a:r>
+              <a:rPr lang="ru-RU" dirty="0" smtClean="0"/>
+              <a:t>Для создания репозитория и связи с сервером мной использовались программа </a:t>
+            </a:r>
+            <a:r>
+              <a:rPr lang="en-US" dirty="0" smtClean="0"/>
+              <a:t>Git</a:t>
+            </a:r>
+            <a:r>
+              <a:rPr lang="ru-RU" dirty="0" smtClean="0"/>
+              <a:t> и сайт </a:t>
+            </a:r>
+            <a:r>
+              <a:rPr lang="en-US" dirty="0" smtClean="0"/>
+              <a:t>GitHub.</a:t>
+            </a:r>
+          </a:p>
+          <a:p>
+            <a:pPr marL="0" indent="261938">
+              <a:buNone/>
+            </a:pPr>
+            <a:r>
+              <a:rPr lang="ru-RU" dirty="0" smtClean="0"/>
+              <a:t>Для создания базы данных мной использовалась программа </a:t>
+            </a:r>
+            <a:r>
+              <a:rPr lang="en-US" dirty="0" smtClean="0"/>
+              <a:t>Microsoft SQL Server 2014.</a:t>
+            </a:r>
+          </a:p>
+          <a:p>
+            <a:pPr marL="0" indent="261938">
+              <a:buNone/>
+            </a:pPr>
+            <a:r>
+              <a:rPr lang="ru-RU" dirty="0" smtClean="0"/>
+              <a:t>Для создания приложения мной использовались программа </a:t>
+            </a:r>
+            <a:r>
+              <a:rPr lang="en-US" dirty="0" smtClean="0"/>
+              <a:t>Microsoft Visual Studio 2019 </a:t>
+            </a:r>
+            <a:r>
+              <a:rPr lang="ru-RU" dirty="0" smtClean="0"/>
+              <a:t>и язык программирования </a:t>
+            </a:r>
+            <a:r>
+              <a:rPr lang="en-US" dirty="0" smtClean="0"/>
+              <a:t>C#</a:t>
+            </a:r>
+            <a:r>
+              <a:rPr lang="ru-RU" dirty="0" smtClean="0"/>
+              <a:t>.</a:t>
+            </a:r>
+            <a:endParaRPr lang="ru-RU" dirty="0"/>
+          </a:p>
+        </p:txBody>
+      </p:sp>
+    </p:spTree>
+  </p:cSld>
+  <p:clrMapOvr>
+    <a:masterClrMapping/>
+  </p:clrMapOvr>
+  <p:transition>
+    <p:blinds dir="vert"/>
+  </p:transition>
+</p:sld>
+</file>
+
+<file path=ppt/slides/slide4.xml><?xml version="1.0" encoding="utf-8"?>
+<p:sld xmlns:a="http://schemas.openxmlformats.org/drawingml/2006/main" xmlns:r="http://schemas.openxmlformats.org/officeDocument/2006/relationships" xmlns:p="http://schemas.openxmlformats.org/presentationml/2006/main">
+  <p:cSld>
+    <p:spTree>
+      <p:nvGrpSpPr>
+        <p:cNvPr id="1" name=""/>
+        <p:cNvGrpSpPr/>
+        <p:nvPr/>
+      </p:nvGrpSpPr>
+      <p:grpSpPr>
+        <a:xfrm>
+          <a:off x="0" y="0"/>
+          <a:ext cx="0" cy="0"/>
+          <a:chOff x="0" y="0"/>
+          <a:chExt cx="0" cy="0"/>
+        </a:xfrm>
+      </p:grpSpPr>
+      <p:sp>
+        <p:nvSpPr>
+          <p:cNvPr id="2" name="Заголовок 1"/>
+          <p:cNvSpPr>
+            <a:spLocks noGrp="1"/>
+          </p:cNvSpPr>
+          <p:nvPr>
+            <p:ph type="title"/>
+          </p:nvPr>
+        </p:nvSpPr>
+        <p:spPr/>
+        <p:txBody>
+          <a:bodyPr/>
+          <a:lstStyle/>
+          <a:p>
+            <a:r>
+              <a:rPr lang="ru-RU" dirty="0" smtClean="0">
+                <a:latin typeface="+mn-lt"/>
+              </a:rPr>
+              <a:t>Описание приложения</a:t>
+            </a:r>
+            <a:endParaRPr lang="ru-RU" dirty="0">
+              <a:latin typeface="+mn-lt"/>
+            </a:endParaRPr>
+          </a:p>
+        </p:txBody>
+      </p:sp>
+      <p:sp>
+        <p:nvSpPr>
+          <p:cNvPr id="3" name="Содержимое 2"/>
+          <p:cNvSpPr>
+            <a:spLocks noGrp="1"/>
+          </p:cNvSpPr>
+          <p:nvPr>
+            <p:ph idx="1"/>
+          </p:nvPr>
+        </p:nvSpPr>
+        <p:spPr/>
+        <p:txBody>
+          <a:bodyPr/>
+          <a:lstStyle/>
+          <a:p>
+            <a:pPr marL="0" indent="261938">
+              <a:buNone/>
+            </a:pPr>
+            <a:r>
+              <a:rPr lang="ru-RU" dirty="0" smtClean="0"/>
+              <a:t>Приложение разработано для автоматизации работы технической поддержки предприятия. В приложении будет 3 типа ролей пользователей: сотрудник, специалист технической поддержки и техник.</a:t>
+            </a:r>
+            <a:endParaRPr lang="ru-RU" dirty="0"/>
+          </a:p>
+        </p:txBody>
+      </p:sp>
+    </p:spTree>
+  </p:cSld>
+  <p:clrMapOvr>
+    <a:masterClrMapping/>
+  </p:clrMapOvr>
+  <p:transition>
+    <p:blinds dir="vert"/>
+  </p:transition>
+</p:sld>
+</file>
+
+<file path=ppt/slides/slide5.xml><?xml version="1.0" encoding="utf-8"?>
+<p:sld xmlns:a="http://schemas.openxmlformats.org/drawingml/2006/main" xmlns:r="http://schemas.openxmlformats.org/officeDocument/2006/relationships" xmlns:p="http://schemas.openxmlformats.org/presentationml/2006/main">
+  <p:cSld>
+    <p:spTree>
+      <p:nvGrpSpPr>
+        <p:cNvPr id="1" name=""/>
+        <p:cNvGrpSpPr/>
+        <p:nvPr/>
+      </p:nvGrpSpPr>
+      <p:grpSpPr>
+        <a:xfrm>
+          <a:off x="0" y="0"/>
+          <a:ext cx="0" cy="0"/>
+          <a:chOff x="0" y="0"/>
+          <a:chExt cx="0" cy="0"/>
+        </a:xfrm>
+      </p:grpSpPr>
+      <p:sp>
+        <p:nvSpPr>
+          <p:cNvPr id="2" name="Заголовок 1"/>
+          <p:cNvSpPr>
+            <a:spLocks noGrp="1"/>
+          </p:cNvSpPr>
+          <p:nvPr>
+            <p:ph type="title"/>
+          </p:nvPr>
+        </p:nvSpPr>
+        <p:spPr/>
+        <p:txBody>
+          <a:bodyPr/>
+          <a:lstStyle/>
+          <a:p>
+            <a:endParaRPr lang="ru-RU"/>
+          </a:p>
+        </p:txBody>
+      </p:sp>
+      <p:sp>
+        <p:nvSpPr>
+          <p:cNvPr id="3" name="Содержимое 2"/>
+          <p:cNvSpPr>
+            <a:spLocks noGrp="1"/>
+          </p:cNvSpPr>
+          <p:nvPr>
+            <p:ph idx="1"/>
+          </p:nvPr>
+        </p:nvSpPr>
+        <p:spPr/>
+        <p:txBody>
+          <a:bodyPr/>
+          <a:lstStyle/>
+          <a:p>
+            <a:endParaRPr lang="ru-RU"/>
+          </a:p>
+        </p:txBody>
+      </p:sp>
+    </p:spTree>
+  </p:cSld>
+  <p:clrMapOvr>
+    <a:masterClrMapping/>
+  </p:clrMapOvr>
+  <p:transition>
+    <p:blinds dir="vert"/>
+  </p:transition>
+</p:sld>
+</file>
+
+<file path=ppt/slides/slide6.xml><?xml version="1.0" encoding="utf-8"?>
+<p:sld xmlns:a="http://schemas.openxmlformats.org/drawingml/2006/main" xmlns:r="http://schemas.openxmlformats.org/officeDocument/2006/relationships" xmlns:p="http://schemas.openxmlformats.org/presentationml/2006/main">
+  <p:cSld>
+    <p:spTree>
+      <p:nvGrpSpPr>
+        <p:cNvPr id="1" name=""/>
+        <p:cNvGrpSpPr/>
+        <p:nvPr/>
+      </p:nvGrpSpPr>
+      <p:grpSpPr>
+        <a:xfrm>
+          <a:off x="0" y="0"/>
+          <a:ext cx="0" cy="0"/>
+          <a:chOff x="0" y="0"/>
+          <a:chExt cx="0" cy="0"/>
+        </a:xfrm>
+      </p:grpSpPr>
+      <p:sp>
+        <p:nvSpPr>
+          <p:cNvPr id="2" name="Заголовок 1"/>
+          <p:cNvSpPr>
+            <a:spLocks noGrp="1"/>
+          </p:cNvSpPr>
+          <p:nvPr>
+            <p:ph type="title"/>
+          </p:nvPr>
+        </p:nvSpPr>
+        <p:spPr/>
+        <p:txBody>
+          <a:bodyPr/>
+          <a:lstStyle/>
+          <a:p>
+            <a:endParaRPr lang="ru-RU"/>
+          </a:p>
+        </p:txBody>
+      </p:sp>
+      <p:sp>
+        <p:nvSpPr>
+          <p:cNvPr id="3" name="Содержимое 2"/>
+          <p:cNvSpPr>
+            <a:spLocks noGrp="1"/>
+          </p:cNvSpPr>
+          <p:nvPr>
+            <p:ph idx="1"/>
+          </p:nvPr>
+        </p:nvSpPr>
+        <p:spPr/>
+        <p:txBody>
+          <a:bodyPr/>
+          <a:lstStyle/>
+          <a:p>
+            <a:endParaRPr lang="ru-RU"/>
+          </a:p>
+        </p:txBody>
+      </p:sp>
+    </p:spTree>
+  </p:cSld>
+  <p:clrMapOvr>
+    <a:masterClrMapping/>
+  </p:clrMapOvr>
+  <p:transition>
+    <p:blinds dir="vert"/>
+  </p:transition>
+</p:sld>
+</file>
+
+<file path=ppt/slides/slide7.xml><?xml version="1.0" encoding="utf-8"?>
+<p:sld xmlns:a="http://schemas.openxmlformats.org/drawingml/2006/main" xmlns:r="http://schemas.openxmlformats.org/officeDocument/2006/relationships" xmlns:p="http://schemas.openxmlformats.org/presentationml/2006/main">
+  <p:cSld>
+    <p:spTree>
+      <p:nvGrpSpPr>
+        <p:cNvPr id="1" name=""/>
+        <p:cNvGrpSpPr/>
+        <p:nvPr/>
+      </p:nvGrpSpPr>
+      <p:grpSpPr>
+        <a:xfrm>
+          <a:off x="0" y="0"/>
+          <a:ext cx="0" cy="0"/>
+          <a:chOff x="0" y="0"/>
+          <a:chExt cx="0" cy="0"/>
+        </a:xfrm>
+      </p:grpSpPr>
+      <p:sp>
+        <p:nvSpPr>
+          <p:cNvPr id="2" name="Заголовок 1"/>
+          <p:cNvSpPr>
+            <a:spLocks noGrp="1"/>
+          </p:cNvSpPr>
+          <p:nvPr>
+            <p:ph type="title"/>
+          </p:nvPr>
+        </p:nvSpPr>
+        <p:spPr/>
+        <p:txBody>
+          <a:bodyPr/>
+          <a:lstStyle/>
+          <a:p>
+            <a:endParaRPr lang="ru-RU"/>
+          </a:p>
+        </p:txBody>
+      </p:sp>
+      <p:sp>
+        <p:nvSpPr>
+          <p:cNvPr id="3" name="Содержимое 2"/>
+          <p:cNvSpPr>
+            <a:spLocks noGrp="1"/>
+          </p:cNvSpPr>
+          <p:nvPr>
+            <p:ph idx="1"/>
+          </p:nvPr>
+        </p:nvSpPr>
+        <p:spPr/>
+        <p:txBody>
+          <a:bodyPr/>
+          <a:lstStyle/>
+          <a:p>
+            <a:endParaRPr lang="ru-RU"/>
+          </a:p>
+        </p:txBody>
+      </p:sp>
+    </p:spTree>
+  </p:cSld>
+  <p:clrMapOvr>
+    <a:masterClrMapping/>
+  </p:clrMapOvr>
+  <p:transition>
+    <p:blinds dir="vert"/>
+  </p:transition>
+</p:sld>
+</file>
+
+<file path=ppt/slides/slide8.xml><?xml version="1.0" encoding="utf-8"?>
+<p:sld xmlns:a="http://schemas.openxmlformats.org/drawingml/2006/main" xmlns:r="http://schemas.openxmlformats.org/officeDocument/2006/relationships" xmlns:p="http://schemas.openxmlformats.org/presentationml/2006/main">
+  <p:cSld>
+    <p:spTree>
+      <p:nvGrpSpPr>
+        <p:cNvPr id="1" name=""/>
+        <p:cNvGrpSpPr/>
+        <p:nvPr/>
+      </p:nvGrpSpPr>
+      <p:grpSpPr>
+        <a:xfrm>
+          <a:off x="0" y="0"/>
+          <a:ext cx="0" cy="0"/>
+          <a:chOff x="0" y="0"/>
+          <a:chExt cx="0" cy="0"/>
+        </a:xfrm>
+      </p:grpSpPr>
+      <p:sp>
+        <p:nvSpPr>
+          <p:cNvPr id="2" name="Заголовок 1"/>
+          <p:cNvSpPr>
+            <a:spLocks noGrp="1"/>
+          </p:cNvSpPr>
+          <p:nvPr>
+            <p:ph type="title"/>
+          </p:nvPr>
+        </p:nvSpPr>
+        <p:spPr/>
+        <p:txBody>
+          <a:bodyPr/>
+          <a:lstStyle/>
+          <a:p>
+            <a:endParaRPr lang="ru-RU"/>
+          </a:p>
+        </p:txBody>
+      </p:sp>
+      <p:sp>
+        <p:nvSpPr>
+          <p:cNvPr id="3" name="Содержимое 2"/>
+          <p:cNvSpPr>
+            <a:spLocks noGrp="1"/>
+          </p:cNvSpPr>
+          <p:nvPr>
+            <p:ph idx="1"/>
+          </p:nvPr>
+        </p:nvSpPr>
+        <p:spPr/>
+        <p:txBody>
+          <a:bodyPr/>
+          <a:lstStyle/>
+          <a:p>
+            <a:endParaRPr lang="ru-RU"/>
+          </a:p>
+        </p:txBody>
+      </p:sp>
+    </p:spTree>
+  </p:cSld>
+  <p:clrMapOvr>
+    <a:masterClrMapping/>
+  </p:clrMapOvr>
+  <p:transition>
+    <p:blinds dir="vert"/>
+  </p:transition>
+</p:sld>
+</file>
+
+<file path=ppt/slides/slide9.xml><?xml version="1.0" encoding="utf-8"?>
+<p:sld xmlns:a="http://schemas.openxmlformats.org/drawingml/2006/main" xmlns:r="http://schemas.openxmlformats.org/officeDocument/2006/relationships" xmlns:p="http://schemas.openxmlformats.org/presentationml/2006/main">
+  <p:cSld>
+    <p:spTree>
+      <p:nvGrpSpPr>
+        <p:cNvPr id="1" name=""/>
+        <p:cNvGrpSpPr/>
+        <p:nvPr/>
+      </p:nvGrpSpPr>
+      <p:grpSpPr>
+        <a:xfrm>
+          <a:off x="0" y="0"/>
+          <a:ext cx="0" cy="0"/>
+          <a:chOff x="0" y="0"/>
+          <a:chExt cx="0" cy="0"/>
+        </a:xfrm>
+      </p:grpSpPr>
+      <p:sp>
+        <p:nvSpPr>
+          <p:cNvPr id="2" name="Заголовок 1"/>
+          <p:cNvSpPr>
+            <a:spLocks noGrp="1"/>
+          </p:cNvSpPr>
+          <p:nvPr>
+            <p:ph type="title"/>
+          </p:nvPr>
+        </p:nvSpPr>
+        <p:spPr/>
+        <p:txBody>
+          <a:bodyPr/>
+          <a:lstStyle/>
+          <a:p>
+            <a:endParaRPr lang="ru-RU"/>
+          </a:p>
+        </p:txBody>
+      </p:sp>
+      <p:sp>
+        <p:nvSpPr>
+          <p:cNvPr id="3" name="Содержимое 2"/>
+          <p:cNvSpPr>
+            <a:spLocks noGrp="1"/>
+          </p:cNvSpPr>
+          <p:nvPr>
+            <p:ph idx="1"/>
+          </p:nvPr>
+        </p:nvSpPr>
+        <p:spPr/>
+        <p:txBody>
+          <a:bodyPr/>
+          <a:lstStyle/>
+          <a:p>
+            <a:endParaRPr lang="ru-RU"/>
+          </a:p>
+        </p:txBody>
+      </p:sp>
+    </p:spTree>
+  </p:cSld>
+  <p:clrMapOvr>
+    <a:masterClrMapping/>
+  </p:clrMapOvr>
+  <p:transition>
+    <p:blinds dir="vert"/>
+  </p:transition>
+</p:sld>
+</file>
+
 <file path=ppt/theme/theme1.xml><?xml version="1.0" encoding="utf-8"?>
-<a:theme xmlns:a="http://schemas.openxmlformats.org/drawingml/2006/main" name="Тема Office">
+<a:theme xmlns:a="http://schemas.openxmlformats.org/drawingml/2006/main" name="Трек">
   <a:themeElements>
-    <a:clrScheme name="Стандартная">
+    <a:clrScheme name="Трек">
       <a:dk1>
         <a:sysClr val="windowText" lastClr="000000"/>
       </a:dk1>
@@ -3026,43 +4588,77 @@
         <a:sysClr val="window" lastClr="FFFFFF"/>
       </a:lt1>
       <a:dk2>
-        <a:srgbClr val="1F497D"/>
+        <a:srgbClr val="4E3B30"/>
       </a:dk2>
       <a:lt2>
-        <a:srgbClr val="EEECE1"/>
+        <a:srgbClr val="FBEEC9"/>
       </a:lt2>
       <a:accent1>
-        <a:srgbClr val="4F81BD"/>
+        <a:srgbClr val="F0A22E"/>
       </a:accent1>
       <a:accent2>
-        <a:srgbClr val="C0504D"/>
+        <a:srgbClr val="A5644E"/>
       </a:accent2>
       <a:accent3>
-        <a:srgbClr val="9BBB59"/>
+        <a:srgbClr val="B58B80"/>
       </a:accent3>
       <a:accent4>
-        <a:srgbClr val="8064A2"/>
+        <a:srgbClr val="C3986D"/>
       </a:accent4>
       <a:accent5>
-        <a:srgbClr val="4BACC6"/>
+        <a:srgbClr val="A19574"/>
       </a:accent5>
       <a:accent6>
-        <a:srgbClr val="F79646"/>
+        <a:srgbClr val="C17529"/>
       </a:accent6>
       <a:hlink>
-        <a:srgbClr val="0000FF"/>
+        <a:srgbClr val="AD1F1F"/>
       </a:hlink>
       <a:folHlink>
-        <a:srgbClr val="800080"/>
+        <a:srgbClr val="FFC42F"/>
       </a:folHlink>
     </a:clrScheme>
-    <a:fontScheme name="Стандартная">
+    <a:fontScheme name="Классическая">
       <a:majorFont>
-        <a:latin typeface="Calibri"/>
+        <a:latin typeface="Arial"/>
         <a:ea typeface=""/>
         <a:cs typeface=""/>
         <a:font script="Jpan" typeface="ＭＳ Ｐゴシック"/>
-        <a:font script="Hang" typeface="맑은 고딕"/>
+        <a:font script="Hang" typeface="돋움"/>
+        <a:font script="Hans" typeface="黑体"/>
+        <a:font script="Hant" typeface="微軟正黑體"/>
+        <a:font script="Arab" typeface="Arial"/>
+        <a:font script="Hebr" typeface="Arial"/>
+        <a:font script="Thai" typeface="Cordia New"/>
+        <a:font script="Ethi" typeface="Nyala"/>
+        <a:font script="Beng" typeface="Vrinda"/>
+        <a:font script="Gujr" typeface="Shruti"/>
+        <a:font script="Khmr" typeface="DaunPenh"/>
+        <a:font script="Knda" typeface="Tunga"/>
+        <a:font script="Guru" typeface="Raavi"/>
+        <a:font script="Cans" typeface="Euphemia"/>
+        <a:font script="Cher" typeface="Plantagenet Cherokee"/>
+        <a:font script="Yiii" typeface="Microsoft Yi Baiti"/>
+        <a:font script="Tibt" typeface="Microsoft Himalaya"/>
+        <a:font script="Thaa" typeface="MV Boli"/>
+        <a:font script="Deva" typeface="Mangal"/>
+        <a:font script="Telu" typeface="Gautami"/>
+        <a:font script="Taml" typeface="Latha"/>
+        <a:font script="Syrc" typeface="Estrangelo Edessa"/>
+        <a:font script="Orya" typeface="Kalinga"/>
+        <a:font script="Mlym" typeface="Kartika"/>
+        <a:font script="Laoo" typeface="DokChampa"/>
+        <a:font script="Sinh" typeface="Iskoola Pota"/>
+        <a:font script="Mong" typeface="Mongolian Baiti"/>
+        <a:font script="Viet" typeface="Arial"/>
+        <a:font script="Uigh" typeface="Microsoft Uighur"/>
+      </a:majorFont>
+      <a:minorFont>
+        <a:latin typeface="Times New Roman"/>
+        <a:ea typeface=""/>
+        <a:cs typeface=""/>
+        <a:font script="Jpan" typeface="ＭＳ Ｐ明朝"/>
+        <a:font script="Hang" typeface="바탕"/>
         <a:font script="Hans" typeface="宋体"/>
         <a:font script="Hant" typeface="新細明體"/>
         <a:font script="Arab" typeface="Times New Roman"/>
@@ -3090,43 +4686,9 @@
         <a:font script="Mong" typeface="Mongolian Baiti"/>
         <a:font script="Viet" typeface="Times New Roman"/>
         <a:font script="Uigh" typeface="Microsoft Uighur"/>
-      </a:majorFont>
-      <a:minorFont>
-        <a:latin typeface="Calibri"/>
-        <a:ea typeface=""/>
-        <a:cs typeface=""/>
-        <a:font script="Jpan" typeface="ＭＳ Ｐゴシック"/>
-        <a:font script="Hang" typeface="맑은 고딕"/>
-        <a:font script="Hans" typeface="宋体"/>
-        <a:font script="Hant" typeface="新細明體"/>
-        <a:font script="Arab" typeface="Arial"/>
-        <a:font script="Hebr" typeface="Arial"/>
-        <a:font script="Thai" typeface="Cordia New"/>
-        <a:font script="Ethi" typeface="Nyala"/>
-        <a:font script="Beng" typeface="Vrinda"/>
-        <a:font script="Gujr" typeface="Shruti"/>
-        <a:font script="Khmr" typeface="DaunPenh"/>
-        <a:font script="Knda" typeface="Tunga"/>
-        <a:font script="Guru" typeface="Raavi"/>
-        <a:font script="Cans" typeface="Euphemia"/>
-        <a:font script="Cher" typeface="Plantagenet Cherokee"/>
-        <a:font script="Yiii" typeface="Microsoft Yi Baiti"/>
-        <a:font script="Tibt" typeface="Microsoft Himalaya"/>
-        <a:font script="Thaa" typeface="MV Boli"/>
-        <a:font script="Deva" typeface="Mangal"/>
-        <a:font script="Telu" typeface="Gautami"/>
-        <a:font script="Taml" typeface="Latha"/>
-        <a:font script="Syrc" typeface="Estrangelo Edessa"/>
-        <a:font script="Orya" typeface="Kalinga"/>
-        <a:font script="Mlym" typeface="Kartika"/>
-        <a:font script="Laoo" typeface="DokChampa"/>
-        <a:font script="Sinh" typeface="Iskoola Pota"/>
-        <a:font script="Mong" typeface="Mongolian Baiti"/>
-        <a:font script="Viet" typeface="Arial"/>
-        <a:font script="Uigh" typeface="Microsoft Uighur"/>
       </a:minorFont>
     </a:fontScheme>
-    <a:fmtScheme name="Стандартная">
+    <a:fmtScheme name="Трек">
       <a:fillStyleLst>
         <a:solidFill>
           <a:schemeClr val="phClr"/>
@@ -3135,56 +4697,77 @@
           <a:gsLst>
             <a:gs pos="0">
               <a:schemeClr val="phClr">
-                <a:tint val="50000"/>
-                <a:satMod val="300000"/>
+                <a:tint val="30000"/>
+                <a:satMod val="250000"/>
               </a:schemeClr>
             </a:gs>
-            <a:gs pos="35000">
+            <a:gs pos="72000">
               <a:schemeClr val="phClr">
-                <a:tint val="37000"/>
-                <a:satMod val="300000"/>
+                <a:tint val="75000"/>
+                <a:satMod val="210000"/>
               </a:schemeClr>
             </a:gs>
             <a:gs pos="100000">
               <a:schemeClr val="phClr">
-                <a:tint val="15000"/>
-                <a:satMod val="350000"/>
+                <a:tint val="85000"/>
+                <a:satMod val="210000"/>
               </a:schemeClr>
             </a:gs>
           </a:gsLst>
-          <a:lin ang="16200000" scaled="1"/>
+          <a:lin ang="5400000" scaled="1"/>
         </a:gradFill>
         <a:gradFill rotWithShape="1">
           <a:gsLst>
             <a:gs pos="0">
               <a:schemeClr val="phClr">
-                <a:shade val="51000"/>
-                <a:satMod val="130000"/>
+                <a:tint val="75000"/>
+                <a:shade val="85000"/>
+                <a:satMod val="230000"/>
+              </a:schemeClr>
+            </a:gs>
+            <a:gs pos="25000">
+              <a:schemeClr val="phClr">
+                <a:tint val="90000"/>
+                <a:shade val="70000"/>
+                <a:satMod val="220000"/>
+              </a:schemeClr>
+            </a:gs>
+            <a:gs pos="50000">
+              <a:schemeClr val="phClr">
+                <a:tint val="90000"/>
+                <a:shade val="58000"/>
+                <a:satMod val="225000"/>
+              </a:schemeClr>
+            </a:gs>
+            <a:gs pos="65000">
+              <a:schemeClr val="phClr">
+                <a:tint val="90000"/>
+                <a:shade val="58000"/>
+                <a:satMod val="225000"/>
               </a:schemeClr>
             </a:gs>
             <a:gs pos="80000">
               <a:schemeClr val="phClr">
-                <a:shade val="93000"/>
-                <a:satMod val="130000"/>
+                <a:tint val="90000"/>
+                <a:shade val="69000"/>
+                <a:satMod val="220000"/>
               </a:schemeClr>
             </a:gs>
             <a:gs pos="100000">
               <a:schemeClr val="phClr">
-                <a:shade val="94000"/>
-                <a:satMod val="135000"/>
+                <a:tint val="77000"/>
+                <a:shade val="80000"/>
+                <a:satMod val="230000"/>
               </a:schemeClr>
             </a:gs>
           </a:gsLst>
-          <a:lin ang="16200000" scaled="0"/>
+          <a:lin ang="5400000" scaled="1"/>
         </a:gradFill>
       </a:fillStyleLst>
       <a:lnStyleLst>
-        <a:ln w="9525" cap="flat" cmpd="sng" algn="ctr">
+        <a:ln w="10000" cap="flat" cmpd="sng" algn="ctr">
           <a:solidFill>
-            <a:schemeClr val="phClr">
-              <a:shade val="95000"/>
-              <a:satMod val="105000"/>
-            </a:schemeClr>
+            <a:schemeClr val="phClr"/>
           </a:solidFill>
           <a:prstDash val="solid"/>
         </a:ln>
@@ -3204,27 +4787,18 @@
       <a:effectStyleLst>
         <a:effectStyle>
           <a:effectLst>
-            <a:outerShdw blurRad="40000" dist="20000" dir="5400000" rotWithShape="0">
-              <a:srgbClr val="000000">
-                <a:alpha val="38000"/>
+            <a:outerShdw blurRad="76200" dist="50800" dir="5400000" rotWithShape="0">
+              <a:srgbClr val="4E3B30">
+                <a:alpha val="60000"/>
               </a:srgbClr>
             </a:outerShdw>
           </a:effectLst>
         </a:effectStyle>
         <a:effectStyle>
           <a:effectLst>
-            <a:outerShdw blurRad="40000" dist="23000" dir="5400000" rotWithShape="0">
-              <a:srgbClr val="000000">
-                <a:alpha val="35000"/>
-              </a:srgbClr>
-            </a:outerShdw>
-          </a:effectLst>
-        </a:effectStyle>
-        <a:effectStyle>
-          <a:effectLst>
-            <a:outerShdw blurRad="40000" dist="23000" dir="5400000" rotWithShape="0">
-              <a:srgbClr val="000000">
-                <a:alpha val="35000"/>
+            <a:outerShdw blurRad="76200" dist="50800" dir="5400000" rotWithShape="0">
+              <a:srgbClr val="4E3B30">
+                <a:alpha val="60000"/>
               </a:srgbClr>
             </a:outerShdw>
           </a:effectLst>
@@ -3232,12 +4806,38 @@
             <a:camera prst="orthographicFront">
               <a:rot lat="0" lon="0" rev="0"/>
             </a:camera>
-            <a:lightRig rig="threePt" dir="t">
-              <a:rot lat="0" lon="0" rev="1200000"/>
+            <a:lightRig rig="threePt" dir="tl">
+              <a:rot lat="0" lon="0" rev="0"/>
             </a:lightRig>
           </a:scene3d>
-          <a:sp3d>
-            <a:bevelT w="63500" h="25400"/>
+          <a:sp3d prstMaterial="metal">
+            <a:bevelT w="10000" h="10000"/>
+          </a:sp3d>
+        </a:effectStyle>
+        <a:effectStyle>
+          <a:effectLst>
+            <a:outerShdw blurRad="76200" dist="50800" dir="5400000" rotWithShape="0">
+              <a:srgbClr val="4E3B30">
+                <a:alpha val="60000"/>
+              </a:srgbClr>
+            </a:outerShdw>
+          </a:effectLst>
+          <a:scene3d>
+            <a:camera prst="obliqueTopLeft" fov="600000">
+              <a:rot lat="0" lon="0" rev="0"/>
+            </a:camera>
+            <a:lightRig rig="balanced" dir="t">
+              <a:rot lat="0" lon="0" rev="19200000"/>
+            </a:lightRig>
+          </a:scene3d>
+          <a:sp3d contourW="12700" prstMaterial="matte">
+            <a:bevelT w="60000" h="50800"/>
+            <a:contourClr>
+              <a:schemeClr val="phClr">
+                <a:shade val="60000"/>
+                <a:satMod val="110000"/>
+              </a:schemeClr>
+            </a:contourClr>
           </a:sp3d>
         </a:effectStyle>
       </a:effectStyleLst>
@@ -3245,51 +4845,38 @@
         <a:solidFill>
           <a:schemeClr val="phClr"/>
         </a:solidFill>
-        <a:gradFill rotWithShape="1">
-          <a:gsLst>
-            <a:gs pos="0">
+        <a:blipFill>
+          <a:blip xmlns:r="http://schemas.openxmlformats.org/officeDocument/2006/relationships" r:embed="rId1">
+            <a:duotone>
               <a:schemeClr val="phClr">
-                <a:tint val="40000"/>
-                <a:satMod val="350000"/>
+                <a:shade val="90000"/>
+                <a:satMod val="150000"/>
               </a:schemeClr>
-            </a:gs>
-            <a:gs pos="40000">
               <a:schemeClr val="phClr">
-                <a:tint val="45000"/>
-                <a:shade val="99000"/>
-                <a:satMod val="350000"/>
+                <a:tint val="88000"/>
+                <a:satMod val="105000"/>
               </a:schemeClr>
-            </a:gs>
-            <a:gs pos="100000">
-              <a:schemeClr val="phClr">
-                <a:shade val="20000"/>
-                <a:satMod val="255000"/>
-              </a:schemeClr>
-            </a:gs>
-          </a:gsLst>
-          <a:path path="circle">
-            <a:fillToRect l="50000" t="-80000" r="50000" b="180000"/>
-          </a:path>
-        </a:gradFill>
-        <a:gradFill rotWithShape="1">
-          <a:gsLst>
-            <a:gs pos="0">
-              <a:schemeClr val="phClr">
-                <a:tint val="80000"/>
-                <a:satMod val="300000"/>
-              </a:schemeClr>
-            </a:gs>
-            <a:gs pos="100000">
+            </a:duotone>
+          </a:blip>
+          <a:tile tx="0" ty="0" sx="95000" sy="95000" flip="none" algn="t"/>
+        </a:blipFill>
+        <a:blipFill>
+          <a:blip xmlns:r="http://schemas.openxmlformats.org/officeDocument/2006/relationships" r:embed="rId2">
+            <a:duotone>
               <a:schemeClr val="phClr">
                 <a:shade val="30000"/>
-                <a:satMod val="200000"/>
+                <a:satMod val="455000"/>
               </a:schemeClr>
-            </a:gs>
-          </a:gsLst>
-          <a:path path="circle">
-            <a:fillToRect l="50000" t="50000" r="50000" b="50000"/>
-          </a:path>
-        </a:gradFill>
+              <a:schemeClr val="phClr">
+                <a:tint val="95000"/>
+                <a:satMod val="120000"/>
+              </a:schemeClr>
+            </a:duotone>
+          </a:blip>
+          <a:stretch>
+            <a:fillRect/>
+          </a:stretch>
+        </a:blipFill>
       </a:bgFillStyleLst>
     </a:fmtScheme>
   </a:themeElements>

--- a/Abilympics4.pptx
+++ b/Abilympics4.pptx
@@ -299,7 +299,7 @@
             <a:fld id="{5B106E36-FD25-4E2D-B0AA-010F637433A0}" type="datetimeFigureOut">
               <a:rPr lang="ru-RU" smtClean="0"/>
               <a:pPr/>
-              <a:t>12.10.2019</a:t>
+              <a:t>13.10.2019</a:t>
             </a:fld>
             <a:endParaRPr lang="ru-RU"/>
           </a:p>
@@ -474,7 +474,7 @@
             <a:fld id="{5B106E36-FD25-4E2D-B0AA-010F637433A0}" type="datetimeFigureOut">
               <a:rPr lang="ru-RU" smtClean="0"/>
               <a:pPr/>
-              <a:t>12.10.2019</a:t>
+              <a:t>13.10.2019</a:t>
             </a:fld>
             <a:endParaRPr lang="ru-RU"/>
           </a:p>
@@ -654,7 +654,7 @@
             <a:fld id="{5B106E36-FD25-4E2D-B0AA-010F637433A0}" type="datetimeFigureOut">
               <a:rPr lang="ru-RU" smtClean="0"/>
               <a:pPr/>
-              <a:t>12.10.2019</a:t>
+              <a:t>13.10.2019</a:t>
             </a:fld>
             <a:endParaRPr lang="ru-RU"/>
           </a:p>
@@ -824,7 +824,7 @@
             <a:fld id="{5B106E36-FD25-4E2D-B0AA-010F637433A0}" type="datetimeFigureOut">
               <a:rPr lang="ru-RU" smtClean="0"/>
               <a:pPr/>
-              <a:t>12.10.2019</a:t>
+              <a:t>13.10.2019</a:t>
             </a:fld>
             <a:endParaRPr lang="ru-RU"/>
           </a:p>
@@ -1063,7 +1063,7 @@
             <a:fld id="{5B106E36-FD25-4E2D-B0AA-010F637433A0}" type="datetimeFigureOut">
               <a:rPr lang="ru-RU" smtClean="0"/>
               <a:pPr/>
-              <a:t>12.10.2019</a:t>
+              <a:t>13.10.2019</a:t>
             </a:fld>
             <a:endParaRPr lang="ru-RU"/>
           </a:p>
@@ -1364,7 +1364,7 @@
             <a:fld id="{5B106E36-FD25-4E2D-B0AA-010F637433A0}" type="datetimeFigureOut">
               <a:rPr lang="ru-RU" smtClean="0"/>
               <a:pPr/>
-              <a:t>12.10.2019</a:t>
+              <a:t>13.10.2019</a:t>
             </a:fld>
             <a:endParaRPr lang="ru-RU"/>
           </a:p>
@@ -1753,7 +1753,7 @@
             <a:fld id="{5B106E36-FD25-4E2D-B0AA-010F637433A0}" type="datetimeFigureOut">
               <a:rPr lang="ru-RU" smtClean="0"/>
               <a:pPr/>
-              <a:t>12.10.2019</a:t>
+              <a:t>13.10.2019</a:t>
             </a:fld>
             <a:endParaRPr lang="ru-RU"/>
           </a:p>
@@ -1931,7 +1931,7 @@
             <a:fld id="{5B106E36-FD25-4E2D-B0AA-010F637433A0}" type="datetimeFigureOut">
               <a:rPr lang="ru-RU" smtClean="0"/>
               <a:pPr/>
-              <a:t>12.10.2019</a:t>
+              <a:t>13.10.2019</a:t>
             </a:fld>
             <a:endParaRPr lang="ru-RU"/>
           </a:p>
@@ -2026,7 +2026,7 @@
             <a:fld id="{5B106E36-FD25-4E2D-B0AA-010F637433A0}" type="datetimeFigureOut">
               <a:rPr lang="ru-RU" smtClean="0"/>
               <a:pPr/>
-              <a:t>12.10.2019</a:t>
+              <a:t>13.10.2019</a:t>
             </a:fld>
             <a:endParaRPr lang="ru-RU"/>
           </a:p>
@@ -2326,7 +2326,7 @@
             <a:fld id="{5B106E36-FD25-4E2D-B0AA-010F637433A0}" type="datetimeFigureOut">
               <a:rPr lang="ru-RU" smtClean="0"/>
               <a:pPr/>
-              <a:t>12.10.2019</a:t>
+              <a:t>13.10.2019</a:t>
             </a:fld>
             <a:endParaRPr lang="ru-RU"/>
           </a:p>
@@ -2465,7 +2465,7 @@
             <a:fld id="{5B106E36-FD25-4E2D-B0AA-010F637433A0}" type="datetimeFigureOut">
               <a:rPr lang="ru-RU" smtClean="0"/>
               <a:pPr/>
-              <a:t>12.10.2019</a:t>
+              <a:t>13.10.2019</a:t>
             </a:fld>
             <a:endParaRPr lang="ru-RU"/>
           </a:p>
@@ -2773,7 +2773,7 @@
             <a:fld id="{5B106E36-FD25-4E2D-B0AA-010F637433A0}" type="datetimeFigureOut">
               <a:rPr lang="ru-RU" smtClean="0"/>
               <a:pPr/>
-              <a:t>12.10.2019</a:t>
+              <a:t>13.10.2019</a:t>
             </a:fld>
             <a:endParaRPr lang="ru-RU"/>
           </a:p>
@@ -3420,10 +3420,20 @@
         </p:nvSpPr>
         <p:spPr/>
         <p:txBody>
-          <a:bodyPr/>
-          <a:lstStyle/>
-          <a:p>
-            <a:endParaRPr lang="ru-RU"/>
+          <a:bodyPr>
+            <a:normAutofit fontScale="90000"/>
+          </a:bodyPr>
+          <a:lstStyle/>
+          <a:p>
+            <a:r>
+              <a:rPr lang="ru-RU" dirty="0" smtClean="0">
+                <a:latin typeface="+mn-lt"/>
+              </a:rPr>
+              <a:t>Демонстрация работы приложения</a:t>
+            </a:r>
+            <a:endParaRPr lang="ru-RU" dirty="0">
+              <a:latin typeface="+mn-lt"/>
+            </a:endParaRPr>
           </a:p>
         </p:txBody>
       </p:sp>
@@ -3442,10 +3452,83 @@
           <a:bodyPr/>
           <a:lstStyle/>
           <a:p>
-            <a:endParaRPr lang="ru-RU"/>
-          </a:p>
-        </p:txBody>
-      </p:sp>
+            <a:pPr marL="0" indent="266700">
+              <a:buNone/>
+            </a:pPr>
+            <a:r>
+              <a:rPr lang="ru-RU" dirty="0" smtClean="0"/>
+              <a:t>Форма меню сотрудника и код формы:</a:t>
+            </a:r>
+            <a:endParaRPr lang="ru-RU" dirty="0"/>
+          </a:p>
+        </p:txBody>
+      </p:sp>
+      <p:pic>
+        <p:nvPicPr>
+          <p:cNvPr id="6146" name="Picture 2"/>
+          <p:cNvPicPr>
+            <a:picLocks noChangeAspect="1" noChangeArrowheads="1"/>
+          </p:cNvPicPr>
+          <p:nvPr/>
+        </p:nvPicPr>
+        <p:blipFill>
+          <a:blip r:embed="rId2" cstate="print"/>
+          <a:srcRect/>
+          <a:stretch>
+            <a:fillRect/>
+          </a:stretch>
+        </p:blipFill>
+        <p:spPr bwMode="auto">
+          <a:xfrm>
+            <a:off x="214282" y="2357431"/>
+            <a:ext cx="3643338" cy="2240965"/>
+          </a:xfrm>
+          <a:prstGeom prst="rect">
+            <a:avLst/>
+          </a:prstGeom>
+          <a:noFill/>
+          <a:ln w="9525">
+            <a:noFill/>
+            <a:miter lim="800000"/>
+            <a:headEnd/>
+            <a:tailEnd/>
+          </a:ln>
+          <a:effectLst/>
+        </p:spPr>
+      </p:pic>
+      <p:pic>
+        <p:nvPicPr>
+          <p:cNvPr id="6147" name="Picture 3"/>
+          <p:cNvPicPr>
+            <a:picLocks noChangeAspect="1" noChangeArrowheads="1"/>
+          </p:cNvPicPr>
+          <p:nvPr/>
+        </p:nvPicPr>
+        <p:blipFill>
+          <a:blip r:embed="rId3"/>
+          <a:srcRect/>
+          <a:stretch>
+            <a:fillRect/>
+          </a:stretch>
+        </p:blipFill>
+        <p:spPr bwMode="auto">
+          <a:xfrm>
+            <a:off x="4429124" y="2357430"/>
+            <a:ext cx="3473073" cy="3571900"/>
+          </a:xfrm>
+          <a:prstGeom prst="rect">
+            <a:avLst/>
+          </a:prstGeom>
+          <a:noFill/>
+          <a:ln w="9525">
+            <a:noFill/>
+            <a:miter lim="800000"/>
+            <a:headEnd/>
+            <a:tailEnd/>
+          </a:ln>
+          <a:effectLst/>
+        </p:spPr>
+      </p:pic>
     </p:spTree>
   </p:cSld>
   <p:clrMapOvr>
@@ -3486,10 +3569,20 @@
         </p:nvSpPr>
         <p:spPr/>
         <p:txBody>
-          <a:bodyPr/>
-          <a:lstStyle/>
-          <a:p>
-            <a:endParaRPr lang="ru-RU"/>
+          <a:bodyPr>
+            <a:normAutofit fontScale="90000"/>
+          </a:bodyPr>
+          <a:lstStyle/>
+          <a:p>
+            <a:r>
+              <a:rPr lang="ru-RU" dirty="0" smtClean="0">
+                <a:latin typeface="+mn-lt"/>
+              </a:rPr>
+              <a:t>Демонстрация работы приложения</a:t>
+            </a:r>
+            <a:endParaRPr lang="ru-RU" dirty="0">
+              <a:latin typeface="+mn-lt"/>
+            </a:endParaRPr>
           </a:p>
         </p:txBody>
       </p:sp>
@@ -3508,10 +3601,83 @@
           <a:bodyPr/>
           <a:lstStyle/>
           <a:p>
-            <a:endParaRPr lang="ru-RU"/>
-          </a:p>
-        </p:txBody>
-      </p:sp>
+            <a:pPr marL="0" indent="266700">
+              <a:buNone/>
+            </a:pPr>
+            <a:r>
+              <a:rPr lang="ru-RU" dirty="0" smtClean="0"/>
+              <a:t>Форма меню специалиста:</a:t>
+            </a:r>
+            <a:endParaRPr lang="ru-RU" dirty="0"/>
+          </a:p>
+        </p:txBody>
+      </p:sp>
+      <p:pic>
+        <p:nvPicPr>
+          <p:cNvPr id="7170" name="Picture 2"/>
+          <p:cNvPicPr>
+            <a:picLocks noChangeAspect="1" noChangeArrowheads="1"/>
+          </p:cNvPicPr>
+          <p:nvPr/>
+        </p:nvPicPr>
+        <p:blipFill>
+          <a:blip r:embed="rId2" cstate="print"/>
+          <a:srcRect/>
+          <a:stretch>
+            <a:fillRect/>
+          </a:stretch>
+        </p:blipFill>
+        <p:spPr bwMode="auto">
+          <a:xfrm>
+            <a:off x="357158" y="2357430"/>
+            <a:ext cx="3500462" cy="2166303"/>
+          </a:xfrm>
+          <a:prstGeom prst="rect">
+            <a:avLst/>
+          </a:prstGeom>
+          <a:noFill/>
+          <a:ln w="9525">
+            <a:noFill/>
+            <a:miter lim="800000"/>
+            <a:headEnd/>
+            <a:tailEnd/>
+          </a:ln>
+          <a:effectLst/>
+        </p:spPr>
+      </p:pic>
+      <p:pic>
+        <p:nvPicPr>
+          <p:cNvPr id="7171" name="Picture 3"/>
+          <p:cNvPicPr>
+            <a:picLocks noChangeAspect="1" noChangeArrowheads="1"/>
+          </p:cNvPicPr>
+          <p:nvPr/>
+        </p:nvPicPr>
+        <p:blipFill>
+          <a:blip r:embed="rId3" cstate="print"/>
+          <a:srcRect/>
+          <a:stretch>
+            <a:fillRect/>
+          </a:stretch>
+        </p:blipFill>
+        <p:spPr bwMode="auto">
+          <a:xfrm>
+            <a:off x="4286248" y="2357430"/>
+            <a:ext cx="3550878" cy="2170903"/>
+          </a:xfrm>
+          <a:prstGeom prst="rect">
+            <a:avLst/>
+          </a:prstGeom>
+          <a:noFill/>
+          <a:ln w="9525">
+            <a:noFill/>
+            <a:miter lim="800000"/>
+            <a:headEnd/>
+            <a:tailEnd/>
+          </a:ln>
+          <a:effectLst/>
+        </p:spPr>
+      </p:pic>
     </p:spTree>
   </p:cSld>
   <p:clrMapOvr>
@@ -3552,10 +3718,20 @@
         </p:nvSpPr>
         <p:spPr/>
         <p:txBody>
-          <a:bodyPr/>
-          <a:lstStyle/>
-          <a:p>
-            <a:endParaRPr lang="ru-RU"/>
+          <a:bodyPr>
+            <a:normAutofit fontScale="90000"/>
+          </a:bodyPr>
+          <a:lstStyle/>
+          <a:p>
+            <a:r>
+              <a:rPr lang="ru-RU" dirty="0" smtClean="0">
+                <a:latin typeface="+mn-lt"/>
+              </a:rPr>
+              <a:t>Демонстрация работы приложения</a:t>
+            </a:r>
+            <a:endParaRPr lang="ru-RU" dirty="0">
+              <a:latin typeface="+mn-lt"/>
+            </a:endParaRPr>
           </a:p>
         </p:txBody>
       </p:sp>
@@ -3574,10 +3750,83 @@
           <a:bodyPr/>
           <a:lstStyle/>
           <a:p>
-            <a:endParaRPr lang="ru-RU"/>
-          </a:p>
-        </p:txBody>
-      </p:sp>
+            <a:pPr marL="0" indent="266700">
+              <a:buNone/>
+            </a:pPr>
+            <a:r>
+              <a:rPr lang="ru-RU" dirty="0" smtClean="0"/>
+              <a:t>Форма меню специалиста:</a:t>
+            </a:r>
+            <a:endParaRPr lang="ru-RU" dirty="0"/>
+          </a:p>
+        </p:txBody>
+      </p:sp>
+      <p:pic>
+        <p:nvPicPr>
+          <p:cNvPr id="8194" name="Picture 2"/>
+          <p:cNvPicPr>
+            <a:picLocks noChangeAspect="1" noChangeArrowheads="1"/>
+          </p:cNvPicPr>
+          <p:nvPr/>
+        </p:nvPicPr>
+        <p:blipFill>
+          <a:blip r:embed="rId2" cstate="print"/>
+          <a:srcRect/>
+          <a:stretch>
+            <a:fillRect/>
+          </a:stretch>
+        </p:blipFill>
+        <p:spPr bwMode="auto">
+          <a:xfrm>
+            <a:off x="357158" y="2357430"/>
+            <a:ext cx="3456590" cy="2143140"/>
+          </a:xfrm>
+          <a:prstGeom prst="rect">
+            <a:avLst/>
+          </a:prstGeom>
+          <a:noFill/>
+          <a:ln w="9525">
+            <a:noFill/>
+            <a:miter lim="800000"/>
+            <a:headEnd/>
+            <a:tailEnd/>
+          </a:ln>
+          <a:effectLst/>
+        </p:spPr>
+      </p:pic>
+      <p:pic>
+        <p:nvPicPr>
+          <p:cNvPr id="8195" name="Picture 3"/>
+          <p:cNvPicPr>
+            <a:picLocks noChangeAspect="1" noChangeArrowheads="1"/>
+          </p:cNvPicPr>
+          <p:nvPr/>
+        </p:nvPicPr>
+        <p:blipFill>
+          <a:blip r:embed="rId3" cstate="print"/>
+          <a:srcRect/>
+          <a:stretch>
+            <a:fillRect/>
+          </a:stretch>
+        </p:blipFill>
+        <p:spPr bwMode="auto">
+          <a:xfrm>
+            <a:off x="4132547" y="2357430"/>
+            <a:ext cx="3464069" cy="2143140"/>
+          </a:xfrm>
+          <a:prstGeom prst="rect">
+            <a:avLst/>
+          </a:prstGeom>
+          <a:noFill/>
+          <a:ln w="9525">
+            <a:noFill/>
+            <a:miter lim="800000"/>
+            <a:headEnd/>
+            <a:tailEnd/>
+          </a:ln>
+          <a:effectLst/>
+        </p:spPr>
+      </p:pic>
     </p:spTree>
   </p:cSld>
   <p:clrMapOvr>
@@ -3618,10 +3867,20 @@
         </p:nvSpPr>
         <p:spPr/>
         <p:txBody>
-          <a:bodyPr/>
-          <a:lstStyle/>
-          <a:p>
-            <a:endParaRPr lang="ru-RU"/>
+          <a:bodyPr>
+            <a:normAutofit fontScale="90000"/>
+          </a:bodyPr>
+          <a:lstStyle/>
+          <a:p>
+            <a:r>
+              <a:rPr lang="ru-RU" dirty="0" smtClean="0">
+                <a:latin typeface="+mn-lt"/>
+              </a:rPr>
+              <a:t>Демонстрация работы приложения</a:t>
+            </a:r>
+            <a:endParaRPr lang="ru-RU" dirty="0">
+              <a:latin typeface="+mn-lt"/>
+            </a:endParaRPr>
           </a:p>
         </p:txBody>
       </p:sp>
@@ -3640,10 +3899,50 @@
           <a:bodyPr/>
           <a:lstStyle/>
           <a:p>
-            <a:endParaRPr lang="ru-RU"/>
-          </a:p>
-        </p:txBody>
-      </p:sp>
+            <a:pPr marL="0" indent="266700">
+              <a:buNone/>
+            </a:pPr>
+            <a:r>
+              <a:rPr lang="ru-RU" dirty="0" smtClean="0"/>
+              <a:t>Код формы меню специалиста:</a:t>
+            </a:r>
+            <a:endParaRPr lang="ru-RU" dirty="0"/>
+          </a:p>
+        </p:txBody>
+      </p:sp>
+      <p:pic>
+        <p:nvPicPr>
+          <p:cNvPr id="9218" name="Picture 2"/>
+          <p:cNvPicPr>
+            <a:picLocks noChangeAspect="1" noChangeArrowheads="1"/>
+          </p:cNvPicPr>
+          <p:nvPr/>
+        </p:nvPicPr>
+        <p:blipFill>
+          <a:blip r:embed="rId2"/>
+          <a:srcRect/>
+          <a:stretch>
+            <a:fillRect/>
+          </a:stretch>
+        </p:blipFill>
+        <p:spPr bwMode="auto">
+          <a:xfrm>
+            <a:off x="785786" y="2285992"/>
+            <a:ext cx="2928958" cy="3298672"/>
+          </a:xfrm>
+          <a:prstGeom prst="rect">
+            <a:avLst/>
+          </a:prstGeom>
+          <a:noFill/>
+          <a:ln w="9525">
+            <a:noFill/>
+            <a:miter lim="800000"/>
+            <a:headEnd/>
+            <a:tailEnd/>
+          </a:ln>
+          <a:effectLst/>
+        </p:spPr>
+      </p:pic>
     </p:spTree>
   </p:cSld>
   <p:clrMapOvr>
@@ -3684,10 +3983,20 @@
         </p:nvSpPr>
         <p:spPr/>
         <p:txBody>
-          <a:bodyPr/>
-          <a:lstStyle/>
-          <a:p>
-            <a:endParaRPr lang="ru-RU"/>
+          <a:bodyPr>
+            <a:normAutofit fontScale="90000"/>
+          </a:bodyPr>
+          <a:lstStyle/>
+          <a:p>
+            <a:r>
+              <a:rPr lang="ru-RU" dirty="0" smtClean="0">
+                <a:latin typeface="+mn-lt"/>
+              </a:rPr>
+              <a:t>Демонстрация работы приложения</a:t>
+            </a:r>
+            <a:endParaRPr lang="ru-RU" dirty="0">
+              <a:latin typeface="+mn-lt"/>
+            </a:endParaRPr>
           </a:p>
         </p:txBody>
       </p:sp>
@@ -3706,10 +4015,83 @@
           <a:bodyPr/>
           <a:lstStyle/>
           <a:p>
-            <a:endParaRPr lang="ru-RU"/>
-          </a:p>
-        </p:txBody>
-      </p:sp>
+            <a:pPr marL="0" indent="266700">
+              <a:buNone/>
+            </a:pPr>
+            <a:r>
+              <a:rPr lang="ru-RU" dirty="0" smtClean="0"/>
+              <a:t>Форма меню техника:</a:t>
+            </a:r>
+            <a:endParaRPr lang="ru-RU" dirty="0"/>
+          </a:p>
+        </p:txBody>
+      </p:sp>
+      <p:pic>
+        <p:nvPicPr>
+          <p:cNvPr id="10242" name="Picture 2"/>
+          <p:cNvPicPr>
+            <a:picLocks noChangeAspect="1" noChangeArrowheads="1"/>
+          </p:cNvPicPr>
+          <p:nvPr/>
+        </p:nvPicPr>
+        <p:blipFill>
+          <a:blip r:embed="rId2" cstate="print"/>
+          <a:srcRect/>
+          <a:stretch>
+            <a:fillRect/>
+          </a:stretch>
+        </p:blipFill>
+        <p:spPr bwMode="auto">
+          <a:xfrm>
+            <a:off x="357158" y="2571744"/>
+            <a:ext cx="3895696" cy="2336241"/>
+          </a:xfrm>
+          <a:prstGeom prst="rect">
+            <a:avLst/>
+          </a:prstGeom>
+          <a:noFill/>
+          <a:ln w="9525">
+            <a:noFill/>
+            <a:miter lim="800000"/>
+            <a:headEnd/>
+            <a:tailEnd/>
+          </a:ln>
+          <a:effectLst/>
+        </p:spPr>
+      </p:pic>
+      <p:pic>
+        <p:nvPicPr>
+          <p:cNvPr id="10243" name="Picture 3"/>
+          <p:cNvPicPr>
+            <a:picLocks noChangeAspect="1" noChangeArrowheads="1"/>
+          </p:cNvPicPr>
+          <p:nvPr/>
+        </p:nvPicPr>
+        <p:blipFill>
+          <a:blip r:embed="rId3" cstate="print"/>
+          <a:srcRect/>
+          <a:stretch>
+            <a:fillRect/>
+          </a:stretch>
+        </p:blipFill>
+        <p:spPr bwMode="auto">
+          <a:xfrm>
+            <a:off x="4500562" y="2571744"/>
+            <a:ext cx="3945347" cy="2358242"/>
+          </a:xfrm>
+          <a:prstGeom prst="rect">
+            <a:avLst/>
+          </a:prstGeom>
+          <a:noFill/>
+          <a:ln w="9525">
+            <a:noFill/>
+            <a:miter lim="800000"/>
+            <a:headEnd/>
+            <a:tailEnd/>
+          </a:ln>
+          <a:effectLst/>
+        </p:spPr>
+      </p:pic>
     </p:spTree>
   </p:cSld>
   <p:clrMapOvr>
@@ -3750,10 +4132,20 @@
         </p:nvSpPr>
         <p:spPr/>
         <p:txBody>
-          <a:bodyPr/>
-          <a:lstStyle/>
-          <a:p>
-            <a:endParaRPr lang="ru-RU"/>
+          <a:bodyPr>
+            <a:normAutofit fontScale="90000"/>
+          </a:bodyPr>
+          <a:lstStyle/>
+          <a:p>
+            <a:r>
+              <a:rPr lang="ru-RU" dirty="0" smtClean="0">
+                <a:latin typeface="+mn-lt"/>
+              </a:rPr>
+              <a:t>Демонстрация работы приложения</a:t>
+            </a:r>
+            <a:endParaRPr lang="ru-RU" dirty="0">
+              <a:latin typeface="+mn-lt"/>
+            </a:endParaRPr>
           </a:p>
         </p:txBody>
       </p:sp>
@@ -3772,10 +4164,50 @@
           <a:bodyPr/>
           <a:lstStyle/>
           <a:p>
-            <a:endParaRPr lang="ru-RU"/>
-          </a:p>
-        </p:txBody>
-      </p:sp>
+            <a:pPr marL="0" indent="266700">
+              <a:buNone/>
+            </a:pPr>
+            <a:r>
+              <a:rPr lang="ru-RU" dirty="0" smtClean="0"/>
+              <a:t>Код формы меню техника:</a:t>
+            </a:r>
+            <a:endParaRPr lang="ru-RU" dirty="0"/>
+          </a:p>
+        </p:txBody>
+      </p:sp>
+      <p:pic>
+        <p:nvPicPr>
+          <p:cNvPr id="11266" name="Picture 2"/>
+          <p:cNvPicPr>
+            <a:picLocks noChangeAspect="1" noChangeArrowheads="1"/>
+          </p:cNvPicPr>
+          <p:nvPr/>
+        </p:nvPicPr>
+        <p:blipFill>
+          <a:blip r:embed="rId2"/>
+          <a:srcRect/>
+          <a:stretch>
+            <a:fillRect/>
+          </a:stretch>
+        </p:blipFill>
+        <p:spPr bwMode="auto">
+          <a:xfrm>
+            <a:off x="857224" y="2500306"/>
+            <a:ext cx="3708096" cy="2571744"/>
+          </a:xfrm>
+          <a:prstGeom prst="rect">
+            <a:avLst/>
+          </a:prstGeom>
+          <a:noFill/>
+          <a:ln w="9525">
+            <a:noFill/>
+            <a:miter lim="800000"/>
+            <a:headEnd/>
+            <a:tailEnd/>
+          </a:ln>
+          <a:effectLst/>
+        </p:spPr>
+      </p:pic>
     </p:spTree>
   </p:cSld>
   <p:clrMapOvr>
@@ -3816,10 +4248,20 @@
         </p:nvSpPr>
         <p:spPr/>
         <p:txBody>
-          <a:bodyPr/>
-          <a:lstStyle/>
-          <a:p>
-            <a:endParaRPr lang="ru-RU"/>
+          <a:bodyPr>
+            <a:normAutofit fontScale="90000"/>
+          </a:bodyPr>
+          <a:lstStyle/>
+          <a:p>
+            <a:r>
+              <a:rPr lang="ru-RU" dirty="0" smtClean="0">
+                <a:latin typeface="+mn-lt"/>
+              </a:rPr>
+              <a:t>Демонстрация работы приложения</a:t>
+            </a:r>
+            <a:endParaRPr lang="ru-RU" dirty="0">
+              <a:latin typeface="+mn-lt"/>
+            </a:endParaRPr>
           </a:p>
         </p:txBody>
       </p:sp>
@@ -3838,10 +4280,83 @@
           <a:bodyPr/>
           <a:lstStyle/>
           <a:p>
-            <a:endParaRPr lang="ru-RU"/>
-          </a:p>
-        </p:txBody>
-      </p:sp>
+            <a:pPr marL="0" indent="266700">
+              <a:buNone/>
+            </a:pPr>
+            <a:r>
+              <a:rPr lang="ru-RU" dirty="0" smtClean="0"/>
+              <a:t>Форма изменения пароля для сотрудников и код формы:</a:t>
+            </a:r>
+            <a:endParaRPr lang="ru-RU" dirty="0"/>
+          </a:p>
+        </p:txBody>
+      </p:sp>
+      <p:pic>
+        <p:nvPicPr>
+          <p:cNvPr id="12290" name="Picture 2"/>
+          <p:cNvPicPr>
+            <a:picLocks noChangeAspect="1" noChangeArrowheads="1"/>
+          </p:cNvPicPr>
+          <p:nvPr/>
+        </p:nvPicPr>
+        <p:blipFill>
+          <a:blip r:embed="rId2" cstate="print"/>
+          <a:srcRect/>
+          <a:stretch>
+            <a:fillRect/>
+          </a:stretch>
+        </p:blipFill>
+        <p:spPr bwMode="auto">
+          <a:xfrm>
+            <a:off x="357158" y="3000372"/>
+            <a:ext cx="3633884" cy="2071678"/>
+          </a:xfrm>
+          <a:prstGeom prst="rect">
+            <a:avLst/>
+          </a:prstGeom>
+          <a:noFill/>
+          <a:ln w="9525">
+            <a:noFill/>
+            <a:miter lim="800000"/>
+            <a:headEnd/>
+            <a:tailEnd/>
+          </a:ln>
+          <a:effectLst/>
+        </p:spPr>
+      </p:pic>
+      <p:pic>
+        <p:nvPicPr>
+          <p:cNvPr id="12291" name="Picture 3"/>
+          <p:cNvPicPr>
+            <a:picLocks noChangeAspect="1" noChangeArrowheads="1"/>
+          </p:cNvPicPr>
+          <p:nvPr/>
+        </p:nvPicPr>
+        <p:blipFill>
+          <a:blip r:embed="rId3"/>
+          <a:srcRect/>
+          <a:stretch>
+            <a:fillRect/>
+          </a:stretch>
+        </p:blipFill>
+        <p:spPr bwMode="auto">
+          <a:xfrm>
+            <a:off x="4572000" y="3000372"/>
+            <a:ext cx="2894486" cy="3109915"/>
+          </a:xfrm>
+          <a:prstGeom prst="rect">
+            <a:avLst/>
+          </a:prstGeom>
+          <a:noFill/>
+          <a:ln w="9525">
+            <a:noFill/>
+            <a:miter lim="800000"/>
+            <a:headEnd/>
+            <a:tailEnd/>
+          </a:ln>
+          <a:effectLst/>
+        </p:spPr>
+      </p:pic>
     </p:spTree>
   </p:cSld>
   <p:clrMapOvr>
@@ -3882,10 +4397,20 @@
         </p:nvSpPr>
         <p:spPr/>
         <p:txBody>
-          <a:bodyPr/>
-          <a:lstStyle/>
-          <a:p>
-            <a:endParaRPr lang="ru-RU"/>
+          <a:bodyPr>
+            <a:normAutofit/>
+          </a:bodyPr>
+          <a:lstStyle/>
+          <a:p>
+            <a:r>
+              <a:rPr lang="ru-RU" sz="3200" dirty="0" smtClean="0">
+                <a:latin typeface="+mn-lt"/>
+              </a:rPr>
+              <a:t>Демонстрация работы приложения</a:t>
+            </a:r>
+            <a:endParaRPr lang="ru-RU" sz="3200" dirty="0">
+              <a:latin typeface="+mn-lt"/>
+            </a:endParaRPr>
           </a:p>
         </p:txBody>
       </p:sp>
@@ -3904,10 +4429,83 @@
           <a:bodyPr/>
           <a:lstStyle/>
           <a:p>
-            <a:endParaRPr lang="ru-RU"/>
-          </a:p>
-        </p:txBody>
-      </p:sp>
+            <a:pPr marL="0" indent="266700">
+              <a:buNone/>
+            </a:pPr>
+            <a:r>
+              <a:rPr lang="ru-RU" dirty="0" smtClean="0"/>
+              <a:t>Форма изменения пароля для специалистов и код формы:</a:t>
+            </a:r>
+            <a:endParaRPr lang="ru-RU" dirty="0"/>
+          </a:p>
+        </p:txBody>
+      </p:sp>
+      <p:pic>
+        <p:nvPicPr>
+          <p:cNvPr id="13314" name="Picture 2"/>
+          <p:cNvPicPr>
+            <a:picLocks noChangeAspect="1" noChangeArrowheads="1"/>
+          </p:cNvPicPr>
+          <p:nvPr/>
+        </p:nvPicPr>
+        <p:blipFill>
+          <a:blip r:embed="rId2" cstate="print"/>
+          <a:srcRect/>
+          <a:stretch>
+            <a:fillRect/>
+          </a:stretch>
+        </p:blipFill>
+        <p:spPr bwMode="auto">
+          <a:xfrm>
+            <a:off x="428596" y="2928934"/>
+            <a:ext cx="3643338" cy="2073657"/>
+          </a:xfrm>
+          <a:prstGeom prst="rect">
+            <a:avLst/>
+          </a:prstGeom>
+          <a:noFill/>
+          <a:ln w="9525">
+            <a:noFill/>
+            <a:miter lim="800000"/>
+            <a:headEnd/>
+            <a:tailEnd/>
+          </a:ln>
+          <a:effectLst/>
+        </p:spPr>
+      </p:pic>
+      <p:pic>
+        <p:nvPicPr>
+          <p:cNvPr id="13315" name="Picture 3"/>
+          <p:cNvPicPr>
+            <a:picLocks noChangeAspect="1" noChangeArrowheads="1"/>
+          </p:cNvPicPr>
+          <p:nvPr/>
+        </p:nvPicPr>
+        <p:blipFill>
+          <a:blip r:embed="rId3"/>
+          <a:srcRect/>
+          <a:stretch>
+            <a:fillRect/>
+          </a:stretch>
+        </p:blipFill>
+        <p:spPr bwMode="auto">
+          <a:xfrm>
+            <a:off x="4714876" y="2928934"/>
+            <a:ext cx="2744913" cy="2928958"/>
+          </a:xfrm>
+          <a:prstGeom prst="rect">
+            <a:avLst/>
+          </a:prstGeom>
+          <a:noFill/>
+          <a:ln w="9525">
+            <a:noFill/>
+            <a:miter lim="800000"/>
+            <a:headEnd/>
+            <a:tailEnd/>
+          </a:ln>
+          <a:effectLst/>
+        </p:spPr>
+      </p:pic>
     </p:spTree>
   </p:cSld>
   <p:clrMapOvr>
@@ -3948,16 +4546,18 @@
         </p:nvSpPr>
         <p:spPr/>
         <p:txBody>
-          <a:bodyPr/>
-          <a:lstStyle/>
-          <a:p>
-            <a:r>
-              <a:rPr lang="ru-RU" dirty="0" smtClean="0">
+          <a:bodyPr>
+            <a:normAutofit/>
+          </a:bodyPr>
+          <a:lstStyle/>
+          <a:p>
+            <a:r>
+              <a:rPr lang="ru-RU" sz="3200" dirty="0" smtClean="0">
                 <a:latin typeface="+mn-lt"/>
               </a:rPr>
               <a:t>Содержание</a:t>
             </a:r>
-            <a:endParaRPr lang="ru-RU" dirty="0">
+            <a:endParaRPr lang="ru-RU" sz="3200" dirty="0">
               <a:latin typeface="+mn-lt"/>
             </a:endParaRPr>
           </a:p>
@@ -4195,16 +4795,18 @@
         </p:nvSpPr>
         <p:spPr/>
         <p:txBody>
-          <a:bodyPr/>
-          <a:lstStyle/>
-          <a:p>
-            <a:r>
-              <a:rPr lang="ru-RU" dirty="0" smtClean="0">
+          <a:bodyPr>
+            <a:normAutofit/>
+          </a:bodyPr>
+          <a:lstStyle/>
+          <a:p>
+            <a:r>
+              <a:rPr lang="ru-RU" sz="3200" dirty="0" smtClean="0">
                 <a:latin typeface="+mn-lt"/>
               </a:rPr>
               <a:t>Описание приложения</a:t>
             </a:r>
-            <a:endParaRPr lang="ru-RU" dirty="0">
+            <a:endParaRPr lang="ru-RU" sz="3200" dirty="0">
               <a:latin typeface="+mn-lt"/>
             </a:endParaRPr>
           </a:p>
@@ -4222,7 +4824,9 @@
         </p:nvSpPr>
         <p:spPr/>
         <p:txBody>
-          <a:bodyPr/>
+          <a:bodyPr>
+            <a:normAutofit fontScale="92500" lnSpcReduction="10000"/>
+          </a:bodyPr>
           <a:lstStyle/>
           <a:p>
             <a:pPr marL="0" indent="261938">
@@ -4230,7 +4834,11 @@
             </a:pPr>
             <a:r>
               <a:rPr lang="ru-RU" dirty="0" smtClean="0"/>
-              <a:t>Приложение разработано для автоматизации работы технической поддержки предприятия. В приложении будет 3 типа ролей пользователей: сотрудник, специалист технической поддержки и техник.</a:t>
+              <a:t>Приложение разработано для автоматизации работы технической поддержки предприятия. В приложении будет 3 типа ролей пользователей: сотрудник, специалист технической поддержки и техник</a:t>
+            </a:r>
+            <a:r>
+              <a:rPr lang="ru-RU" dirty="0" smtClean="0"/>
+              <a:t>. Приложение разработано таким образом, что сотрудник организации может оставить заявку через форму на ремонт компьютера, установку ПО, замену оборудования и прочее, а специалист технической поддержки может обработать полученную заявку.</a:t>
             </a:r>
             <a:endParaRPr lang="ru-RU" dirty="0"/>
           </a:p>
@@ -4276,10 +4884,20 @@
         </p:nvSpPr>
         <p:spPr/>
         <p:txBody>
-          <a:bodyPr/>
-          <a:lstStyle/>
-          <a:p>
-            <a:endParaRPr lang="ru-RU"/>
+          <a:bodyPr>
+            <a:normAutofit/>
+          </a:bodyPr>
+          <a:lstStyle/>
+          <a:p>
+            <a:r>
+              <a:rPr lang="ru-RU" sz="3200" dirty="0" smtClean="0">
+                <a:latin typeface="+mn-lt"/>
+              </a:rPr>
+              <a:t>Демонстрация базы данных</a:t>
+            </a:r>
+            <a:endParaRPr lang="ru-RU" sz="3200" dirty="0">
+              <a:latin typeface="+mn-lt"/>
+            </a:endParaRPr>
           </a:p>
         </p:txBody>
       </p:sp>
@@ -4298,10 +4916,50 @@
           <a:bodyPr/>
           <a:lstStyle/>
           <a:p>
-            <a:endParaRPr lang="ru-RU"/>
-          </a:p>
-        </p:txBody>
-      </p:sp>
+            <a:pPr marL="0" indent="266700">
+              <a:buNone/>
+            </a:pPr>
+            <a:r>
+              <a:rPr lang="ru-RU" dirty="0" smtClean="0"/>
+              <a:t>Схема базы данных:</a:t>
+            </a:r>
+            <a:endParaRPr lang="ru-RU" dirty="0"/>
+          </a:p>
+        </p:txBody>
+      </p:sp>
+      <p:pic>
+        <p:nvPicPr>
+          <p:cNvPr id="1026" name="Picture 2"/>
+          <p:cNvPicPr>
+            <a:picLocks noChangeAspect="1" noChangeArrowheads="1"/>
+          </p:cNvPicPr>
+          <p:nvPr/>
+        </p:nvPicPr>
+        <p:blipFill>
+          <a:blip r:embed="rId2"/>
+          <a:srcRect/>
+          <a:stretch>
+            <a:fillRect/>
+          </a:stretch>
+        </p:blipFill>
+        <p:spPr bwMode="auto">
+          <a:xfrm>
+            <a:off x="857224" y="2428869"/>
+            <a:ext cx="4656819" cy="2786082"/>
+          </a:xfrm>
+          <a:prstGeom prst="rect">
+            <a:avLst/>
+          </a:prstGeom>
+          <a:noFill/>
+          <a:ln w="9525">
+            <a:noFill/>
+            <a:miter lim="800000"/>
+            <a:headEnd/>
+            <a:tailEnd/>
+          </a:ln>
+          <a:effectLst/>
+        </p:spPr>
+      </p:pic>
     </p:spTree>
   </p:cSld>
   <p:clrMapOvr>
@@ -4342,10 +5000,20 @@
         </p:nvSpPr>
         <p:spPr/>
         <p:txBody>
-          <a:bodyPr/>
-          <a:lstStyle/>
-          <a:p>
-            <a:endParaRPr lang="ru-RU"/>
+          <a:bodyPr>
+            <a:normAutofit fontScale="90000"/>
+          </a:bodyPr>
+          <a:lstStyle/>
+          <a:p>
+            <a:r>
+              <a:rPr lang="ru-RU" dirty="0" smtClean="0">
+                <a:latin typeface="+mn-lt"/>
+              </a:rPr>
+              <a:t>Демонстрация работы приложения</a:t>
+            </a:r>
+            <a:endParaRPr lang="ru-RU" dirty="0">
+              <a:latin typeface="+mn-lt"/>
+            </a:endParaRPr>
           </a:p>
         </p:txBody>
       </p:sp>
@@ -4364,10 +5032,58 @@
           <a:bodyPr/>
           <a:lstStyle/>
           <a:p>
-            <a:endParaRPr lang="ru-RU"/>
-          </a:p>
-        </p:txBody>
-      </p:sp>
+            <a:pPr marL="0" indent="266700">
+              <a:buNone/>
+            </a:pPr>
+            <a:r>
+              <a:rPr lang="ru-RU" dirty="0" smtClean="0"/>
+              <a:t>Код класса </a:t>
+            </a:r>
+            <a:r>
+              <a:rPr lang="en-US" dirty="0" smtClean="0"/>
+              <a:t>Data</a:t>
+            </a:r>
+            <a:r>
+              <a:rPr lang="ru-RU" dirty="0" smtClean="0"/>
+              <a:t>:</a:t>
+            </a:r>
+            <a:endParaRPr lang="ru-RU" dirty="0"/>
+          </a:p>
+        </p:txBody>
+      </p:sp>
+      <p:pic>
+        <p:nvPicPr>
+          <p:cNvPr id="2050" name="Picture 2"/>
+          <p:cNvPicPr>
+            <a:picLocks noChangeAspect="1" noChangeArrowheads="1"/>
+          </p:cNvPicPr>
+          <p:nvPr/>
+        </p:nvPicPr>
+        <p:blipFill>
+          <a:blip r:embed="rId2"/>
+          <a:srcRect/>
+          <a:stretch>
+            <a:fillRect/>
+          </a:stretch>
+        </p:blipFill>
+        <p:spPr bwMode="auto">
+          <a:xfrm>
+            <a:off x="571472" y="2285992"/>
+            <a:ext cx="4124325" cy="1847850"/>
+          </a:xfrm>
+          <a:prstGeom prst="rect">
+            <a:avLst/>
+          </a:prstGeom>
+          <a:noFill/>
+          <a:ln w="9525">
+            <a:noFill/>
+            <a:miter lim="800000"/>
+            <a:headEnd/>
+            <a:tailEnd/>
+          </a:ln>
+          <a:effectLst/>
+        </p:spPr>
+      </p:pic>
     </p:spTree>
   </p:cSld>
   <p:clrMapOvr>
@@ -4408,10 +5124,20 @@
         </p:nvSpPr>
         <p:spPr/>
         <p:txBody>
-          <a:bodyPr/>
-          <a:lstStyle/>
-          <a:p>
-            <a:endParaRPr lang="ru-RU"/>
+          <a:bodyPr>
+            <a:normAutofit fontScale="90000"/>
+          </a:bodyPr>
+          <a:lstStyle/>
+          <a:p>
+            <a:r>
+              <a:rPr lang="ru-RU" dirty="0" smtClean="0">
+                <a:latin typeface="+mn-lt"/>
+              </a:rPr>
+              <a:t>Демонстрация работы приложения</a:t>
+            </a:r>
+            <a:endParaRPr lang="ru-RU" dirty="0">
+              <a:latin typeface="+mn-lt"/>
+            </a:endParaRPr>
           </a:p>
         </p:txBody>
       </p:sp>
@@ -4430,10 +5156,50 @@
           <a:bodyPr/>
           <a:lstStyle/>
           <a:p>
-            <a:endParaRPr lang="ru-RU"/>
-          </a:p>
-        </p:txBody>
-      </p:sp>
+            <a:pPr marL="0" indent="266700">
+              <a:buNone/>
+            </a:pPr>
+            <a:r>
+              <a:rPr lang="ru-RU" dirty="0" smtClean="0"/>
+              <a:t>Схема базы данных с запросами:</a:t>
+            </a:r>
+            <a:endParaRPr lang="ru-RU" dirty="0"/>
+          </a:p>
+        </p:txBody>
+      </p:sp>
+      <p:pic>
+        <p:nvPicPr>
+          <p:cNvPr id="3074" name="Picture 2"/>
+          <p:cNvPicPr>
+            <a:picLocks noChangeAspect="1" noChangeArrowheads="1"/>
+          </p:cNvPicPr>
+          <p:nvPr/>
+        </p:nvPicPr>
+        <p:blipFill>
+          <a:blip r:embed="rId2"/>
+          <a:srcRect/>
+          <a:stretch>
+            <a:fillRect/>
+          </a:stretch>
+        </p:blipFill>
+        <p:spPr bwMode="auto">
+          <a:xfrm>
+            <a:off x="857225" y="2357431"/>
+            <a:ext cx="5214974" cy="2956944"/>
+          </a:xfrm>
+          <a:prstGeom prst="rect">
+            <a:avLst/>
+          </a:prstGeom>
+          <a:noFill/>
+          <a:ln w="9525">
+            <a:noFill/>
+            <a:miter lim="800000"/>
+            <a:headEnd/>
+            <a:tailEnd/>
+          </a:ln>
+          <a:effectLst/>
+        </p:spPr>
+      </p:pic>
     </p:spTree>
   </p:cSld>
   <p:clrMapOvr>
@@ -4474,10 +5240,20 @@
         </p:nvSpPr>
         <p:spPr/>
         <p:txBody>
-          <a:bodyPr/>
-          <a:lstStyle/>
-          <a:p>
-            <a:endParaRPr lang="ru-RU"/>
+          <a:bodyPr>
+            <a:normAutofit fontScale="90000"/>
+          </a:bodyPr>
+          <a:lstStyle/>
+          <a:p>
+            <a:r>
+              <a:rPr lang="ru-RU" dirty="0" smtClean="0">
+                <a:latin typeface="+mn-lt"/>
+              </a:rPr>
+              <a:t>Демонстрация работы приложения</a:t>
+            </a:r>
+            <a:endParaRPr lang="ru-RU" dirty="0">
+              <a:latin typeface="+mn-lt"/>
+            </a:endParaRPr>
           </a:p>
         </p:txBody>
       </p:sp>
@@ -4496,10 +5272,83 @@
           <a:bodyPr/>
           <a:lstStyle/>
           <a:p>
-            <a:endParaRPr lang="ru-RU"/>
-          </a:p>
-        </p:txBody>
-      </p:sp>
+            <a:pPr marL="0" indent="266700">
+              <a:buNone/>
+            </a:pPr>
+            <a:r>
+              <a:rPr lang="ru-RU" dirty="0" smtClean="0"/>
+              <a:t>Форма авторизации и код формы:</a:t>
+            </a:r>
+            <a:endParaRPr lang="ru-RU" dirty="0"/>
+          </a:p>
+        </p:txBody>
+      </p:sp>
+      <p:pic>
+        <p:nvPicPr>
+          <p:cNvPr id="4098" name="Picture 2"/>
+          <p:cNvPicPr>
+            <a:picLocks noChangeAspect="1" noChangeArrowheads="1"/>
+          </p:cNvPicPr>
+          <p:nvPr/>
+        </p:nvPicPr>
+        <p:blipFill>
+          <a:blip r:embed="rId2" cstate="print"/>
+          <a:srcRect/>
+          <a:stretch>
+            <a:fillRect/>
+          </a:stretch>
+        </p:blipFill>
+        <p:spPr bwMode="auto">
+          <a:xfrm>
+            <a:off x="642910" y="2357429"/>
+            <a:ext cx="3571899" cy="2819921"/>
+          </a:xfrm>
+          <a:prstGeom prst="rect">
+            <a:avLst/>
+          </a:prstGeom>
+          <a:noFill/>
+          <a:ln w="9525">
+            <a:noFill/>
+            <a:miter lim="800000"/>
+            <a:headEnd/>
+            <a:tailEnd/>
+          </a:ln>
+          <a:effectLst/>
+        </p:spPr>
+      </p:pic>
+      <p:pic>
+        <p:nvPicPr>
+          <p:cNvPr id="4099" name="Picture 3"/>
+          <p:cNvPicPr>
+            <a:picLocks noChangeAspect="1" noChangeArrowheads="1"/>
+          </p:cNvPicPr>
+          <p:nvPr/>
+        </p:nvPicPr>
+        <p:blipFill>
+          <a:blip r:embed="rId3"/>
+          <a:srcRect/>
+          <a:stretch>
+            <a:fillRect/>
+          </a:stretch>
+        </p:blipFill>
+        <p:spPr bwMode="auto">
+          <a:xfrm>
+            <a:off x="4857752" y="2357430"/>
+            <a:ext cx="2643206" cy="3874756"/>
+          </a:xfrm>
+          <a:prstGeom prst="rect">
+            <a:avLst/>
+          </a:prstGeom>
+          <a:noFill/>
+          <a:ln w="9525">
+            <a:noFill/>
+            <a:miter lim="800000"/>
+            <a:headEnd/>
+            <a:tailEnd/>
+          </a:ln>
+          <a:effectLst/>
+        </p:spPr>
+      </p:pic>
     </p:spTree>
   </p:cSld>
   <p:clrMapOvr>
@@ -4540,10 +5389,20 @@
         </p:nvSpPr>
         <p:spPr/>
         <p:txBody>
-          <a:bodyPr/>
-          <a:lstStyle/>
-          <a:p>
-            <a:endParaRPr lang="ru-RU"/>
+          <a:bodyPr>
+            <a:normAutofit fontScale="90000"/>
+          </a:bodyPr>
+          <a:lstStyle/>
+          <a:p>
+            <a:r>
+              <a:rPr lang="ru-RU" dirty="0" smtClean="0">
+                <a:latin typeface="+mn-lt"/>
+              </a:rPr>
+              <a:t>Демонстрация работы приложения</a:t>
+            </a:r>
+            <a:endParaRPr lang="ru-RU" dirty="0">
+              <a:latin typeface="+mn-lt"/>
+            </a:endParaRPr>
           </a:p>
         </p:txBody>
       </p:sp>
@@ -4562,10 +5421,83 @@
           <a:bodyPr/>
           <a:lstStyle/>
           <a:p>
-            <a:endParaRPr lang="ru-RU"/>
-          </a:p>
-        </p:txBody>
-      </p:sp>
+            <a:pPr marL="0" indent="266700">
+              <a:buNone/>
+            </a:pPr>
+            <a:r>
+              <a:rPr lang="ru-RU" dirty="0" smtClean="0"/>
+              <a:t>Форма меню сотрудника:</a:t>
+            </a:r>
+            <a:endParaRPr lang="ru-RU" dirty="0"/>
+          </a:p>
+        </p:txBody>
+      </p:sp>
+      <p:pic>
+        <p:nvPicPr>
+          <p:cNvPr id="5122" name="Picture 2"/>
+          <p:cNvPicPr>
+            <a:picLocks noChangeAspect="1" noChangeArrowheads="1"/>
+          </p:cNvPicPr>
+          <p:nvPr/>
+        </p:nvPicPr>
+        <p:blipFill>
+          <a:blip r:embed="rId2" cstate="print"/>
+          <a:srcRect/>
+          <a:stretch>
+            <a:fillRect/>
+          </a:stretch>
+        </p:blipFill>
+        <p:spPr bwMode="auto">
+          <a:xfrm>
+            <a:off x="500035" y="2500306"/>
+            <a:ext cx="3357585" cy="2078505"/>
+          </a:xfrm>
+          <a:prstGeom prst="rect">
+            <a:avLst/>
+          </a:prstGeom>
+          <a:noFill/>
+          <a:ln w="9525">
+            <a:noFill/>
+            <a:miter lim="800000"/>
+            <a:headEnd/>
+            <a:tailEnd/>
+          </a:ln>
+          <a:effectLst/>
+        </p:spPr>
+      </p:pic>
+      <p:pic>
+        <p:nvPicPr>
+          <p:cNvPr id="5123" name="Picture 3"/>
+          <p:cNvPicPr>
+            <a:picLocks noChangeAspect="1" noChangeArrowheads="1"/>
+          </p:cNvPicPr>
+          <p:nvPr/>
+        </p:nvPicPr>
+        <p:blipFill>
+          <a:blip r:embed="rId3" cstate="print"/>
+          <a:srcRect/>
+          <a:stretch>
+            <a:fillRect/>
+          </a:stretch>
+        </p:blipFill>
+        <p:spPr bwMode="auto">
+          <a:xfrm>
+            <a:off x="4496864" y="2500307"/>
+            <a:ext cx="3361284" cy="2071702"/>
+          </a:xfrm>
+          <a:prstGeom prst="rect">
+            <a:avLst/>
+          </a:prstGeom>
+          <a:noFill/>
+          <a:ln w="9525">
+            <a:noFill/>
+            <a:miter lim="800000"/>
+            <a:headEnd/>
+            <a:tailEnd/>
+          </a:ln>
+          <a:effectLst/>
+        </p:spPr>
+      </p:pic>
     </p:spTree>
   </p:cSld>
   <p:clrMapOvr>
